--- a/卒業制作_超ぶっ飛び超絶バトロワ（仮）.pptx
+++ b/卒業制作_超ぶっ飛び超絶バトロワ（仮）.pptx
@@ -4060,7 +4060,7 @@
         </p:nvSpPr>
         <p:spPr>
           <a:xfrm rot="1540385">
-            <a:off x="9426944" y="934629"/>
+            <a:off x="7213411" y="1004967"/>
             <a:ext cx="2173055" cy="1186962"/>
           </a:xfrm>
           <a:prstGeom prst="wedgeEllipseCallout">
@@ -4108,7 +4108,7 @@
         </p:nvSpPr>
         <p:spPr>
           <a:xfrm>
-            <a:off x="9715568" y="1343444"/>
+            <a:off x="7502035" y="1413782"/>
             <a:ext cx="1595806" cy="369332"/>
           </a:xfrm>
           <a:prstGeom prst="rect">
@@ -5314,8 +5314,8 @@
         </p:nvSpPr>
         <p:spPr>
           <a:xfrm>
-            <a:off x="4507441" y="2661727"/>
-            <a:ext cx="2778531" cy="1051264"/>
+            <a:off x="4507441" y="2661726"/>
+            <a:ext cx="2778531" cy="1458565"/>
           </a:xfrm>
           <a:prstGeom prst="ellipse">
             <a:avLst/>
@@ -5362,7 +5362,7 @@
         </p:nvSpPr>
         <p:spPr>
           <a:xfrm>
-            <a:off x="4519977" y="2980146"/>
+            <a:off x="4519977" y="3224965"/>
             <a:ext cx="2753458" cy="369332"/>
           </a:xfrm>
           <a:prstGeom prst="rect">
@@ -5404,7 +5404,7 @@
         </p:nvSpPr>
         <p:spPr>
           <a:xfrm>
-            <a:off x="5585720" y="3441094"/>
+            <a:off x="5603304" y="3973559"/>
             <a:ext cx="597054" cy="692544"/>
           </a:xfrm>
           <a:prstGeom prst="downArrow">
@@ -5444,7 +5444,7 @@
         </p:nvSpPr>
         <p:spPr>
           <a:xfrm>
-            <a:off x="4204184" y="4151065"/>
+            <a:off x="4221768" y="4683530"/>
             <a:ext cx="3310822" cy="461665"/>
           </a:xfrm>
           <a:prstGeom prst="rect">

--- a/卒業制作_超ぶっ飛び超絶バトロワ（仮）.pptx
+++ b/卒業制作_超ぶっ飛び超絶バトロワ（仮）.pptx
@@ -19,14 +19,15 @@
     <p:sldId id="280" r:id="rId13"/>
     <p:sldId id="278" r:id="rId14"/>
     <p:sldId id="281" r:id="rId15"/>
-    <p:sldId id="282" r:id="rId16"/>
-    <p:sldId id="268" r:id="rId17"/>
-    <p:sldId id="273" r:id="rId18"/>
-    <p:sldId id="274" r:id="rId19"/>
-    <p:sldId id="269" r:id="rId20"/>
-    <p:sldId id="272" r:id="rId21"/>
-    <p:sldId id="270" r:id="rId22"/>
-    <p:sldId id="271" r:id="rId23"/>
+    <p:sldId id="283" r:id="rId16"/>
+    <p:sldId id="282" r:id="rId17"/>
+    <p:sldId id="268" r:id="rId18"/>
+    <p:sldId id="273" r:id="rId19"/>
+    <p:sldId id="274" r:id="rId20"/>
+    <p:sldId id="269" r:id="rId21"/>
+    <p:sldId id="272" r:id="rId22"/>
+    <p:sldId id="270" r:id="rId23"/>
+    <p:sldId id="271" r:id="rId24"/>
   </p:sldIdLst>
   <p:sldSz cx="12192000" cy="6858000"/>
   <p:notesSz cx="6858000" cy="9144000"/>
@@ -264,7 +265,7 @@
           <a:p>
             <a:fld id="{45B9E0DA-C511-4EE6-BBCF-3E46AF171622}" type="datetimeFigureOut">
               <a:rPr kumimoji="1" lang="ja-JP" altLang="en-US" smtClean="0"/>
-              <a:t>2022/10/18</a:t>
+              <a:t>2022/10/19</a:t>
             </a:fld>
             <a:endParaRPr kumimoji="1" lang="ja-JP" altLang="en-US"/>
           </a:p>
@@ -466,7 +467,7 @@
           <a:p>
             <a:fld id="{45B9E0DA-C511-4EE6-BBCF-3E46AF171622}" type="datetimeFigureOut">
               <a:rPr kumimoji="1" lang="ja-JP" altLang="en-US" smtClean="0"/>
-              <a:t>2022/10/18</a:t>
+              <a:t>2022/10/19</a:t>
             </a:fld>
             <a:endParaRPr kumimoji="1" lang="ja-JP" altLang="en-US"/>
           </a:p>
@@ -678,7 +679,7 @@
           <a:p>
             <a:fld id="{45B9E0DA-C511-4EE6-BBCF-3E46AF171622}" type="datetimeFigureOut">
               <a:rPr kumimoji="1" lang="ja-JP" altLang="en-US" smtClean="0"/>
-              <a:t>2022/10/18</a:t>
+              <a:t>2022/10/19</a:t>
             </a:fld>
             <a:endParaRPr kumimoji="1" lang="ja-JP" altLang="en-US"/>
           </a:p>
@@ -880,7 +881,7 @@
           <a:p>
             <a:fld id="{45B9E0DA-C511-4EE6-BBCF-3E46AF171622}" type="datetimeFigureOut">
               <a:rPr kumimoji="1" lang="ja-JP" altLang="en-US" smtClean="0"/>
-              <a:t>2022/10/18</a:t>
+              <a:t>2022/10/19</a:t>
             </a:fld>
             <a:endParaRPr kumimoji="1" lang="ja-JP" altLang="en-US"/>
           </a:p>
@@ -1126,7 +1127,7 @@
           <a:p>
             <a:fld id="{45B9E0DA-C511-4EE6-BBCF-3E46AF171622}" type="datetimeFigureOut">
               <a:rPr kumimoji="1" lang="ja-JP" altLang="en-US" smtClean="0"/>
-              <a:t>2022/10/18</a:t>
+              <a:t>2022/10/19</a:t>
             </a:fld>
             <a:endParaRPr kumimoji="1" lang="ja-JP" altLang="en-US"/>
           </a:p>
@@ -1422,7 +1423,7 @@
           <a:p>
             <a:fld id="{45B9E0DA-C511-4EE6-BBCF-3E46AF171622}" type="datetimeFigureOut">
               <a:rPr kumimoji="1" lang="ja-JP" altLang="en-US" smtClean="0"/>
-              <a:t>2022/10/18</a:t>
+              <a:t>2022/10/19</a:t>
             </a:fld>
             <a:endParaRPr kumimoji="1" lang="ja-JP" altLang="en-US"/>
           </a:p>
@@ -1853,7 +1854,7 @@
           <a:p>
             <a:fld id="{45B9E0DA-C511-4EE6-BBCF-3E46AF171622}" type="datetimeFigureOut">
               <a:rPr kumimoji="1" lang="ja-JP" altLang="en-US" smtClean="0"/>
-              <a:t>2022/10/18</a:t>
+              <a:t>2022/10/19</a:t>
             </a:fld>
             <a:endParaRPr kumimoji="1" lang="ja-JP" altLang="en-US"/>
           </a:p>
@@ -1971,7 +1972,7 @@
           <a:p>
             <a:fld id="{45B9E0DA-C511-4EE6-BBCF-3E46AF171622}" type="datetimeFigureOut">
               <a:rPr kumimoji="1" lang="ja-JP" altLang="en-US" smtClean="0"/>
-              <a:t>2022/10/18</a:t>
+              <a:t>2022/10/19</a:t>
             </a:fld>
             <a:endParaRPr kumimoji="1" lang="ja-JP" altLang="en-US"/>
           </a:p>
@@ -2066,7 +2067,7 @@
           <a:p>
             <a:fld id="{45B9E0DA-C511-4EE6-BBCF-3E46AF171622}" type="datetimeFigureOut">
               <a:rPr kumimoji="1" lang="ja-JP" altLang="en-US" smtClean="0"/>
-              <a:t>2022/10/18</a:t>
+              <a:t>2022/10/19</a:t>
             </a:fld>
             <a:endParaRPr kumimoji="1" lang="ja-JP" altLang="en-US"/>
           </a:p>
@@ -2375,7 +2376,7 @@
           <a:p>
             <a:fld id="{45B9E0DA-C511-4EE6-BBCF-3E46AF171622}" type="datetimeFigureOut">
               <a:rPr kumimoji="1" lang="ja-JP" altLang="en-US" smtClean="0"/>
-              <a:t>2022/10/18</a:t>
+              <a:t>2022/10/19</a:t>
             </a:fld>
             <a:endParaRPr kumimoji="1" lang="ja-JP" altLang="en-US"/>
           </a:p>
@@ -2628,7 +2629,7 @@
           <a:p>
             <a:fld id="{45B9E0DA-C511-4EE6-BBCF-3E46AF171622}" type="datetimeFigureOut">
               <a:rPr kumimoji="1" lang="ja-JP" altLang="en-US" smtClean="0"/>
-              <a:t>2022/10/18</a:t>
+              <a:t>2022/10/19</a:t>
             </a:fld>
             <a:endParaRPr kumimoji="1" lang="ja-JP" altLang="en-US"/>
           </a:p>
@@ -2873,7 +2874,7 @@
           <a:p>
             <a:fld id="{45B9E0DA-C511-4EE6-BBCF-3E46AF171622}" type="datetimeFigureOut">
               <a:rPr kumimoji="1" lang="ja-JP" altLang="en-US" smtClean="0"/>
-              <a:t>2022/10/18</a:t>
+              <a:t>2022/10/19</a:t>
             </a:fld>
             <a:endParaRPr kumimoji="1" lang="ja-JP" altLang="en-US"/>
           </a:p>
@@ -5876,9 +5877,67 @@
             </a:r>
             <a:r>
               <a:rPr lang="ja-JP" altLang="en-US" sz="2400" b="1" dirty="0" smtClean="0"/>
-              <a:t>円内に爆弾をランダムで落とす</a:t>
+              <a:t>円内に</a:t>
+            </a:r>
+            <a:r>
+              <a:rPr lang="ja-JP" altLang="en-US" sz="2400" b="1" dirty="0" smtClean="0">
+                <a:solidFill>
+                  <a:srgbClr val="FF0000"/>
+                </a:solidFill>
+              </a:rPr>
+              <a:t>爆弾</a:t>
+            </a:r>
+            <a:r>
+              <a:rPr lang="ja-JP" altLang="en-US" sz="2400" b="1" dirty="0" smtClean="0"/>
+              <a:t>をランダムで落とす</a:t>
             </a:r>
             <a:endParaRPr lang="en-US" altLang="ja-JP" sz="2200" b="1" dirty="0" smtClean="0"/>
+          </a:p>
+        </p:txBody>
+      </p:sp>
+      <p:sp>
+        <p:nvSpPr>
+          <p:cNvPr id="4" name="テキスト ボックス 3"/>
+          <p:cNvSpPr txBox="1"/>
+          <p:nvPr/>
+        </p:nvSpPr>
+        <p:spPr>
+          <a:xfrm>
+            <a:off x="1617784" y="5730206"/>
+            <a:ext cx="7385539" cy="369332"/>
+          </a:xfrm>
+          <a:prstGeom prst="rect">
+            <a:avLst/>
+          </a:prstGeom>
+          <a:noFill/>
+        </p:spPr>
+        <p:txBody>
+          <a:bodyPr wrap="square" rtlCol="0">
+            <a:spAutoFit/>
+          </a:bodyPr>
+          <a:lstStyle/>
+          <a:p>
+            <a:r>
+              <a:rPr lang="ja-JP" altLang="en-US" b="1" dirty="0">
+                <a:solidFill>
+                  <a:srgbClr val="FF0000"/>
+                </a:solidFill>
+              </a:rPr>
+              <a:t>爆弾</a:t>
+            </a:r>
+            <a:r>
+              <a:rPr lang="ja-JP" altLang="en-US" b="1" dirty="0" smtClean="0"/>
+              <a:t>は</a:t>
+            </a:r>
+            <a:r>
+              <a:rPr lang="en-US" altLang="ja-JP" b="1" dirty="0" smtClean="0"/>
+              <a:t>1</a:t>
+            </a:r>
+            <a:r>
+              <a:rPr lang="ja-JP" altLang="en-US" b="1" dirty="0" smtClean="0"/>
+              <a:t>発あたったら即場外へ</a:t>
+            </a:r>
+            <a:endParaRPr kumimoji="1" lang="ja-JP" altLang="en-US" b="1" dirty="0"/>
           </a:p>
         </p:txBody>
       </p:sp>
@@ -5914,33 +5973,43 @@
       </p:grpSpPr>
       <p:sp>
         <p:nvSpPr>
-          <p:cNvPr id="7" name="正方形/長方形 6"/>
+          <p:cNvPr id="31" name="楕円 30"/>
           <p:cNvSpPr/>
           <p:nvPr/>
         </p:nvSpPr>
         <p:spPr>
           <a:xfrm>
-            <a:off x="817185" y="942109"/>
-            <a:ext cx="10155615" cy="5409363"/>
-          </a:xfrm>
-          <a:prstGeom prst="rect">
-            <a:avLst/>
-          </a:prstGeom>
-          <a:noFill/>
-          <a:ln w="38100"/>
+            <a:off x="6993899" y="3551005"/>
+            <a:ext cx="1057459" cy="1048129"/>
+          </a:xfrm>
+          <a:prstGeom prst="ellipse">
+            <a:avLst/>
+          </a:prstGeom>
+          <a:solidFill>
+            <a:schemeClr val="bg2">
+              <a:lumMod val="90000"/>
+            </a:schemeClr>
+          </a:solidFill>
+          <a:ln>
+            <a:solidFill>
+              <a:schemeClr val="tx1"/>
+            </a:solidFill>
+          </a:ln>
         </p:spPr>
         <p:style>
           <a:lnRef idx="2">
-            <a:schemeClr val="dk1"/>
+            <a:schemeClr val="accent1">
+              <a:shade val="50000"/>
+            </a:schemeClr>
           </a:lnRef>
           <a:fillRef idx="1">
-            <a:schemeClr val="lt1"/>
+            <a:schemeClr val="accent1"/>
           </a:fillRef>
           <a:effectRef idx="0">
-            <a:schemeClr val="dk1"/>
+            <a:schemeClr val="accent1"/>
           </a:effectRef>
           <a:fontRef idx="minor">
-            <a:schemeClr val="dk1"/>
+            <a:schemeClr val="lt1"/>
           </a:fontRef>
         </p:style>
         <p:txBody>
@@ -5954,14 +6023,274 @@
       </p:sp>
       <p:sp>
         <p:nvSpPr>
-          <p:cNvPr id="2" name="正方形/長方形 1"/>
+          <p:cNvPr id="29" name="楕円 28"/>
           <p:cNvSpPr/>
           <p:nvPr/>
         </p:nvSpPr>
         <p:spPr>
           <a:xfrm>
-            <a:off x="651778" y="568448"/>
-            <a:ext cx="4493538" cy="523220"/>
+            <a:off x="2448731" y="3551006"/>
+            <a:ext cx="1057459" cy="1048129"/>
+          </a:xfrm>
+          <a:prstGeom prst="ellipse">
+            <a:avLst/>
+          </a:prstGeom>
+          <a:solidFill>
+            <a:schemeClr val="bg2">
+              <a:lumMod val="90000"/>
+            </a:schemeClr>
+          </a:solidFill>
+          <a:ln>
+            <a:solidFill>
+              <a:schemeClr val="tx1"/>
+            </a:solidFill>
+          </a:ln>
+        </p:spPr>
+        <p:style>
+          <a:lnRef idx="2">
+            <a:schemeClr val="accent1">
+              <a:shade val="50000"/>
+            </a:schemeClr>
+          </a:lnRef>
+          <a:fillRef idx="1">
+            <a:schemeClr val="accent1"/>
+          </a:fillRef>
+          <a:effectRef idx="0">
+            <a:schemeClr val="accent1"/>
+          </a:effectRef>
+          <a:fontRef idx="minor">
+            <a:schemeClr val="lt1"/>
+          </a:fontRef>
+        </p:style>
+        <p:txBody>
+          <a:bodyPr rtlCol="0" anchor="ctr"/>
+          <a:lstStyle/>
+          <a:p>
+            <a:pPr algn="ctr"/>
+            <a:endParaRPr kumimoji="1" lang="ja-JP" altLang="en-US"/>
+          </a:p>
+        </p:txBody>
+      </p:sp>
+      <p:sp>
+        <p:nvSpPr>
+          <p:cNvPr id="4" name="楕円 3"/>
+          <p:cNvSpPr/>
+          <p:nvPr/>
+        </p:nvSpPr>
+        <p:spPr>
+          <a:xfrm>
+            <a:off x="2321170" y="1726396"/>
+            <a:ext cx="5829300" cy="4648028"/>
+          </a:xfrm>
+          <a:prstGeom prst="ellipse">
+            <a:avLst/>
+          </a:prstGeom>
+          <a:noFill/>
+          <a:ln>
+            <a:solidFill>
+              <a:srgbClr val="FF0000"/>
+            </a:solidFill>
+          </a:ln>
+        </p:spPr>
+        <p:style>
+          <a:lnRef idx="2">
+            <a:schemeClr val="accent1">
+              <a:shade val="50000"/>
+            </a:schemeClr>
+          </a:lnRef>
+          <a:fillRef idx="1">
+            <a:schemeClr val="accent1"/>
+          </a:fillRef>
+          <a:effectRef idx="0">
+            <a:schemeClr val="accent1"/>
+          </a:effectRef>
+          <a:fontRef idx="minor">
+            <a:schemeClr val="lt1"/>
+          </a:fontRef>
+        </p:style>
+        <p:txBody>
+          <a:bodyPr rtlCol="0" anchor="ctr"/>
+          <a:lstStyle/>
+          <a:p>
+            <a:pPr algn="ctr"/>
+            <a:endParaRPr kumimoji="1" lang="ja-JP" altLang="en-US"/>
+          </a:p>
+        </p:txBody>
+      </p:sp>
+      <p:sp>
+        <p:nvSpPr>
+          <p:cNvPr id="5" name="楕円 4"/>
+          <p:cNvSpPr/>
+          <p:nvPr/>
+        </p:nvSpPr>
+        <p:spPr>
+          <a:xfrm>
+            <a:off x="4706983" y="2005575"/>
+            <a:ext cx="1057459" cy="1048129"/>
+          </a:xfrm>
+          <a:prstGeom prst="ellipse">
+            <a:avLst/>
+          </a:prstGeom>
+          <a:solidFill>
+            <a:schemeClr val="bg2">
+              <a:lumMod val="90000"/>
+            </a:schemeClr>
+          </a:solidFill>
+          <a:ln>
+            <a:solidFill>
+              <a:schemeClr val="tx1"/>
+            </a:solidFill>
+          </a:ln>
+        </p:spPr>
+        <p:style>
+          <a:lnRef idx="2">
+            <a:schemeClr val="accent1">
+              <a:shade val="50000"/>
+            </a:schemeClr>
+          </a:lnRef>
+          <a:fillRef idx="1">
+            <a:schemeClr val="accent1"/>
+          </a:fillRef>
+          <a:effectRef idx="0">
+            <a:schemeClr val="accent1"/>
+          </a:effectRef>
+          <a:fontRef idx="minor">
+            <a:schemeClr val="lt1"/>
+          </a:fontRef>
+        </p:style>
+        <p:txBody>
+          <a:bodyPr rtlCol="0" anchor="ctr"/>
+          <a:lstStyle/>
+          <a:p>
+            <a:pPr algn="ctr"/>
+            <a:endParaRPr kumimoji="1" lang="ja-JP" altLang="en-US"/>
+          </a:p>
+        </p:txBody>
+      </p:sp>
+      <p:sp>
+        <p:nvSpPr>
+          <p:cNvPr id="25" name="テキスト ボックス 24"/>
+          <p:cNvSpPr txBox="1"/>
+          <p:nvPr/>
+        </p:nvSpPr>
+        <p:spPr>
+          <a:xfrm>
+            <a:off x="1249746" y="2118902"/>
+            <a:ext cx="1509554" cy="410737"/>
+          </a:xfrm>
+          <a:prstGeom prst="rect">
+            <a:avLst/>
+          </a:prstGeom>
+          <a:noFill/>
+          <a:ln w="19050">
+            <a:solidFill>
+              <a:schemeClr val="tx1"/>
+            </a:solidFill>
+          </a:ln>
+        </p:spPr>
+        <p:txBody>
+          <a:bodyPr wrap="square" rtlCol="0">
+            <a:spAutoFit/>
+          </a:bodyPr>
+          <a:lstStyle/>
+          <a:p>
+            <a:pPr algn="ctr"/>
+            <a:r>
+              <a:rPr kumimoji="1" lang="ja-JP" altLang="en-US" sz="2000" dirty="0" smtClean="0"/>
+              <a:t>戦うところ</a:t>
+            </a:r>
+            <a:endParaRPr kumimoji="1" lang="ja-JP" altLang="en-US" sz="2000" dirty="0"/>
+          </a:p>
+        </p:txBody>
+      </p:sp>
+      <p:sp>
+        <p:nvSpPr>
+          <p:cNvPr id="26" name="円形吹き出し 25"/>
+          <p:cNvSpPr/>
+          <p:nvPr/>
+        </p:nvSpPr>
+        <p:spPr>
+          <a:xfrm rot="1540385">
+            <a:off x="7161601" y="1445573"/>
+            <a:ext cx="2193319" cy="1191849"/>
+          </a:xfrm>
+          <a:prstGeom prst="wedgeEllipseCallout">
+            <a:avLst/>
+          </a:prstGeom>
+          <a:noFill/>
+          <a:ln w="38100">
+            <a:solidFill>
+              <a:schemeClr val="accent3">
+                <a:lumMod val="50000"/>
+              </a:schemeClr>
+            </a:solidFill>
+          </a:ln>
+        </p:spPr>
+        <p:style>
+          <a:lnRef idx="2">
+            <a:schemeClr val="accent1">
+              <a:shade val="50000"/>
+            </a:schemeClr>
+          </a:lnRef>
+          <a:fillRef idx="1">
+            <a:schemeClr val="accent1"/>
+          </a:fillRef>
+          <a:effectRef idx="0">
+            <a:schemeClr val="accent1"/>
+          </a:effectRef>
+          <a:fontRef idx="minor">
+            <a:schemeClr val="lt1"/>
+          </a:fontRef>
+        </p:style>
+        <p:txBody>
+          <a:bodyPr rtlCol="0" anchor="ctr"/>
+          <a:lstStyle/>
+          <a:p>
+            <a:pPr algn="ctr"/>
+            <a:endParaRPr kumimoji="1" lang="ja-JP" altLang="en-US"/>
+          </a:p>
+        </p:txBody>
+      </p:sp>
+      <p:sp>
+        <p:nvSpPr>
+          <p:cNvPr id="27" name="テキスト ボックス 26"/>
+          <p:cNvSpPr txBox="1"/>
+          <p:nvPr/>
+        </p:nvSpPr>
+        <p:spPr>
+          <a:xfrm>
+            <a:off x="7462354" y="1853124"/>
+            <a:ext cx="1708304" cy="370853"/>
+          </a:xfrm>
+          <a:prstGeom prst="rect">
+            <a:avLst/>
+          </a:prstGeom>
+          <a:noFill/>
+        </p:spPr>
+        <p:txBody>
+          <a:bodyPr wrap="square" rtlCol="0">
+            <a:spAutoFit/>
+          </a:bodyPr>
+          <a:lstStyle/>
+          <a:p>
+            <a:r>
+              <a:rPr lang="ja-JP" altLang="en-US" dirty="0" smtClean="0"/>
+              <a:t>円外は落ちる</a:t>
+            </a:r>
+            <a:endParaRPr kumimoji="1" lang="ja-JP" altLang="en-US" dirty="0"/>
+          </a:p>
+        </p:txBody>
+      </p:sp>
+      <p:sp>
+        <p:nvSpPr>
+          <p:cNvPr id="28" name="正方形/長方形 27"/>
+          <p:cNvSpPr/>
+          <p:nvPr/>
+        </p:nvSpPr>
+        <p:spPr>
+          <a:xfrm>
+            <a:off x="3209529" y="533230"/>
+            <a:ext cx="3647152" cy="369332"/>
           </a:xfrm>
           <a:prstGeom prst="rect">
             <a:avLst/>
@@ -5982,114 +6311,53 @@
           <a:lstStyle/>
           <a:p>
             <a:r>
-              <a:rPr lang="ja-JP" altLang="en-US" sz="2800" b="1" dirty="0"/>
-              <a:t>タイマーが０に</a:t>
-            </a:r>
-            <a:r>
-              <a:rPr lang="ja-JP" altLang="en-US" sz="2800" b="1" dirty="0" smtClean="0"/>
-              <a:t>なった場合</a:t>
-            </a:r>
-            <a:endParaRPr lang="ja-JP" altLang="en-US" sz="2800" b="1" dirty="0"/>
-          </a:p>
-        </p:txBody>
-      </p:sp>
-      <p:sp>
-        <p:nvSpPr>
-          <p:cNvPr id="3" name="テキスト ボックス 2"/>
-          <p:cNvSpPr txBox="1"/>
-          <p:nvPr/>
-        </p:nvSpPr>
-        <p:spPr>
-          <a:xfrm>
-            <a:off x="990482" y="1662263"/>
-            <a:ext cx="4154834" cy="461665"/>
-          </a:xfrm>
-          <a:prstGeom prst="rect">
-            <a:avLst/>
-          </a:prstGeom>
-          <a:noFill/>
-        </p:spPr>
-        <p:txBody>
-          <a:bodyPr wrap="square" rtlCol="0">
-            <a:spAutoFit/>
-          </a:bodyPr>
-          <a:lstStyle/>
-          <a:p>
-            <a:r>
-              <a:rPr lang="ja-JP" altLang="en-US" dirty="0" smtClean="0"/>
-              <a:t>・</a:t>
-            </a:r>
-            <a:r>
-              <a:rPr lang="ja-JP" altLang="en-US" sz="2400" b="1" dirty="0" smtClean="0"/>
-              <a:t>プレイヤーを動かなくする</a:t>
-            </a:r>
-            <a:endParaRPr lang="en-US" altLang="ja-JP" sz="2400" b="1" dirty="0" smtClean="0"/>
-          </a:p>
-        </p:txBody>
-      </p:sp>
-      <p:sp>
-        <p:nvSpPr>
-          <p:cNvPr id="13" name="テキスト ボックス 12"/>
-          <p:cNvSpPr txBox="1"/>
-          <p:nvPr/>
-        </p:nvSpPr>
-        <p:spPr>
-          <a:xfrm>
-            <a:off x="990482" y="3184603"/>
-            <a:ext cx="4154834" cy="461665"/>
-          </a:xfrm>
-          <a:prstGeom prst="rect">
-            <a:avLst/>
-          </a:prstGeom>
-          <a:noFill/>
-        </p:spPr>
-        <p:txBody>
-          <a:bodyPr wrap="square" rtlCol="0">
-            <a:spAutoFit/>
-          </a:bodyPr>
-          <a:lstStyle/>
-          <a:p>
-            <a:r>
-              <a:rPr lang="ja-JP" altLang="en-US" dirty="0" smtClean="0"/>
-              <a:t>・</a:t>
-            </a:r>
-            <a:r>
-              <a:rPr lang="ja-JP" altLang="en-US" sz="2400" b="1" dirty="0" smtClean="0"/>
-              <a:t>タイマーを０以下にしない</a:t>
-            </a:r>
-            <a:endParaRPr lang="en-US" altLang="ja-JP" sz="2400" b="1" dirty="0" smtClean="0"/>
-          </a:p>
-        </p:txBody>
-      </p:sp>
-      <p:sp>
-        <p:nvSpPr>
-          <p:cNvPr id="6" name="右矢印 5"/>
+              <a:rPr lang="ja-JP" altLang="en-US" b="1" dirty="0"/>
+              <a:t>タイマー</a:t>
+            </a:r>
+            <a:r>
+              <a:rPr lang="ja-JP" altLang="en-US" b="1" dirty="0" smtClean="0"/>
+              <a:t>が１０以下になった場合</a:t>
+            </a:r>
+            <a:endParaRPr lang="ja-JP" altLang="en-US" b="1" dirty="0"/>
+          </a:p>
+        </p:txBody>
+      </p:sp>
+      <p:sp>
+        <p:nvSpPr>
+          <p:cNvPr id="30" name="楕円 29"/>
           <p:cNvSpPr/>
           <p:nvPr/>
         </p:nvSpPr>
         <p:spPr>
           <a:xfrm>
-            <a:off x="990482" y="2241070"/>
-            <a:ext cx="727482" cy="406400"/>
-          </a:xfrm>
-          <a:prstGeom prst="rightArrow">
-            <a:avLst>
-              <a:gd name="adj1" fmla="val 50000"/>
-              <a:gd name="adj2" fmla="val 72727"/>
-            </a:avLst>
-          </a:prstGeom>
+            <a:off x="4706981" y="5096433"/>
+            <a:ext cx="1057459" cy="1048129"/>
+          </a:xfrm>
+          <a:prstGeom prst="ellipse">
+            <a:avLst/>
+          </a:prstGeom>
+          <a:solidFill>
+            <a:schemeClr val="bg2">
+              <a:lumMod val="90000"/>
+            </a:schemeClr>
+          </a:solidFill>
+          <a:ln>
+            <a:solidFill>
+              <a:schemeClr val="tx1"/>
+            </a:solidFill>
+          </a:ln>
         </p:spPr>
         <p:style>
           <a:lnRef idx="2">
-            <a:schemeClr val="dk1">
+            <a:schemeClr val="accent1">
               <a:shade val="50000"/>
             </a:schemeClr>
           </a:lnRef>
           <a:fillRef idx="1">
-            <a:schemeClr val="dk1"/>
+            <a:schemeClr val="accent1"/>
           </a:fillRef>
           <a:effectRef idx="0">
-            <a:schemeClr val="dk1"/>
+            <a:schemeClr val="accent1"/>
           </a:effectRef>
           <a:fontRef idx="minor">
             <a:schemeClr val="lt1"/>
@@ -6106,19 +6374,26 @@
       </p:sp>
       <p:sp>
         <p:nvSpPr>
-          <p:cNvPr id="11" name="テキスト ボックス 10"/>
+          <p:cNvPr id="6" name="テキスト ボックス 5"/>
           <p:cNvSpPr txBox="1"/>
           <p:nvPr/>
         </p:nvSpPr>
         <p:spPr>
           <a:xfrm>
-            <a:off x="1717964" y="2271037"/>
-            <a:ext cx="3602182" cy="461665"/>
-          </a:xfrm>
-          <a:prstGeom prst="rect">
-            <a:avLst/>
-          </a:prstGeom>
-          <a:noFill/>
+            <a:off x="4099352" y="3751903"/>
+            <a:ext cx="2272718" cy="646331"/>
+          </a:xfrm>
+          <a:prstGeom prst="rect">
+            <a:avLst/>
+          </a:prstGeom>
+          <a:solidFill>
+            <a:schemeClr val="bg1"/>
+          </a:solidFill>
+          <a:ln w="28575">
+            <a:solidFill>
+              <a:srgbClr val="7030A0"/>
+            </a:solidFill>
+          </a:ln>
         </p:spPr>
         <p:txBody>
           <a:bodyPr wrap="square" rtlCol="0">
@@ -6126,18 +6401,199 @@
           </a:bodyPr>
           <a:lstStyle/>
           <a:p>
-            <a:r>
-              <a:rPr kumimoji="1" lang="ja-JP" altLang="en-US" sz="2400" b="1" dirty="0" smtClean="0"/>
-              <a:t>操作をできなくする</a:t>
-            </a:r>
-            <a:endParaRPr kumimoji="1" lang="ja-JP" altLang="en-US" sz="2400" b="1" dirty="0"/>
-          </a:p>
-        </p:txBody>
-      </p:sp>
+            <a:pPr algn="ctr"/>
+            <a:r>
+              <a:rPr lang="ja-JP" altLang="en-US" dirty="0">
+                <a:solidFill>
+                  <a:srgbClr val="FF0000"/>
+                </a:solidFill>
+              </a:rPr>
+              <a:t>爆弾</a:t>
+            </a:r>
+            <a:r>
+              <a:rPr lang="ja-JP" altLang="en-US" dirty="0" smtClean="0"/>
+              <a:t>が落ちる地点に</a:t>
+            </a:r>
+            <a:endParaRPr lang="en-US" altLang="ja-JP" dirty="0" smtClean="0"/>
+          </a:p>
+          <a:p>
+            <a:pPr algn="ctr"/>
+            <a:r>
+              <a:rPr kumimoji="1" lang="ja-JP" altLang="en-US" dirty="0" smtClean="0">
+                <a:solidFill>
+                  <a:srgbClr val="7030A0"/>
+                </a:solidFill>
+              </a:rPr>
+              <a:t>影</a:t>
+            </a:r>
+            <a:r>
+              <a:rPr kumimoji="1" lang="ja-JP" altLang="en-US" dirty="0" smtClean="0"/>
+              <a:t>を出す</a:t>
+            </a:r>
+            <a:endParaRPr kumimoji="1" lang="ja-JP" altLang="en-US" dirty="0"/>
+          </a:p>
+        </p:txBody>
+      </p:sp>
+      <p:cxnSp>
+        <p:nvCxnSpPr>
+          <p:cNvPr id="37" name="直線矢印コネクタ 36"/>
+          <p:cNvCxnSpPr>
+            <a:stCxn id="6" idx="0"/>
+            <a:endCxn id="5" idx="4"/>
+          </p:cNvCxnSpPr>
+          <p:nvPr/>
+        </p:nvCxnSpPr>
+        <p:spPr>
+          <a:xfrm flipV="1">
+            <a:off x="5235711" y="3053704"/>
+            <a:ext cx="2" cy="698199"/>
+          </a:xfrm>
+          <a:prstGeom prst="straightConnector1">
+            <a:avLst/>
+          </a:prstGeom>
+          <a:ln w="76200">
+            <a:solidFill>
+              <a:srgbClr val="7030A0"/>
+            </a:solidFill>
+            <a:tailEnd type="triangle"/>
+          </a:ln>
+        </p:spPr>
+        <p:style>
+          <a:lnRef idx="1">
+            <a:schemeClr val="accent1"/>
+          </a:lnRef>
+          <a:fillRef idx="0">
+            <a:schemeClr val="accent1"/>
+          </a:fillRef>
+          <a:effectRef idx="0">
+            <a:schemeClr val="accent1"/>
+          </a:effectRef>
+          <a:fontRef idx="minor">
+            <a:schemeClr val="tx1"/>
+          </a:fontRef>
+        </p:style>
+      </p:cxnSp>
+      <p:cxnSp>
+        <p:nvCxnSpPr>
+          <p:cNvPr id="42" name="直線矢印コネクタ 41"/>
+          <p:cNvCxnSpPr>
+            <a:stCxn id="6" idx="1"/>
+            <a:endCxn id="29" idx="6"/>
+          </p:cNvCxnSpPr>
+          <p:nvPr/>
+        </p:nvCxnSpPr>
+        <p:spPr>
+          <a:xfrm flipH="1">
+            <a:off x="3506190" y="4075069"/>
+            <a:ext cx="593162" cy="2"/>
+          </a:xfrm>
+          <a:prstGeom prst="straightConnector1">
+            <a:avLst/>
+          </a:prstGeom>
+          <a:ln w="76200">
+            <a:solidFill>
+              <a:srgbClr val="7030A0"/>
+            </a:solidFill>
+            <a:tailEnd type="triangle"/>
+          </a:ln>
+        </p:spPr>
+        <p:style>
+          <a:lnRef idx="1">
+            <a:schemeClr val="accent1"/>
+          </a:lnRef>
+          <a:fillRef idx="0">
+            <a:schemeClr val="accent1"/>
+          </a:fillRef>
+          <a:effectRef idx="0">
+            <a:schemeClr val="accent1"/>
+          </a:effectRef>
+          <a:fontRef idx="minor">
+            <a:schemeClr val="tx1"/>
+          </a:fontRef>
+        </p:style>
+      </p:cxnSp>
+      <p:cxnSp>
+        <p:nvCxnSpPr>
+          <p:cNvPr id="47" name="直線矢印コネクタ 46"/>
+          <p:cNvCxnSpPr>
+            <a:stCxn id="6" idx="2"/>
+            <a:endCxn id="30" idx="0"/>
+          </p:cNvCxnSpPr>
+          <p:nvPr/>
+        </p:nvCxnSpPr>
+        <p:spPr>
+          <a:xfrm>
+            <a:off x="5235711" y="4398234"/>
+            <a:ext cx="0" cy="698199"/>
+          </a:xfrm>
+          <a:prstGeom prst="straightConnector1">
+            <a:avLst/>
+          </a:prstGeom>
+          <a:ln w="76200">
+            <a:solidFill>
+              <a:srgbClr val="7030A0"/>
+            </a:solidFill>
+            <a:tailEnd type="triangle"/>
+          </a:ln>
+        </p:spPr>
+        <p:style>
+          <a:lnRef idx="1">
+            <a:schemeClr val="accent1"/>
+          </a:lnRef>
+          <a:fillRef idx="0">
+            <a:schemeClr val="accent1"/>
+          </a:fillRef>
+          <a:effectRef idx="0">
+            <a:schemeClr val="accent1"/>
+          </a:effectRef>
+          <a:fontRef idx="minor">
+            <a:schemeClr val="tx1"/>
+          </a:fontRef>
+        </p:style>
+      </p:cxnSp>
+      <p:cxnSp>
+        <p:nvCxnSpPr>
+          <p:cNvPr id="51" name="直線矢印コネクタ 50"/>
+          <p:cNvCxnSpPr>
+            <a:stCxn id="6" idx="3"/>
+            <a:endCxn id="31" idx="2"/>
+          </p:cNvCxnSpPr>
+          <p:nvPr/>
+        </p:nvCxnSpPr>
+        <p:spPr>
+          <a:xfrm>
+            <a:off x="6372070" y="4075069"/>
+            <a:ext cx="621829" cy="1"/>
+          </a:xfrm>
+          <a:prstGeom prst="straightConnector1">
+            <a:avLst/>
+          </a:prstGeom>
+          <a:ln w="76200">
+            <a:solidFill>
+              <a:srgbClr val="7030A0"/>
+            </a:solidFill>
+            <a:tailEnd type="triangle"/>
+          </a:ln>
+        </p:spPr>
+        <p:style>
+          <a:lnRef idx="1">
+            <a:schemeClr val="accent1"/>
+          </a:lnRef>
+          <a:fillRef idx="0">
+            <a:schemeClr val="accent1"/>
+          </a:fillRef>
+          <a:effectRef idx="0">
+            <a:schemeClr val="accent1"/>
+          </a:effectRef>
+          <a:fontRef idx="minor">
+            <a:schemeClr val="tx1"/>
+          </a:fontRef>
+        </p:style>
+      </p:cxnSp>
     </p:spTree>
     <p:extLst>
       <p:ext uri="{BB962C8B-B14F-4D97-AF65-F5344CB8AC3E}">
-        <p14:creationId xmlns:p14="http://schemas.microsoft.com/office/powerpoint/2010/main" val="3224904332"/>
+        <p14:creationId xmlns:p14="http://schemas.microsoft.com/office/powerpoint/2010/main" val="545341345"/>
       </p:ext>
     </p:extLst>
   </p:cSld>
@@ -6166,38 +6622,230 @@
       </p:grpSpPr>
       <p:sp>
         <p:nvSpPr>
-          <p:cNvPr id="2" name="タイトル 1"/>
-          <p:cNvSpPr>
-            <a:spLocks noGrp="1"/>
-          </p:cNvSpPr>
-          <p:nvPr>
-            <p:ph type="ctrTitle"/>
-          </p:nvPr>
-        </p:nvSpPr>
-        <p:spPr>
-          <a:xfrm>
-            <a:off x="767862" y="1372699"/>
-            <a:ext cx="10585938" cy="2387600"/>
-          </a:xfrm>
-        </p:spPr>
-        <p:txBody>
-          <a:bodyPr>
-            <a:normAutofit/>
+          <p:cNvPr id="7" name="正方形/長方形 6"/>
+          <p:cNvSpPr/>
+          <p:nvPr/>
+        </p:nvSpPr>
+        <p:spPr>
+          <a:xfrm>
+            <a:off x="817185" y="942109"/>
+            <a:ext cx="10155615" cy="5409363"/>
+          </a:xfrm>
+          <a:prstGeom prst="rect">
+            <a:avLst/>
+          </a:prstGeom>
+          <a:noFill/>
+          <a:ln w="38100"/>
+        </p:spPr>
+        <p:style>
+          <a:lnRef idx="2">
+            <a:schemeClr val="dk1"/>
+          </a:lnRef>
+          <a:fillRef idx="1">
+            <a:schemeClr val="lt1"/>
+          </a:fillRef>
+          <a:effectRef idx="0">
+            <a:schemeClr val="dk1"/>
+          </a:effectRef>
+          <a:fontRef idx="minor">
+            <a:schemeClr val="dk1"/>
+          </a:fontRef>
+        </p:style>
+        <p:txBody>
+          <a:bodyPr rtlCol="0" anchor="ctr"/>
+          <a:lstStyle/>
+          <a:p>
+            <a:pPr algn="ctr"/>
+            <a:endParaRPr kumimoji="1" lang="ja-JP" altLang="en-US"/>
+          </a:p>
+        </p:txBody>
+      </p:sp>
+      <p:sp>
+        <p:nvSpPr>
+          <p:cNvPr id="2" name="正方形/長方形 1"/>
+          <p:cNvSpPr/>
+          <p:nvPr/>
+        </p:nvSpPr>
+        <p:spPr>
+          <a:xfrm>
+            <a:off x="651778" y="568448"/>
+            <a:ext cx="4493538" cy="523220"/>
+          </a:xfrm>
+          <a:prstGeom prst="rect">
+            <a:avLst/>
+          </a:prstGeom>
+          <a:solidFill>
+            <a:schemeClr val="bg1"/>
+          </a:solidFill>
+          <a:ln w="19050">
+            <a:solidFill>
+              <a:schemeClr val="tx1"/>
+            </a:solidFill>
+          </a:ln>
+        </p:spPr>
+        <p:txBody>
+          <a:bodyPr wrap="none">
+            <a:spAutoFit/>
           </a:bodyPr>
           <a:lstStyle/>
           <a:p>
             <a:r>
+              <a:rPr lang="ja-JP" altLang="en-US" sz="2800" b="1" dirty="0"/>
+              <a:t>タイマーが０に</a:t>
+            </a:r>
+            <a:r>
+              <a:rPr lang="ja-JP" altLang="en-US" sz="2800" b="1" dirty="0" smtClean="0"/>
+              <a:t>なった場合</a:t>
+            </a:r>
+            <a:endParaRPr lang="ja-JP" altLang="en-US" sz="2800" b="1" dirty="0"/>
+          </a:p>
+        </p:txBody>
+      </p:sp>
+      <p:sp>
+        <p:nvSpPr>
+          <p:cNvPr id="3" name="テキスト ボックス 2"/>
+          <p:cNvSpPr txBox="1"/>
+          <p:nvPr/>
+        </p:nvSpPr>
+        <p:spPr>
+          <a:xfrm>
+            <a:off x="990482" y="1662263"/>
+            <a:ext cx="4154834" cy="461665"/>
+          </a:xfrm>
+          <a:prstGeom prst="rect">
+            <a:avLst/>
+          </a:prstGeom>
+          <a:noFill/>
+        </p:spPr>
+        <p:txBody>
+          <a:bodyPr wrap="square" rtlCol="0">
+            <a:spAutoFit/>
+          </a:bodyPr>
+          <a:lstStyle/>
+          <a:p>
+            <a:r>
               <a:rPr lang="ja-JP" altLang="en-US" dirty="0" smtClean="0"/>
-              <a:t>リザルト画面</a:t>
-            </a:r>
-            <a:endParaRPr kumimoji="1" lang="ja-JP" altLang="en-US" dirty="0"/>
+              <a:t>・</a:t>
+            </a:r>
+            <a:r>
+              <a:rPr lang="ja-JP" altLang="en-US" sz="2400" b="1" dirty="0" smtClean="0"/>
+              <a:t>プレイヤーを動かなくする</a:t>
+            </a:r>
+            <a:endParaRPr lang="en-US" altLang="ja-JP" sz="2400" b="1" dirty="0" smtClean="0"/>
+          </a:p>
+        </p:txBody>
+      </p:sp>
+      <p:sp>
+        <p:nvSpPr>
+          <p:cNvPr id="13" name="テキスト ボックス 12"/>
+          <p:cNvSpPr txBox="1"/>
+          <p:nvPr/>
+        </p:nvSpPr>
+        <p:spPr>
+          <a:xfrm>
+            <a:off x="990482" y="3184603"/>
+            <a:ext cx="4154834" cy="461665"/>
+          </a:xfrm>
+          <a:prstGeom prst="rect">
+            <a:avLst/>
+          </a:prstGeom>
+          <a:noFill/>
+        </p:spPr>
+        <p:txBody>
+          <a:bodyPr wrap="square" rtlCol="0">
+            <a:spAutoFit/>
+          </a:bodyPr>
+          <a:lstStyle/>
+          <a:p>
+            <a:r>
+              <a:rPr lang="ja-JP" altLang="en-US" dirty="0" smtClean="0"/>
+              <a:t>・</a:t>
+            </a:r>
+            <a:r>
+              <a:rPr lang="ja-JP" altLang="en-US" sz="2400" b="1" dirty="0" smtClean="0"/>
+              <a:t>タイマーを０以下にしない</a:t>
+            </a:r>
+            <a:endParaRPr lang="en-US" altLang="ja-JP" sz="2400" b="1" dirty="0" smtClean="0"/>
+          </a:p>
+        </p:txBody>
+      </p:sp>
+      <p:sp>
+        <p:nvSpPr>
+          <p:cNvPr id="6" name="右矢印 5"/>
+          <p:cNvSpPr/>
+          <p:nvPr/>
+        </p:nvSpPr>
+        <p:spPr>
+          <a:xfrm>
+            <a:off x="990482" y="2241070"/>
+            <a:ext cx="727482" cy="406400"/>
+          </a:xfrm>
+          <a:prstGeom prst="rightArrow">
+            <a:avLst>
+              <a:gd name="adj1" fmla="val 50000"/>
+              <a:gd name="adj2" fmla="val 72727"/>
+            </a:avLst>
+          </a:prstGeom>
+        </p:spPr>
+        <p:style>
+          <a:lnRef idx="2">
+            <a:schemeClr val="dk1">
+              <a:shade val="50000"/>
+            </a:schemeClr>
+          </a:lnRef>
+          <a:fillRef idx="1">
+            <a:schemeClr val="dk1"/>
+          </a:fillRef>
+          <a:effectRef idx="0">
+            <a:schemeClr val="dk1"/>
+          </a:effectRef>
+          <a:fontRef idx="minor">
+            <a:schemeClr val="lt1"/>
+          </a:fontRef>
+        </p:style>
+        <p:txBody>
+          <a:bodyPr rtlCol="0" anchor="ctr"/>
+          <a:lstStyle/>
+          <a:p>
+            <a:pPr algn="ctr"/>
+            <a:endParaRPr kumimoji="1" lang="ja-JP" altLang="en-US"/>
+          </a:p>
+        </p:txBody>
+      </p:sp>
+      <p:sp>
+        <p:nvSpPr>
+          <p:cNvPr id="11" name="テキスト ボックス 10"/>
+          <p:cNvSpPr txBox="1"/>
+          <p:nvPr/>
+        </p:nvSpPr>
+        <p:spPr>
+          <a:xfrm>
+            <a:off x="1717964" y="2271037"/>
+            <a:ext cx="3602182" cy="461665"/>
+          </a:xfrm>
+          <a:prstGeom prst="rect">
+            <a:avLst/>
+          </a:prstGeom>
+          <a:noFill/>
+        </p:spPr>
+        <p:txBody>
+          <a:bodyPr wrap="square" rtlCol="0">
+            <a:spAutoFit/>
+          </a:bodyPr>
+          <a:lstStyle/>
+          <a:p>
+            <a:r>
+              <a:rPr kumimoji="1" lang="ja-JP" altLang="en-US" sz="2400" b="1" dirty="0" smtClean="0"/>
+              <a:t>操作をできなくする</a:t>
+            </a:r>
+            <a:endParaRPr kumimoji="1" lang="ja-JP" altLang="en-US" sz="2400" b="1" dirty="0"/>
           </a:p>
         </p:txBody>
       </p:sp>
     </p:spTree>
     <p:extLst>
       <p:ext uri="{BB962C8B-B14F-4D97-AF65-F5344CB8AC3E}">
-        <p14:creationId xmlns:p14="http://schemas.microsoft.com/office/powerpoint/2010/main" val="3998623281"/>
+        <p14:creationId xmlns:p14="http://schemas.microsoft.com/office/powerpoint/2010/main" val="3224904332"/>
       </p:ext>
     </p:extLst>
   </p:cSld>
@@ -6226,1202 +6874,38 @@
       </p:grpSpPr>
       <p:sp>
         <p:nvSpPr>
-          <p:cNvPr id="5" name="正方形/長方形 4"/>
-          <p:cNvSpPr/>
-          <p:nvPr/>
-        </p:nvSpPr>
-        <p:spPr>
-          <a:xfrm>
-            <a:off x="650631" y="901211"/>
-            <a:ext cx="10955215" cy="5653454"/>
-          </a:xfrm>
-          <a:prstGeom prst="rect">
-            <a:avLst/>
-          </a:prstGeom>
-          <a:noFill/>
-          <a:ln w="38100" cap="flat" cmpd="sng" algn="ctr">
-            <a:solidFill>
-              <a:schemeClr val="dk1"/>
-            </a:solidFill>
-            <a:prstDash val="solid"/>
-            <a:round/>
-            <a:headEnd type="none" w="med" len="med"/>
-            <a:tailEnd type="none" w="med" len="med"/>
-          </a:ln>
-        </p:spPr>
-        <p:style>
-          <a:lnRef idx="0">
-            <a:scrgbClr r="0" g="0" b="0"/>
-          </a:lnRef>
-          <a:fillRef idx="0">
-            <a:scrgbClr r="0" g="0" b="0"/>
-          </a:fillRef>
-          <a:effectRef idx="0">
-            <a:scrgbClr r="0" g="0" b="0"/>
-          </a:effectRef>
-          <a:fontRef idx="minor">
-            <a:schemeClr val="dk1"/>
-          </a:fontRef>
-        </p:style>
-        <p:txBody>
-          <a:bodyPr rtlCol="0" anchor="ctr"/>
-          <a:lstStyle/>
-          <a:p>
-            <a:pPr algn="ctr"/>
-            <a:endParaRPr kumimoji="1" lang="ja-JP" altLang="en-US"/>
-          </a:p>
-        </p:txBody>
-      </p:sp>
-      <p:sp>
-        <p:nvSpPr>
-          <p:cNvPr id="18" name="片側の 2 つの角を切り取った四角形 17"/>
-          <p:cNvSpPr/>
-          <p:nvPr/>
-        </p:nvSpPr>
-        <p:spPr>
-          <a:xfrm>
-            <a:off x="919487" y="575896"/>
-            <a:ext cx="2949128" cy="650630"/>
-          </a:xfrm>
-          <a:prstGeom prst="snip2SameRect">
-            <a:avLst/>
-          </a:prstGeom>
-        </p:spPr>
-        <p:style>
-          <a:lnRef idx="2">
-            <a:schemeClr val="accent2">
-              <a:shade val="50000"/>
-            </a:schemeClr>
-          </a:lnRef>
-          <a:fillRef idx="1">
-            <a:schemeClr val="accent2"/>
-          </a:fillRef>
-          <a:effectRef idx="0">
-            <a:schemeClr val="accent2"/>
-          </a:effectRef>
-          <a:fontRef idx="minor">
-            <a:schemeClr val="lt1"/>
-          </a:fontRef>
-        </p:style>
-        <p:txBody>
-          <a:bodyPr rtlCol="0" anchor="ctr"/>
-          <a:lstStyle/>
-          <a:p>
-            <a:pPr algn="ctr"/>
-            <a:endParaRPr kumimoji="1" lang="ja-JP" altLang="en-US"/>
-          </a:p>
-        </p:txBody>
-      </p:sp>
-      <p:sp>
-        <p:nvSpPr>
-          <p:cNvPr id="19" name="テキスト ボックス 18"/>
-          <p:cNvSpPr txBox="1"/>
-          <p:nvPr/>
-        </p:nvSpPr>
-        <p:spPr>
-          <a:xfrm>
-            <a:off x="1017598" y="685876"/>
-            <a:ext cx="2622417" cy="523220"/>
-          </a:xfrm>
-          <a:prstGeom prst="rect">
-            <a:avLst/>
-          </a:prstGeom>
-          <a:noFill/>
-        </p:spPr>
-        <p:txBody>
-          <a:bodyPr wrap="square" rtlCol="0">
-            <a:spAutoFit/>
+          <p:cNvPr id="2" name="タイトル 1"/>
+          <p:cNvSpPr>
+            <a:spLocks noGrp="1"/>
+          </p:cNvSpPr>
+          <p:nvPr>
+            <p:ph type="ctrTitle"/>
+          </p:nvPr>
+        </p:nvSpPr>
+        <p:spPr>
+          <a:xfrm>
+            <a:off x="767862" y="1372699"/>
+            <a:ext cx="10585938" cy="2387600"/>
+          </a:xfrm>
+        </p:spPr>
+        <p:txBody>
+          <a:bodyPr>
+            <a:normAutofit/>
           </a:bodyPr>
           <a:lstStyle/>
           <a:p>
-            <a:pPr algn="ctr"/>
-            <a:r>
-              <a:rPr kumimoji="1" lang="ja-JP" altLang="en-US" sz="2800" b="1" dirty="0" smtClean="0">
-                <a:solidFill>
-                  <a:schemeClr val="bg2"/>
-                </a:solidFill>
-              </a:rPr>
-              <a:t>１つの場合</a:t>
-            </a:r>
-            <a:endParaRPr kumimoji="1" lang="ja-JP" altLang="en-US" sz="2800" b="1" dirty="0">
-              <a:solidFill>
-                <a:schemeClr val="bg2"/>
-              </a:solidFill>
-            </a:endParaRPr>
-          </a:p>
-        </p:txBody>
-      </p:sp>
-      <p:sp>
-        <p:nvSpPr>
-          <p:cNvPr id="22" name="正方形/長方形 21"/>
-          <p:cNvSpPr/>
-          <p:nvPr/>
-        </p:nvSpPr>
-        <p:spPr>
-          <a:xfrm>
-            <a:off x="4571382" y="480564"/>
-            <a:ext cx="3605463" cy="699047"/>
-          </a:xfrm>
-          <a:prstGeom prst="rect">
-            <a:avLst/>
-          </a:prstGeom>
-        </p:spPr>
-        <p:style>
-          <a:lnRef idx="2">
-            <a:schemeClr val="dk1"/>
-          </a:lnRef>
-          <a:fillRef idx="1">
-            <a:schemeClr val="lt1"/>
-          </a:fillRef>
-          <a:effectRef idx="0">
-            <a:schemeClr val="dk1"/>
-          </a:effectRef>
-          <a:fontRef idx="minor">
-            <a:schemeClr val="dk1"/>
-          </a:fontRef>
-        </p:style>
-        <p:txBody>
-          <a:bodyPr rtlCol="0" anchor="ctr"/>
-          <a:lstStyle/>
-          <a:p>
-            <a:pPr algn="ctr"/>
-            <a:endParaRPr kumimoji="1" lang="ja-JP" altLang="en-US"/>
-          </a:p>
-        </p:txBody>
-      </p:sp>
-      <p:sp>
-        <p:nvSpPr>
-          <p:cNvPr id="23" name="正方形/長方形 22"/>
-          <p:cNvSpPr/>
-          <p:nvPr/>
-        </p:nvSpPr>
-        <p:spPr>
-          <a:xfrm>
-            <a:off x="5102751" y="565467"/>
-            <a:ext cx="2634479" cy="584775"/>
-          </a:xfrm>
-          <a:prstGeom prst="rect">
-            <a:avLst/>
-          </a:prstGeom>
-        </p:spPr>
-        <p:txBody>
-          <a:bodyPr wrap="square">
-            <a:spAutoFit/>
-          </a:bodyPr>
-          <a:lstStyle/>
-          <a:p>
-            <a:r>
-              <a:rPr lang="ja-JP" altLang="en-US" sz="3200" b="1" dirty="0" smtClean="0"/>
+            <a:r>
+              <a:rPr lang="ja-JP" altLang="en-US" dirty="0" smtClean="0"/>
               <a:t>リザルト画面</a:t>
             </a:r>
-            <a:endParaRPr lang="ja-JP" altLang="en-US" sz="3200" b="1" dirty="0"/>
-          </a:p>
-        </p:txBody>
-      </p:sp>
-      <p:sp>
-        <p:nvSpPr>
-          <p:cNvPr id="3" name="テキスト ボックス 2"/>
-          <p:cNvSpPr txBox="1"/>
-          <p:nvPr/>
-        </p:nvSpPr>
-        <p:spPr>
-          <a:xfrm>
-            <a:off x="1635370" y="5046785"/>
-            <a:ext cx="1802422" cy="707886"/>
-          </a:xfrm>
-          <a:prstGeom prst="rect">
-            <a:avLst/>
-          </a:prstGeom>
-          <a:noFill/>
-        </p:spPr>
-        <p:txBody>
-          <a:bodyPr wrap="square" rtlCol="0">
-            <a:spAutoFit/>
-          </a:bodyPr>
-          <a:lstStyle/>
-          <a:p>
-            <a:pPr algn="ctr"/>
-            <a:r>
-              <a:rPr kumimoji="1" lang="ja-JP" altLang="en-US" sz="4000" b="1" dirty="0" smtClean="0">
-                <a:ln w="9525">
-                  <a:solidFill>
-                    <a:schemeClr val="bg1"/>
-                  </a:solidFill>
-                  <a:prstDash val="solid"/>
-                </a:ln>
-                <a:solidFill>
-                  <a:srgbClr val="C3C361"/>
-                </a:solidFill>
-                <a:effectLst>
-                  <a:outerShdw blurRad="12700" dist="38100" dir="2700000" algn="tl" rotWithShape="0">
-                    <a:schemeClr val="bg1">
-                      <a:lumMod val="50000"/>
-                    </a:schemeClr>
-                  </a:outerShdw>
-                </a:effectLst>
-              </a:rPr>
-              <a:t>１</a:t>
-            </a:r>
-            <a:r>
-              <a:rPr lang="ja-JP" altLang="en-US" sz="4000" b="1" dirty="0">
-                <a:ln w="9525">
-                  <a:solidFill>
-                    <a:schemeClr val="bg1"/>
-                  </a:solidFill>
-                  <a:prstDash val="solid"/>
-                </a:ln>
-                <a:solidFill>
-                  <a:srgbClr val="C3C361"/>
-                </a:solidFill>
-                <a:effectLst>
-                  <a:outerShdw blurRad="12700" dist="38100" dir="2700000" algn="tl" rotWithShape="0">
-                    <a:schemeClr val="bg1">
-                      <a:lumMod val="50000"/>
-                    </a:schemeClr>
-                  </a:outerShdw>
-                </a:effectLst>
-              </a:rPr>
-              <a:t>位</a:t>
-            </a:r>
-            <a:endParaRPr kumimoji="1" lang="ja-JP" altLang="en-US" sz="4000" b="1" dirty="0">
-              <a:ln w="9525">
-                <a:solidFill>
-                  <a:schemeClr val="bg1"/>
-                </a:solidFill>
-                <a:prstDash val="solid"/>
-              </a:ln>
-              <a:solidFill>
-                <a:srgbClr val="C3C361"/>
-              </a:solidFill>
-              <a:effectLst>
-                <a:outerShdw blurRad="12700" dist="38100" dir="2700000" algn="tl" rotWithShape="0">
-                  <a:schemeClr val="bg1">
-                    <a:lumMod val="50000"/>
-                  </a:schemeClr>
-                </a:outerShdw>
-              </a:effectLst>
-            </a:endParaRPr>
-          </a:p>
-        </p:txBody>
-      </p:sp>
-      <p:sp>
-        <p:nvSpPr>
-          <p:cNvPr id="20" name="テキスト ボックス 19"/>
-          <p:cNvSpPr txBox="1"/>
-          <p:nvPr/>
-        </p:nvSpPr>
-        <p:spPr>
-          <a:xfrm>
-            <a:off x="3868615" y="5046785"/>
-            <a:ext cx="1802422" cy="707886"/>
-          </a:xfrm>
-          <a:prstGeom prst="rect">
-            <a:avLst/>
-          </a:prstGeom>
-          <a:noFill/>
-        </p:spPr>
-        <p:txBody>
-          <a:bodyPr wrap="square" rtlCol="0">
-            <a:spAutoFit/>
-          </a:bodyPr>
-          <a:lstStyle/>
-          <a:p>
-            <a:pPr algn="ctr"/>
-            <a:r>
-              <a:rPr kumimoji="1" lang="ja-JP" altLang="en-US" sz="4000" b="1" dirty="0" smtClean="0">
-                <a:ln w="9525">
-                  <a:solidFill>
-                    <a:schemeClr val="tx1">
-                      <a:lumMod val="50000"/>
-                      <a:lumOff val="50000"/>
-                    </a:schemeClr>
-                  </a:solidFill>
-                  <a:prstDash val="solid"/>
-                </a:ln>
-                <a:solidFill>
-                  <a:schemeClr val="bg2">
-                    <a:lumMod val="75000"/>
-                  </a:schemeClr>
-                </a:solidFill>
-                <a:effectLst>
-                  <a:outerShdw blurRad="12700" dist="38100" dir="2700000" algn="tl" rotWithShape="0">
-                    <a:schemeClr val="bg1">
-                      <a:lumMod val="50000"/>
-                    </a:schemeClr>
-                  </a:outerShdw>
-                </a:effectLst>
-              </a:rPr>
-              <a:t>２</a:t>
-            </a:r>
-            <a:r>
-              <a:rPr lang="ja-JP" altLang="en-US" sz="4000" b="1" dirty="0" smtClean="0">
-                <a:ln w="9525">
-                  <a:solidFill>
-                    <a:schemeClr val="tx1">
-                      <a:lumMod val="50000"/>
-                      <a:lumOff val="50000"/>
-                    </a:schemeClr>
-                  </a:solidFill>
-                  <a:prstDash val="solid"/>
-                </a:ln>
-                <a:solidFill>
-                  <a:schemeClr val="bg2">
-                    <a:lumMod val="75000"/>
-                  </a:schemeClr>
-                </a:solidFill>
-                <a:effectLst>
-                  <a:outerShdw blurRad="12700" dist="38100" dir="2700000" algn="tl" rotWithShape="0">
-                    <a:schemeClr val="bg1">
-                      <a:lumMod val="50000"/>
-                    </a:schemeClr>
-                  </a:outerShdw>
-                </a:effectLst>
-              </a:rPr>
-              <a:t>位</a:t>
-            </a:r>
-            <a:endParaRPr kumimoji="1" lang="ja-JP" altLang="en-US" sz="4000" b="1" dirty="0">
-              <a:ln w="9525">
-                <a:solidFill>
-                  <a:schemeClr val="tx1">
-                    <a:lumMod val="50000"/>
-                    <a:lumOff val="50000"/>
-                  </a:schemeClr>
-                </a:solidFill>
-                <a:prstDash val="solid"/>
-              </a:ln>
-              <a:solidFill>
-                <a:schemeClr val="bg2">
-                  <a:lumMod val="75000"/>
-                </a:schemeClr>
-              </a:solidFill>
-              <a:effectLst>
-                <a:outerShdw blurRad="12700" dist="38100" dir="2700000" algn="tl" rotWithShape="0">
-                  <a:schemeClr val="bg1">
-                    <a:lumMod val="50000"/>
-                  </a:schemeClr>
-                </a:outerShdw>
-              </a:effectLst>
-            </a:endParaRPr>
-          </a:p>
-        </p:txBody>
-      </p:sp>
-      <p:sp>
-        <p:nvSpPr>
-          <p:cNvPr id="21" name="テキスト ボックス 20"/>
-          <p:cNvSpPr txBox="1"/>
-          <p:nvPr/>
-        </p:nvSpPr>
-        <p:spPr>
-          <a:xfrm>
-            <a:off x="6227884" y="5046785"/>
-            <a:ext cx="1802422" cy="707886"/>
-          </a:xfrm>
-          <a:prstGeom prst="rect">
-            <a:avLst/>
-          </a:prstGeom>
-          <a:noFill/>
-        </p:spPr>
-        <p:txBody>
-          <a:bodyPr wrap="square" rtlCol="0">
-            <a:spAutoFit/>
-          </a:bodyPr>
-          <a:lstStyle/>
-          <a:p>
-            <a:pPr algn="ctr"/>
-            <a:r>
-              <a:rPr kumimoji="1" lang="ja-JP" altLang="en-US" sz="4000" b="1" dirty="0" smtClean="0">
-                <a:ln w="9525">
-                  <a:solidFill>
-                    <a:schemeClr val="tx2">
-                      <a:lumMod val="20000"/>
-                      <a:lumOff val="80000"/>
-                    </a:schemeClr>
-                  </a:solidFill>
-                  <a:prstDash val="solid"/>
-                </a:ln>
-                <a:solidFill>
-                  <a:schemeClr val="accent2">
-                    <a:lumMod val="75000"/>
-                  </a:schemeClr>
-                </a:solidFill>
-                <a:effectLst>
-                  <a:outerShdw blurRad="12700" dist="38100" dir="2700000" algn="tl" rotWithShape="0">
-                    <a:schemeClr val="bg1">
-                      <a:lumMod val="50000"/>
-                    </a:schemeClr>
-                  </a:outerShdw>
-                </a:effectLst>
-              </a:rPr>
-              <a:t>３</a:t>
-            </a:r>
-            <a:r>
-              <a:rPr lang="ja-JP" altLang="en-US" sz="4000" b="1" dirty="0" smtClean="0">
-                <a:ln w="9525">
-                  <a:solidFill>
-                    <a:schemeClr val="tx2">
-                      <a:lumMod val="20000"/>
-                      <a:lumOff val="80000"/>
-                    </a:schemeClr>
-                  </a:solidFill>
-                  <a:prstDash val="solid"/>
-                </a:ln>
-                <a:solidFill>
-                  <a:schemeClr val="accent2">
-                    <a:lumMod val="75000"/>
-                  </a:schemeClr>
-                </a:solidFill>
-                <a:effectLst>
-                  <a:outerShdw blurRad="12700" dist="38100" dir="2700000" algn="tl" rotWithShape="0">
-                    <a:schemeClr val="bg1">
-                      <a:lumMod val="50000"/>
-                    </a:schemeClr>
-                  </a:outerShdw>
-                </a:effectLst>
-              </a:rPr>
-              <a:t>位</a:t>
-            </a:r>
-            <a:endParaRPr kumimoji="1" lang="ja-JP" altLang="en-US" sz="4000" b="1" dirty="0">
-              <a:ln w="9525">
-                <a:solidFill>
-                  <a:schemeClr val="tx2">
-                    <a:lumMod val="20000"/>
-                    <a:lumOff val="80000"/>
-                  </a:schemeClr>
-                </a:solidFill>
-                <a:prstDash val="solid"/>
-              </a:ln>
-              <a:solidFill>
-                <a:schemeClr val="accent2">
-                  <a:lumMod val="75000"/>
-                </a:schemeClr>
-              </a:solidFill>
-              <a:effectLst>
-                <a:outerShdw blurRad="12700" dist="38100" dir="2700000" algn="tl" rotWithShape="0">
-                  <a:schemeClr val="bg1">
-                    <a:lumMod val="50000"/>
-                  </a:schemeClr>
-                </a:outerShdw>
-              </a:effectLst>
-            </a:endParaRPr>
-          </a:p>
-        </p:txBody>
-      </p:sp>
-      <p:sp>
-        <p:nvSpPr>
-          <p:cNvPr id="24" name="テキスト ボックス 23"/>
-          <p:cNvSpPr txBox="1"/>
-          <p:nvPr/>
-        </p:nvSpPr>
-        <p:spPr>
-          <a:xfrm>
-            <a:off x="8508022" y="5046785"/>
-            <a:ext cx="1802422" cy="707886"/>
-          </a:xfrm>
-          <a:prstGeom prst="rect">
-            <a:avLst/>
-          </a:prstGeom>
-          <a:noFill/>
-        </p:spPr>
-        <p:txBody>
-          <a:bodyPr wrap="square" rtlCol="0">
-            <a:spAutoFit/>
-          </a:bodyPr>
-          <a:lstStyle/>
-          <a:p>
-            <a:pPr algn="ctr"/>
-            <a:r>
-              <a:rPr kumimoji="1" lang="ja-JP" altLang="en-US" sz="4000" b="1" dirty="0" smtClean="0">
-                <a:ln w="9525">
-                  <a:solidFill>
-                    <a:srgbClr val="0070C0"/>
-                  </a:solidFill>
-                  <a:prstDash val="solid"/>
-                </a:ln>
-                <a:solidFill>
-                  <a:srgbClr val="9231A5"/>
-                </a:solidFill>
-                <a:effectLst>
-                  <a:outerShdw blurRad="12700" dist="38100" dir="2700000" algn="tl" rotWithShape="0">
-                    <a:schemeClr val="bg1">
-                      <a:lumMod val="50000"/>
-                    </a:schemeClr>
-                  </a:outerShdw>
-                </a:effectLst>
-              </a:rPr>
-              <a:t>４</a:t>
-            </a:r>
-            <a:r>
-              <a:rPr lang="ja-JP" altLang="en-US" sz="4000" b="1" dirty="0" smtClean="0">
-                <a:ln w="9525">
-                  <a:solidFill>
-                    <a:srgbClr val="0070C0"/>
-                  </a:solidFill>
-                  <a:prstDash val="solid"/>
-                </a:ln>
-                <a:solidFill>
-                  <a:srgbClr val="9231A5"/>
-                </a:solidFill>
-                <a:effectLst>
-                  <a:outerShdw blurRad="12700" dist="38100" dir="2700000" algn="tl" rotWithShape="0">
-                    <a:schemeClr val="bg1">
-                      <a:lumMod val="50000"/>
-                    </a:schemeClr>
-                  </a:outerShdw>
-                </a:effectLst>
-              </a:rPr>
-              <a:t>位</a:t>
-            </a:r>
-            <a:endParaRPr kumimoji="1" lang="ja-JP" altLang="en-US" sz="4000" b="1" dirty="0">
-              <a:ln w="9525">
-                <a:solidFill>
-                  <a:srgbClr val="0070C0"/>
-                </a:solidFill>
-                <a:prstDash val="solid"/>
-              </a:ln>
-              <a:solidFill>
-                <a:srgbClr val="9231A5"/>
-              </a:solidFill>
-              <a:effectLst>
-                <a:outerShdw blurRad="12700" dist="38100" dir="2700000" algn="tl" rotWithShape="0">
-                  <a:schemeClr val="bg1">
-                    <a:lumMod val="50000"/>
-                  </a:schemeClr>
-                </a:outerShdw>
-              </a:effectLst>
-            </a:endParaRPr>
-          </a:p>
-        </p:txBody>
-      </p:sp>
-      <p:sp>
-        <p:nvSpPr>
-          <p:cNvPr id="10" name="テキスト ボックス 9"/>
-          <p:cNvSpPr txBox="1"/>
-          <p:nvPr/>
-        </p:nvSpPr>
-        <p:spPr>
-          <a:xfrm>
-            <a:off x="1644162" y="1951891"/>
-            <a:ext cx="1793630" cy="461665"/>
-          </a:xfrm>
-          <a:prstGeom prst="rect">
-            <a:avLst/>
-          </a:prstGeom>
-          <a:noFill/>
-        </p:spPr>
-        <p:txBody>
-          <a:bodyPr wrap="square" rtlCol="0">
-            <a:spAutoFit/>
-          </a:bodyPr>
-          <a:lstStyle/>
-          <a:p>
-            <a:pPr algn="ctr"/>
-            <a:r>
-              <a:rPr lang="ja-JP" altLang="en-US" sz="2400" b="1" dirty="0" smtClean="0">
-                <a:ln w="9525">
-                  <a:solidFill>
-                    <a:schemeClr val="bg1"/>
-                  </a:solidFill>
-                  <a:prstDash val="solid"/>
-                </a:ln>
-                <a:solidFill>
-                  <a:srgbClr val="C3C361"/>
-                </a:solidFill>
-                <a:effectLst>
-                  <a:outerShdw blurRad="12700" dist="38100" dir="2700000" algn="tl" rotWithShape="0">
-                    <a:schemeClr val="bg1">
-                      <a:lumMod val="50000"/>
-                    </a:schemeClr>
-                  </a:outerShdw>
-                </a:effectLst>
-              </a:rPr>
-              <a:t>１位</a:t>
-            </a:r>
-            <a:r>
-              <a:rPr kumimoji="1" lang="ja-JP" altLang="en-US" sz="2400" b="1" dirty="0" smtClean="0"/>
-              <a:t>の</a:t>
-            </a:r>
-            <a:r>
-              <a:rPr kumimoji="1" lang="ja-JP" altLang="en-US" sz="2400" b="1" dirty="0" smtClean="0">
-                <a:solidFill>
-                  <a:srgbClr val="FF0000"/>
-                </a:solidFill>
-              </a:rPr>
-              <a:t>点数</a:t>
-            </a:r>
-            <a:endParaRPr kumimoji="1" lang="ja-JP" altLang="en-US" sz="2400" b="1" dirty="0">
-              <a:solidFill>
-                <a:srgbClr val="FF0000"/>
-              </a:solidFill>
-            </a:endParaRPr>
-          </a:p>
-        </p:txBody>
-      </p:sp>
-      <p:sp>
-        <p:nvSpPr>
-          <p:cNvPr id="25" name="テキスト ボックス 24"/>
-          <p:cNvSpPr txBox="1"/>
-          <p:nvPr/>
-        </p:nvSpPr>
-        <p:spPr>
-          <a:xfrm>
-            <a:off x="3877407" y="1951891"/>
-            <a:ext cx="1793630" cy="461665"/>
-          </a:xfrm>
-          <a:prstGeom prst="rect">
-            <a:avLst/>
-          </a:prstGeom>
-          <a:noFill/>
-        </p:spPr>
-        <p:txBody>
-          <a:bodyPr wrap="square" rtlCol="0">
-            <a:spAutoFit/>
-          </a:bodyPr>
-          <a:lstStyle/>
-          <a:p>
-            <a:pPr algn="ctr"/>
-            <a:r>
-              <a:rPr lang="ja-JP" altLang="en-US" sz="2400" b="1" dirty="0" smtClean="0">
-                <a:ln w="9525">
-                  <a:solidFill>
-                    <a:schemeClr val="tx1">
-                      <a:lumMod val="50000"/>
-                      <a:lumOff val="50000"/>
-                    </a:schemeClr>
-                  </a:solidFill>
-                  <a:prstDash val="solid"/>
-                </a:ln>
-                <a:solidFill>
-                  <a:schemeClr val="bg2">
-                    <a:lumMod val="75000"/>
-                  </a:schemeClr>
-                </a:solidFill>
-                <a:effectLst>
-                  <a:outerShdw blurRad="12700" dist="38100" dir="2700000" algn="tl" rotWithShape="0">
-                    <a:schemeClr val="bg1">
-                      <a:lumMod val="50000"/>
-                    </a:schemeClr>
-                  </a:outerShdw>
-                </a:effectLst>
-              </a:rPr>
-              <a:t>２位</a:t>
-            </a:r>
-            <a:r>
-              <a:rPr kumimoji="1" lang="ja-JP" altLang="en-US" sz="2400" b="1" dirty="0" smtClean="0"/>
-              <a:t>の</a:t>
-            </a:r>
-            <a:r>
-              <a:rPr kumimoji="1" lang="ja-JP" altLang="en-US" sz="2400" b="1" dirty="0" smtClean="0">
-                <a:solidFill>
-                  <a:srgbClr val="FF0000"/>
-                </a:solidFill>
-              </a:rPr>
-              <a:t>点数</a:t>
-            </a:r>
-            <a:endParaRPr kumimoji="1" lang="ja-JP" altLang="en-US" sz="2400" b="1" dirty="0">
-              <a:solidFill>
-                <a:srgbClr val="FF0000"/>
-              </a:solidFill>
-            </a:endParaRPr>
-          </a:p>
-        </p:txBody>
-      </p:sp>
-      <p:sp>
-        <p:nvSpPr>
-          <p:cNvPr id="26" name="テキスト ボックス 25"/>
-          <p:cNvSpPr txBox="1"/>
-          <p:nvPr/>
-        </p:nvSpPr>
-        <p:spPr>
-          <a:xfrm>
-            <a:off x="6371489" y="1951890"/>
-            <a:ext cx="1793630" cy="461665"/>
-          </a:xfrm>
-          <a:prstGeom prst="rect">
-            <a:avLst/>
-          </a:prstGeom>
-          <a:noFill/>
-        </p:spPr>
-        <p:txBody>
-          <a:bodyPr wrap="square" rtlCol="0">
-            <a:spAutoFit/>
-          </a:bodyPr>
-          <a:lstStyle/>
-          <a:p>
-            <a:pPr algn="ctr"/>
-            <a:r>
-              <a:rPr lang="ja-JP" altLang="en-US" sz="2400" b="1" dirty="0" smtClean="0">
-                <a:ln w="9525">
-                  <a:solidFill>
-                    <a:schemeClr val="tx2">
-                      <a:lumMod val="20000"/>
-                      <a:lumOff val="80000"/>
-                    </a:schemeClr>
-                  </a:solidFill>
-                  <a:prstDash val="solid"/>
-                </a:ln>
-                <a:solidFill>
-                  <a:schemeClr val="accent2">
-                    <a:lumMod val="75000"/>
-                  </a:schemeClr>
-                </a:solidFill>
-                <a:effectLst>
-                  <a:outerShdw blurRad="12700" dist="38100" dir="2700000" algn="tl" rotWithShape="0">
-                    <a:schemeClr val="bg1">
-                      <a:lumMod val="50000"/>
-                    </a:schemeClr>
-                  </a:outerShdw>
-                </a:effectLst>
-              </a:rPr>
-              <a:t>３位</a:t>
-            </a:r>
-            <a:r>
-              <a:rPr kumimoji="1" lang="ja-JP" altLang="en-US" sz="2400" b="1" dirty="0" smtClean="0"/>
-              <a:t>の</a:t>
-            </a:r>
-            <a:r>
-              <a:rPr kumimoji="1" lang="ja-JP" altLang="en-US" sz="2400" b="1" dirty="0" smtClean="0">
-                <a:solidFill>
-                  <a:srgbClr val="FF0000"/>
-                </a:solidFill>
-              </a:rPr>
-              <a:t>点数</a:t>
-            </a:r>
-            <a:endParaRPr kumimoji="1" lang="ja-JP" altLang="en-US" sz="2400" b="1" dirty="0">
-              <a:solidFill>
-                <a:srgbClr val="FF0000"/>
-              </a:solidFill>
-            </a:endParaRPr>
-          </a:p>
-        </p:txBody>
-      </p:sp>
-      <p:sp>
-        <p:nvSpPr>
-          <p:cNvPr id="27" name="テキスト ボックス 26"/>
-          <p:cNvSpPr txBox="1"/>
-          <p:nvPr/>
-        </p:nvSpPr>
-        <p:spPr>
-          <a:xfrm>
-            <a:off x="8604734" y="1951890"/>
-            <a:ext cx="1793630" cy="461665"/>
-          </a:xfrm>
-          <a:prstGeom prst="rect">
-            <a:avLst/>
-          </a:prstGeom>
-          <a:noFill/>
-        </p:spPr>
-        <p:txBody>
-          <a:bodyPr wrap="square" rtlCol="0">
-            <a:spAutoFit/>
-          </a:bodyPr>
-          <a:lstStyle/>
-          <a:p>
-            <a:pPr algn="ctr"/>
-            <a:r>
-              <a:rPr lang="ja-JP" altLang="en-US" sz="2400" b="1" dirty="0" smtClean="0">
-                <a:ln w="9525">
-                  <a:solidFill>
-                    <a:srgbClr val="0070C0"/>
-                  </a:solidFill>
-                  <a:prstDash val="solid"/>
-                </a:ln>
-                <a:solidFill>
-                  <a:srgbClr val="9231A5"/>
-                </a:solidFill>
-                <a:effectLst>
-                  <a:outerShdw blurRad="12700" dist="38100" dir="2700000" algn="tl" rotWithShape="0">
-                    <a:schemeClr val="bg1">
-                      <a:lumMod val="50000"/>
-                    </a:schemeClr>
-                  </a:outerShdw>
-                </a:effectLst>
-              </a:rPr>
-              <a:t>４位</a:t>
-            </a:r>
-            <a:r>
-              <a:rPr kumimoji="1" lang="ja-JP" altLang="en-US" sz="2400" b="1" dirty="0" smtClean="0"/>
-              <a:t>の</a:t>
-            </a:r>
-            <a:r>
-              <a:rPr kumimoji="1" lang="ja-JP" altLang="en-US" sz="2400" b="1" dirty="0" smtClean="0">
-                <a:solidFill>
-                  <a:srgbClr val="FF0000"/>
-                </a:solidFill>
-              </a:rPr>
-              <a:t>点数</a:t>
-            </a:r>
-            <a:endParaRPr kumimoji="1" lang="ja-JP" altLang="en-US" sz="2400" b="1" dirty="0">
-              <a:solidFill>
-                <a:srgbClr val="FF0000"/>
-              </a:solidFill>
-            </a:endParaRPr>
-          </a:p>
-        </p:txBody>
-      </p:sp>
-      <p:sp>
-        <p:nvSpPr>
-          <p:cNvPr id="11" name="正方形/長方形 10"/>
-          <p:cNvSpPr/>
-          <p:nvPr/>
-        </p:nvSpPr>
-        <p:spPr>
-          <a:xfrm rot="1124844">
-            <a:off x="4290646" y="2844598"/>
-            <a:ext cx="958362" cy="1820007"/>
-          </a:xfrm>
-          <a:prstGeom prst="rect">
-            <a:avLst/>
-          </a:prstGeom>
-          <a:solidFill>
-            <a:srgbClr val="FF0000"/>
-          </a:solidFill>
-        </p:spPr>
-        <p:style>
-          <a:lnRef idx="2">
-            <a:schemeClr val="accent1">
-              <a:shade val="50000"/>
-            </a:schemeClr>
-          </a:lnRef>
-          <a:fillRef idx="1">
-            <a:schemeClr val="accent1"/>
-          </a:fillRef>
-          <a:effectRef idx="0">
-            <a:schemeClr val="accent1"/>
-          </a:effectRef>
-          <a:fontRef idx="minor">
-            <a:schemeClr val="lt1"/>
-          </a:fontRef>
-        </p:style>
-        <p:txBody>
-          <a:bodyPr rtlCol="0" anchor="ctr"/>
-          <a:lstStyle/>
-          <a:p>
-            <a:pPr algn="ctr"/>
-            <a:endParaRPr kumimoji="1" lang="ja-JP" altLang="en-US"/>
-          </a:p>
-        </p:txBody>
-      </p:sp>
-      <p:sp>
-        <p:nvSpPr>
-          <p:cNvPr id="28" name="正方形/長方形 27"/>
-          <p:cNvSpPr/>
-          <p:nvPr/>
-        </p:nvSpPr>
-        <p:spPr>
-          <a:xfrm rot="1480039">
-            <a:off x="1914870" y="2817936"/>
-            <a:ext cx="958362" cy="1820007"/>
-          </a:xfrm>
-          <a:prstGeom prst="rect">
-            <a:avLst/>
-          </a:prstGeom>
-        </p:spPr>
-        <p:style>
-          <a:lnRef idx="2">
-            <a:schemeClr val="accent1">
-              <a:shade val="50000"/>
-            </a:schemeClr>
-          </a:lnRef>
-          <a:fillRef idx="1">
-            <a:schemeClr val="accent1"/>
-          </a:fillRef>
-          <a:effectRef idx="0">
-            <a:schemeClr val="accent1"/>
-          </a:effectRef>
-          <a:fontRef idx="minor">
-            <a:schemeClr val="lt1"/>
-          </a:fontRef>
-        </p:style>
-        <p:txBody>
-          <a:bodyPr rtlCol="0" anchor="ctr"/>
-          <a:lstStyle/>
-          <a:p>
-            <a:pPr algn="ctr"/>
-            <a:endParaRPr kumimoji="1" lang="ja-JP" altLang="en-US"/>
-          </a:p>
-        </p:txBody>
-      </p:sp>
-      <p:sp>
-        <p:nvSpPr>
-          <p:cNvPr id="29" name="正方形/長方形 28"/>
-          <p:cNvSpPr/>
-          <p:nvPr/>
-        </p:nvSpPr>
-        <p:spPr>
-          <a:xfrm rot="316070">
-            <a:off x="6697343" y="2789449"/>
-            <a:ext cx="958362" cy="1820007"/>
-          </a:xfrm>
-          <a:prstGeom prst="rect">
-            <a:avLst/>
-          </a:prstGeom>
-          <a:solidFill>
-            <a:srgbClr val="00B050"/>
-          </a:solidFill>
-        </p:spPr>
-        <p:style>
-          <a:lnRef idx="2">
-            <a:schemeClr val="accent1">
-              <a:shade val="50000"/>
-            </a:schemeClr>
-          </a:lnRef>
-          <a:fillRef idx="1">
-            <a:schemeClr val="accent1"/>
-          </a:fillRef>
-          <a:effectRef idx="0">
-            <a:schemeClr val="accent1"/>
-          </a:effectRef>
-          <a:fontRef idx="minor">
-            <a:schemeClr val="lt1"/>
-          </a:fontRef>
-        </p:style>
-        <p:txBody>
-          <a:bodyPr rtlCol="0" anchor="ctr"/>
-          <a:lstStyle/>
-          <a:p>
-            <a:pPr algn="ctr"/>
-            <a:endParaRPr kumimoji="1" lang="ja-JP" altLang="en-US"/>
-          </a:p>
-        </p:txBody>
-      </p:sp>
-      <p:sp>
-        <p:nvSpPr>
-          <p:cNvPr id="30" name="正方形/長方形 29"/>
-          <p:cNvSpPr/>
-          <p:nvPr/>
-        </p:nvSpPr>
-        <p:spPr>
-          <a:xfrm>
-            <a:off x="9022368" y="2844597"/>
-            <a:ext cx="958362" cy="1820007"/>
-          </a:xfrm>
-          <a:prstGeom prst="rect">
-            <a:avLst/>
-          </a:prstGeom>
-          <a:solidFill>
-            <a:srgbClr val="FFFF00"/>
-          </a:solidFill>
-        </p:spPr>
-        <p:style>
-          <a:lnRef idx="2">
-            <a:schemeClr val="accent1">
-              <a:shade val="50000"/>
-            </a:schemeClr>
-          </a:lnRef>
-          <a:fillRef idx="1">
-            <a:schemeClr val="accent1"/>
-          </a:fillRef>
-          <a:effectRef idx="0">
-            <a:schemeClr val="accent1"/>
-          </a:effectRef>
-          <a:fontRef idx="minor">
-            <a:schemeClr val="lt1"/>
-          </a:fontRef>
-        </p:style>
-        <p:txBody>
-          <a:bodyPr rtlCol="0" anchor="ctr"/>
-          <a:lstStyle/>
-          <a:p>
-            <a:pPr algn="ctr"/>
-            <a:endParaRPr kumimoji="1" lang="ja-JP" altLang="en-US"/>
-          </a:p>
-        </p:txBody>
-      </p:sp>
-      <p:sp>
-        <p:nvSpPr>
-          <p:cNvPr id="13" name="テキスト ボックス 12"/>
-          <p:cNvSpPr txBox="1"/>
-          <p:nvPr/>
-        </p:nvSpPr>
-        <p:spPr>
-          <a:xfrm>
-            <a:off x="1960832" y="3523767"/>
-            <a:ext cx="963003" cy="523220"/>
-          </a:xfrm>
-          <a:prstGeom prst="rect">
-            <a:avLst/>
-          </a:prstGeom>
-          <a:noFill/>
-        </p:spPr>
-        <p:txBody>
-          <a:bodyPr wrap="square" rtlCol="0">
-            <a:spAutoFit/>
-          </a:bodyPr>
-          <a:lstStyle/>
-          <a:p>
-            <a:pPr algn="ctr"/>
-            <a:r>
-              <a:rPr kumimoji="1" lang="ja-JP" altLang="en-US" sz="2800" b="1" dirty="0" smtClean="0">
-                <a:solidFill>
-                  <a:schemeClr val="bg1"/>
-                </a:solidFill>
-              </a:rPr>
-              <a:t>１Ｐ</a:t>
-            </a:r>
-            <a:endParaRPr kumimoji="1" lang="ja-JP" altLang="en-US" sz="2800" b="1" dirty="0">
-              <a:solidFill>
-                <a:schemeClr val="bg1"/>
-              </a:solidFill>
-            </a:endParaRPr>
-          </a:p>
-        </p:txBody>
-      </p:sp>
-      <p:sp>
-        <p:nvSpPr>
-          <p:cNvPr id="32" name="テキスト ボックス 31"/>
-          <p:cNvSpPr txBox="1"/>
-          <p:nvPr/>
-        </p:nvSpPr>
-        <p:spPr>
-          <a:xfrm>
-            <a:off x="4309055" y="3492990"/>
-            <a:ext cx="963003" cy="523220"/>
-          </a:xfrm>
-          <a:prstGeom prst="rect">
-            <a:avLst/>
-          </a:prstGeom>
-          <a:noFill/>
-        </p:spPr>
-        <p:txBody>
-          <a:bodyPr wrap="square" rtlCol="0">
-            <a:spAutoFit/>
-          </a:bodyPr>
-          <a:lstStyle/>
-          <a:p>
-            <a:pPr algn="ctr"/>
-            <a:r>
-              <a:rPr kumimoji="1" lang="ja-JP" altLang="en-US" sz="2800" b="1" dirty="0" smtClean="0">
-                <a:solidFill>
-                  <a:schemeClr val="bg1"/>
-                </a:solidFill>
-              </a:rPr>
-              <a:t>２Ｐ</a:t>
-            </a:r>
-            <a:endParaRPr kumimoji="1" lang="ja-JP" altLang="en-US" sz="2800" b="1" dirty="0">
-              <a:solidFill>
-                <a:schemeClr val="bg1"/>
-              </a:solidFill>
-            </a:endParaRPr>
-          </a:p>
-        </p:txBody>
-      </p:sp>
-      <p:sp>
-        <p:nvSpPr>
-          <p:cNvPr id="33" name="テキスト ボックス 32"/>
-          <p:cNvSpPr txBox="1"/>
-          <p:nvPr/>
-        </p:nvSpPr>
-        <p:spPr>
-          <a:xfrm>
-            <a:off x="6743320" y="3437842"/>
-            <a:ext cx="963003" cy="523220"/>
-          </a:xfrm>
-          <a:prstGeom prst="rect">
-            <a:avLst/>
-          </a:prstGeom>
-          <a:noFill/>
-        </p:spPr>
-        <p:txBody>
-          <a:bodyPr wrap="square" rtlCol="0">
-            <a:spAutoFit/>
-          </a:bodyPr>
-          <a:lstStyle/>
-          <a:p>
-            <a:pPr algn="ctr"/>
-            <a:r>
-              <a:rPr kumimoji="1" lang="ja-JP" altLang="en-US" sz="2800" b="1" dirty="0" smtClean="0">
-                <a:solidFill>
-                  <a:schemeClr val="bg1"/>
-                </a:solidFill>
-              </a:rPr>
-              <a:t>３Ｐ</a:t>
-            </a:r>
-            <a:endParaRPr kumimoji="1" lang="ja-JP" altLang="en-US" sz="2800" b="1" dirty="0">
-              <a:solidFill>
-                <a:schemeClr val="bg1"/>
-              </a:solidFill>
-            </a:endParaRPr>
-          </a:p>
-        </p:txBody>
-      </p:sp>
-      <p:sp>
-        <p:nvSpPr>
-          <p:cNvPr id="34" name="テキスト ボックス 33"/>
-          <p:cNvSpPr txBox="1"/>
-          <p:nvPr/>
-        </p:nvSpPr>
-        <p:spPr>
-          <a:xfrm>
-            <a:off x="9022368" y="3475260"/>
-            <a:ext cx="963003" cy="523220"/>
-          </a:xfrm>
-          <a:prstGeom prst="rect">
-            <a:avLst/>
-          </a:prstGeom>
-          <a:noFill/>
-        </p:spPr>
-        <p:txBody>
-          <a:bodyPr wrap="square" rtlCol="0">
-            <a:spAutoFit/>
-          </a:bodyPr>
-          <a:lstStyle/>
-          <a:p>
-            <a:pPr algn="ctr"/>
-            <a:r>
-              <a:rPr kumimoji="1" lang="ja-JP" altLang="en-US" sz="2800" b="1" dirty="0" smtClean="0"/>
-              <a:t>４Ｐ</a:t>
-            </a:r>
-            <a:endParaRPr kumimoji="1" lang="ja-JP" altLang="en-US" sz="2800" b="1" dirty="0"/>
-          </a:p>
-        </p:txBody>
-      </p:sp>
-      <p:sp>
-        <p:nvSpPr>
-          <p:cNvPr id="35" name="テキスト ボックス 34"/>
-          <p:cNvSpPr txBox="1"/>
-          <p:nvPr/>
-        </p:nvSpPr>
-        <p:spPr>
-          <a:xfrm>
-            <a:off x="2697772" y="5832037"/>
-            <a:ext cx="7060223" cy="523220"/>
-          </a:xfrm>
-          <a:prstGeom prst="rect">
-            <a:avLst/>
-          </a:prstGeom>
-          <a:noFill/>
-        </p:spPr>
-        <p:txBody>
-          <a:bodyPr wrap="square" rtlCol="0">
-            <a:spAutoFit/>
-          </a:bodyPr>
-          <a:lstStyle/>
-          <a:p>
-            <a:pPr algn="ctr"/>
-            <a:r>
-              <a:rPr kumimoji="1" lang="ja-JP" altLang="en-US" sz="2800" b="1" dirty="0" smtClean="0"/>
-              <a:t>それぞれの</a:t>
-            </a:r>
-            <a:r>
-              <a:rPr kumimoji="1" lang="ja-JP" altLang="en-US" sz="2800" b="1" dirty="0" smtClean="0">
-                <a:solidFill>
-                  <a:srgbClr val="FF0000"/>
-                </a:solidFill>
-              </a:rPr>
-              <a:t>点数</a:t>
-            </a:r>
-            <a:r>
-              <a:rPr kumimoji="1" lang="ja-JP" altLang="en-US" sz="2800" b="1" dirty="0" smtClean="0"/>
-              <a:t>と順位のプレイヤーを出す</a:t>
-            </a:r>
-            <a:endParaRPr kumimoji="1" lang="ja-JP" altLang="en-US" sz="2800" b="1" dirty="0"/>
+            <a:endParaRPr kumimoji="1" lang="ja-JP" altLang="en-US" dirty="0"/>
           </a:p>
         </p:txBody>
       </p:sp>
     </p:spTree>
     <p:extLst>
       <p:ext uri="{BB962C8B-B14F-4D97-AF65-F5344CB8AC3E}">
-        <p14:creationId xmlns:p14="http://schemas.microsoft.com/office/powerpoint/2010/main" val="3864553388"/>
+        <p14:creationId xmlns:p14="http://schemas.microsoft.com/office/powerpoint/2010/main" val="3998623281"/>
       </p:ext>
     </p:extLst>
   </p:cSld>
@@ -7853,7 +7337,7 @@
           <a:p>
             <a:pPr algn="ctr"/>
             <a:r>
-              <a:rPr lang="ja-JP" altLang="en-US" sz="4000" b="1" dirty="0">
+              <a:rPr kumimoji="1" lang="ja-JP" altLang="en-US" sz="4000" b="1" dirty="0" smtClean="0">
                 <a:ln w="9525">
                   <a:solidFill>
                     <a:schemeClr val="tx2">
@@ -7876,36 +7360,10 @@
                   </a:outerShdw>
                 </a:effectLst>
               </a:rPr>
-              <a:t>３位</a:t>
-            </a:r>
-          </a:p>
-        </p:txBody>
-      </p:sp>
-      <p:sp>
-        <p:nvSpPr>
-          <p:cNvPr id="24" name="テキスト ボックス 23"/>
-          <p:cNvSpPr txBox="1"/>
-          <p:nvPr/>
-        </p:nvSpPr>
-        <p:spPr>
-          <a:xfrm>
-            <a:off x="8508022" y="5046785"/>
-            <a:ext cx="1802422" cy="707886"/>
-          </a:xfrm>
-          <a:prstGeom prst="rect">
-            <a:avLst/>
-          </a:prstGeom>
-          <a:noFill/>
-        </p:spPr>
-        <p:txBody>
-          <a:bodyPr wrap="square" rtlCol="0">
-            <a:spAutoFit/>
-          </a:bodyPr>
-          <a:lstStyle/>
-          <a:p>
-            <a:pPr algn="ctr"/>
-            <a:r>
-              <a:rPr lang="ja-JP" altLang="en-US" sz="4000" b="1" dirty="0">
+              <a:t>３</a:t>
+            </a:r>
+            <a:r>
+              <a:rPr lang="ja-JP" altLang="en-US" sz="4000" b="1" dirty="0" smtClean="0">
                 <a:ln w="9525">
                   <a:solidFill>
                     <a:schemeClr val="tx2">
@@ -7928,8 +7386,117 @@
                   </a:outerShdw>
                 </a:effectLst>
               </a:rPr>
-              <a:t>３位</a:t>
-            </a:r>
+              <a:t>位</a:t>
+            </a:r>
+            <a:endParaRPr kumimoji="1" lang="ja-JP" altLang="en-US" sz="4000" b="1" dirty="0">
+              <a:ln w="9525">
+                <a:solidFill>
+                  <a:schemeClr val="tx2">
+                    <a:lumMod val="20000"/>
+                    <a:lumOff val="80000"/>
+                  </a:schemeClr>
+                </a:solidFill>
+                <a:prstDash val="solid"/>
+              </a:ln>
+              <a:solidFill>
+                <a:schemeClr val="accent2">
+                  <a:lumMod val="75000"/>
+                </a:schemeClr>
+              </a:solidFill>
+              <a:effectLst>
+                <a:outerShdw blurRad="12700" dist="38100" dir="2700000" algn="tl" rotWithShape="0">
+                  <a:schemeClr val="bg1">
+                    <a:lumMod val="50000"/>
+                  </a:schemeClr>
+                </a:outerShdw>
+              </a:effectLst>
+            </a:endParaRPr>
+          </a:p>
+        </p:txBody>
+      </p:sp>
+      <p:sp>
+        <p:nvSpPr>
+          <p:cNvPr id="24" name="テキスト ボックス 23"/>
+          <p:cNvSpPr txBox="1"/>
+          <p:nvPr/>
+        </p:nvSpPr>
+        <p:spPr>
+          <a:xfrm>
+            <a:off x="8508022" y="5046785"/>
+            <a:ext cx="1802422" cy="707886"/>
+          </a:xfrm>
+          <a:prstGeom prst="rect">
+            <a:avLst/>
+          </a:prstGeom>
+          <a:noFill/>
+        </p:spPr>
+        <p:txBody>
+          <a:bodyPr wrap="square" rtlCol="0">
+            <a:spAutoFit/>
+          </a:bodyPr>
+          <a:lstStyle/>
+          <a:p>
+            <a:pPr algn="ctr"/>
+            <a:r>
+              <a:rPr kumimoji="1" lang="ja-JP" altLang="en-US" sz="4000" b="1" dirty="0" smtClean="0">
+                <a:ln w="9525">
+                  <a:solidFill>
+                    <a:srgbClr val="0070C0"/>
+                  </a:solidFill>
+                  <a:prstDash val="solid"/>
+                </a:ln>
+                <a:solidFill>
+                  <a:srgbClr val="9231A5"/>
+                </a:solidFill>
+                <a:effectLst>
+                  <a:outerShdw blurRad="12700" dist="38100" dir="2700000" algn="tl" rotWithShape="0">
+                    <a:schemeClr val="bg1">
+                      <a:lumMod val="50000"/>
+                    </a:schemeClr>
+                  </a:outerShdw>
+                </a:effectLst>
+              </a:rPr>
+              <a:t>４</a:t>
+            </a:r>
+            <a:r>
+              <a:rPr lang="ja-JP" altLang="en-US" sz="4000" b="1" dirty="0" smtClean="0">
+                <a:ln w="9525">
+                  <a:solidFill>
+                    <a:srgbClr val="0070C0"/>
+                  </a:solidFill>
+                  <a:prstDash val="solid"/>
+                </a:ln>
+                <a:solidFill>
+                  <a:srgbClr val="9231A5"/>
+                </a:solidFill>
+                <a:effectLst>
+                  <a:outerShdw blurRad="12700" dist="38100" dir="2700000" algn="tl" rotWithShape="0">
+                    <a:schemeClr val="bg1">
+                      <a:lumMod val="50000"/>
+                    </a:schemeClr>
+                  </a:outerShdw>
+                </a:effectLst>
+              </a:rPr>
+              <a:t>位</a:t>
+            </a:r>
+            <a:endParaRPr kumimoji="1" lang="ja-JP" altLang="en-US" sz="4000" b="1" dirty="0">
+              <a:ln w="9525">
+                <a:solidFill>
+                  <a:srgbClr val="0070C0"/>
+                </a:solidFill>
+                <a:prstDash val="solid"/>
+              </a:ln>
+              <a:solidFill>
+                <a:srgbClr val="9231A5"/>
+              </a:solidFill>
+              <a:effectLst>
+                <a:outerShdw blurRad="12700" dist="38100" dir="2700000" algn="tl" rotWithShape="0">
+                  <a:schemeClr val="bg1">
+                    <a:lumMod val="50000"/>
+                  </a:schemeClr>
+                </a:outerShdw>
+              </a:effectLst>
+            </a:endParaRPr>
           </a:p>
         </p:txBody>
       </p:sp>
@@ -8162,17 +7729,12 @@
               <a:rPr lang="ja-JP" altLang="en-US" sz="2400" b="1" dirty="0" smtClean="0">
                 <a:ln w="9525">
                   <a:solidFill>
-                    <a:schemeClr val="tx2">
-                      <a:lumMod val="20000"/>
-                      <a:lumOff val="80000"/>
-                    </a:schemeClr>
+                    <a:srgbClr val="0070C0"/>
                   </a:solidFill>
                   <a:prstDash val="solid"/>
                 </a:ln>
                 <a:solidFill>
-                  <a:schemeClr val="accent2">
-                    <a:lumMod val="75000"/>
-                  </a:schemeClr>
+                  <a:srgbClr val="9231A5"/>
                 </a:solidFill>
                 <a:effectLst>
                   <a:outerShdw blurRad="12700" dist="38100" dir="2700000" algn="tl" rotWithShape="0">
@@ -8182,7 +7744,7 @@
                   </a:outerShdw>
                 </a:effectLst>
               </a:rPr>
-              <a:t>３位</a:t>
+              <a:t>４位</a:t>
             </a:r>
             <a:r>
               <a:rPr kumimoji="1" lang="ja-JP" altLang="en-US" sz="2400" b="1" dirty="0" smtClean="0"/>
@@ -8337,8 +7899,8 @@
           <p:nvPr/>
         </p:nvSpPr>
         <p:spPr>
-          <a:xfrm rot="321307">
-            <a:off x="8971861" y="2894132"/>
+          <a:xfrm>
+            <a:off x="9022368" y="2844597"/>
             <a:ext cx="958362" cy="1820007"/>
           </a:xfrm>
           <a:prstGeom prst="rect">
@@ -8564,106 +8126,10 @@
           </a:p>
         </p:txBody>
       </p:sp>
-      <p:sp>
-        <p:nvSpPr>
-          <p:cNvPr id="2" name="角丸四角形吹き出し 1"/>
-          <p:cNvSpPr/>
-          <p:nvPr/>
-        </p:nvSpPr>
-        <p:spPr>
-          <a:xfrm>
-            <a:off x="9066148" y="216015"/>
-            <a:ext cx="2808554" cy="1283677"/>
-          </a:xfrm>
-          <a:prstGeom prst="wedgeRoundRectCallout">
-            <a:avLst/>
-          </a:prstGeom>
-          <a:solidFill>
-            <a:schemeClr val="bg1"/>
-          </a:solidFill>
-          <a:ln w="57150">
-            <a:solidFill>
-              <a:srgbClr val="002060"/>
-            </a:solidFill>
-          </a:ln>
-        </p:spPr>
-        <p:style>
-          <a:lnRef idx="2">
-            <a:schemeClr val="accent1">
-              <a:shade val="50000"/>
-            </a:schemeClr>
-          </a:lnRef>
-          <a:fillRef idx="1">
-            <a:schemeClr val="accent1"/>
-          </a:fillRef>
-          <a:effectRef idx="0">
-            <a:schemeClr val="accent1"/>
-          </a:effectRef>
-          <a:fontRef idx="minor">
-            <a:schemeClr val="lt1"/>
-          </a:fontRef>
-        </p:style>
-        <p:txBody>
-          <a:bodyPr rtlCol="0" anchor="ctr"/>
-          <a:lstStyle/>
-          <a:p>
-            <a:pPr algn="ctr"/>
-            <a:endParaRPr kumimoji="1" lang="ja-JP" altLang="en-US"/>
-          </a:p>
-        </p:txBody>
-      </p:sp>
-      <p:sp>
-        <p:nvSpPr>
-          <p:cNvPr id="31" name="テキスト ボックス 30"/>
-          <p:cNvSpPr txBox="1"/>
-          <p:nvPr/>
-        </p:nvSpPr>
-        <p:spPr>
-          <a:xfrm>
-            <a:off x="9224284" y="514304"/>
-            <a:ext cx="2381562" cy="830997"/>
-          </a:xfrm>
-          <a:prstGeom prst="rect">
-            <a:avLst/>
-          </a:prstGeom>
-          <a:noFill/>
-        </p:spPr>
-        <p:txBody>
-          <a:bodyPr wrap="square" rtlCol="0">
-            <a:spAutoFit/>
-          </a:bodyPr>
-          <a:lstStyle/>
-          <a:p>
-            <a:pPr algn="ctr"/>
-            <a:r>
-              <a:rPr lang="ja-JP" altLang="en-US" sz="2400" b="1" dirty="0" smtClean="0">
-                <a:ln w="9525">
-                  <a:solidFill>
-                    <a:schemeClr val="tx2">
-                      <a:lumMod val="20000"/>
-                      <a:lumOff val="80000"/>
-                    </a:schemeClr>
-                  </a:solidFill>
-                  <a:prstDash val="solid"/>
-                </a:ln>
-                <a:effectLst>
-                  <a:outerShdw blurRad="12700" dist="38100" dir="2700000" algn="tl" rotWithShape="0">
-                    <a:schemeClr val="bg1">
-                      <a:lumMod val="50000"/>
-                    </a:schemeClr>
-                  </a:outerShdw>
-                </a:effectLst>
-              </a:rPr>
-              <a:t>同じ順位の人がいる場合</a:t>
-            </a:r>
-            <a:endParaRPr kumimoji="1" lang="ja-JP" altLang="en-US" sz="2400" b="1" dirty="0"/>
-          </a:p>
-        </p:txBody>
-      </p:sp>
     </p:spTree>
     <p:extLst>
       <p:ext uri="{BB962C8B-B14F-4D97-AF65-F5344CB8AC3E}">
-        <p14:creationId xmlns:p14="http://schemas.microsoft.com/office/powerpoint/2010/main" val="3327922269"/>
+        <p14:creationId xmlns:p14="http://schemas.microsoft.com/office/powerpoint/2010/main" val="3864553388"/>
       </p:ext>
     </p:extLst>
   </p:cSld>
@@ -8692,38 +8158,949 @@
       </p:grpSpPr>
       <p:sp>
         <p:nvSpPr>
-          <p:cNvPr id="2" name="タイトル 1"/>
-          <p:cNvSpPr>
-            <a:spLocks noGrp="1"/>
-          </p:cNvSpPr>
-          <p:nvPr>
-            <p:ph type="ctrTitle"/>
-          </p:nvPr>
-        </p:nvSpPr>
-        <p:spPr>
-          <a:xfrm>
-            <a:off x="767862" y="1372699"/>
-            <a:ext cx="10585938" cy="2387600"/>
-          </a:xfrm>
-        </p:spPr>
-        <p:txBody>
-          <a:bodyPr>
-            <a:normAutofit/>
+          <p:cNvPr id="5" name="正方形/長方形 4"/>
+          <p:cNvSpPr/>
+          <p:nvPr/>
+        </p:nvSpPr>
+        <p:spPr>
+          <a:xfrm>
+            <a:off x="650631" y="901211"/>
+            <a:ext cx="10955215" cy="5653454"/>
+          </a:xfrm>
+          <a:prstGeom prst="rect">
+            <a:avLst/>
+          </a:prstGeom>
+          <a:noFill/>
+          <a:ln w="38100" cap="flat" cmpd="sng" algn="ctr">
+            <a:solidFill>
+              <a:schemeClr val="dk1"/>
+            </a:solidFill>
+            <a:prstDash val="solid"/>
+            <a:round/>
+            <a:headEnd type="none" w="med" len="med"/>
+            <a:tailEnd type="none" w="med" len="med"/>
+          </a:ln>
+        </p:spPr>
+        <p:style>
+          <a:lnRef idx="0">
+            <a:scrgbClr r="0" g="0" b="0"/>
+          </a:lnRef>
+          <a:fillRef idx="0">
+            <a:scrgbClr r="0" g="0" b="0"/>
+          </a:fillRef>
+          <a:effectRef idx="0">
+            <a:scrgbClr r="0" g="0" b="0"/>
+          </a:effectRef>
+          <a:fontRef idx="minor">
+            <a:schemeClr val="dk1"/>
+          </a:fontRef>
+        </p:style>
+        <p:txBody>
+          <a:bodyPr rtlCol="0" anchor="ctr"/>
+          <a:lstStyle/>
+          <a:p>
+            <a:pPr algn="ctr"/>
+            <a:endParaRPr kumimoji="1" lang="ja-JP" altLang="en-US"/>
+          </a:p>
+        </p:txBody>
+      </p:sp>
+      <p:sp>
+        <p:nvSpPr>
+          <p:cNvPr id="18" name="片側の 2 つの角を切り取った四角形 17"/>
+          <p:cNvSpPr/>
+          <p:nvPr/>
+        </p:nvSpPr>
+        <p:spPr>
+          <a:xfrm>
+            <a:off x="919487" y="575896"/>
+            <a:ext cx="2949128" cy="650630"/>
+          </a:xfrm>
+          <a:prstGeom prst="snip2SameRect">
+            <a:avLst/>
+          </a:prstGeom>
+        </p:spPr>
+        <p:style>
+          <a:lnRef idx="2">
+            <a:schemeClr val="accent2">
+              <a:shade val="50000"/>
+            </a:schemeClr>
+          </a:lnRef>
+          <a:fillRef idx="1">
+            <a:schemeClr val="accent2"/>
+          </a:fillRef>
+          <a:effectRef idx="0">
+            <a:schemeClr val="accent2"/>
+          </a:effectRef>
+          <a:fontRef idx="minor">
+            <a:schemeClr val="lt1"/>
+          </a:fontRef>
+        </p:style>
+        <p:txBody>
+          <a:bodyPr rtlCol="0" anchor="ctr"/>
+          <a:lstStyle/>
+          <a:p>
+            <a:pPr algn="ctr"/>
+            <a:endParaRPr kumimoji="1" lang="ja-JP" altLang="en-US"/>
+          </a:p>
+        </p:txBody>
+      </p:sp>
+      <p:sp>
+        <p:nvSpPr>
+          <p:cNvPr id="19" name="テキスト ボックス 18"/>
+          <p:cNvSpPr txBox="1"/>
+          <p:nvPr/>
+        </p:nvSpPr>
+        <p:spPr>
+          <a:xfrm>
+            <a:off x="1017598" y="685876"/>
+            <a:ext cx="2622417" cy="523220"/>
+          </a:xfrm>
+          <a:prstGeom prst="rect">
+            <a:avLst/>
+          </a:prstGeom>
+          <a:noFill/>
+        </p:spPr>
+        <p:txBody>
+          <a:bodyPr wrap="square" rtlCol="0">
+            <a:spAutoFit/>
           </a:bodyPr>
           <a:lstStyle/>
           <a:p>
-            <a:r>
-              <a:rPr lang="ja-JP" altLang="en-US" dirty="0" smtClean="0"/>
-              <a:t>メニュー画面</a:t>
-            </a:r>
-            <a:endParaRPr kumimoji="1" lang="ja-JP" altLang="en-US" dirty="0"/>
+            <a:pPr algn="ctr"/>
+            <a:r>
+              <a:rPr kumimoji="1" lang="ja-JP" altLang="en-US" sz="2800" b="1" dirty="0" smtClean="0">
+                <a:solidFill>
+                  <a:schemeClr val="bg2"/>
+                </a:solidFill>
+              </a:rPr>
+              <a:t>１つの場合</a:t>
+            </a:r>
+            <a:endParaRPr kumimoji="1" lang="ja-JP" altLang="en-US" sz="2800" b="1" dirty="0">
+              <a:solidFill>
+                <a:schemeClr val="bg2"/>
+              </a:solidFill>
+            </a:endParaRPr>
+          </a:p>
+        </p:txBody>
+      </p:sp>
+      <p:sp>
+        <p:nvSpPr>
+          <p:cNvPr id="22" name="正方形/長方形 21"/>
+          <p:cNvSpPr/>
+          <p:nvPr/>
+        </p:nvSpPr>
+        <p:spPr>
+          <a:xfrm>
+            <a:off x="4571382" y="480564"/>
+            <a:ext cx="3605463" cy="699047"/>
+          </a:xfrm>
+          <a:prstGeom prst="rect">
+            <a:avLst/>
+          </a:prstGeom>
+        </p:spPr>
+        <p:style>
+          <a:lnRef idx="2">
+            <a:schemeClr val="dk1"/>
+          </a:lnRef>
+          <a:fillRef idx="1">
+            <a:schemeClr val="lt1"/>
+          </a:fillRef>
+          <a:effectRef idx="0">
+            <a:schemeClr val="dk1"/>
+          </a:effectRef>
+          <a:fontRef idx="minor">
+            <a:schemeClr val="dk1"/>
+          </a:fontRef>
+        </p:style>
+        <p:txBody>
+          <a:bodyPr rtlCol="0" anchor="ctr"/>
+          <a:lstStyle/>
+          <a:p>
+            <a:pPr algn="ctr"/>
+            <a:endParaRPr kumimoji="1" lang="ja-JP" altLang="en-US"/>
+          </a:p>
+        </p:txBody>
+      </p:sp>
+      <p:sp>
+        <p:nvSpPr>
+          <p:cNvPr id="23" name="正方形/長方形 22"/>
+          <p:cNvSpPr/>
+          <p:nvPr/>
+        </p:nvSpPr>
+        <p:spPr>
+          <a:xfrm>
+            <a:off x="5102751" y="565467"/>
+            <a:ext cx="2634479" cy="584775"/>
+          </a:xfrm>
+          <a:prstGeom prst="rect">
+            <a:avLst/>
+          </a:prstGeom>
+        </p:spPr>
+        <p:txBody>
+          <a:bodyPr wrap="square">
+            <a:spAutoFit/>
+          </a:bodyPr>
+          <a:lstStyle/>
+          <a:p>
+            <a:r>
+              <a:rPr lang="ja-JP" altLang="en-US" sz="3200" b="1" dirty="0" smtClean="0"/>
+              <a:t>リザルト画面</a:t>
+            </a:r>
+            <a:endParaRPr lang="ja-JP" altLang="en-US" sz="3200" b="1" dirty="0"/>
+          </a:p>
+        </p:txBody>
+      </p:sp>
+      <p:sp>
+        <p:nvSpPr>
+          <p:cNvPr id="3" name="テキスト ボックス 2"/>
+          <p:cNvSpPr txBox="1"/>
+          <p:nvPr/>
+        </p:nvSpPr>
+        <p:spPr>
+          <a:xfrm>
+            <a:off x="1635370" y="5046785"/>
+            <a:ext cx="1802422" cy="707886"/>
+          </a:xfrm>
+          <a:prstGeom prst="rect">
+            <a:avLst/>
+          </a:prstGeom>
+          <a:noFill/>
+        </p:spPr>
+        <p:txBody>
+          <a:bodyPr wrap="square" rtlCol="0">
+            <a:spAutoFit/>
+          </a:bodyPr>
+          <a:lstStyle/>
+          <a:p>
+            <a:pPr algn="ctr"/>
+            <a:r>
+              <a:rPr kumimoji="1" lang="ja-JP" altLang="en-US" sz="4000" b="1" dirty="0" smtClean="0">
+                <a:ln w="9525">
+                  <a:solidFill>
+                    <a:schemeClr val="bg1"/>
+                  </a:solidFill>
+                  <a:prstDash val="solid"/>
+                </a:ln>
+                <a:solidFill>
+                  <a:srgbClr val="C3C361"/>
+                </a:solidFill>
+                <a:effectLst>
+                  <a:outerShdw blurRad="12700" dist="38100" dir="2700000" algn="tl" rotWithShape="0">
+                    <a:schemeClr val="bg1">
+                      <a:lumMod val="50000"/>
+                    </a:schemeClr>
+                  </a:outerShdw>
+                </a:effectLst>
+              </a:rPr>
+              <a:t>１</a:t>
+            </a:r>
+            <a:r>
+              <a:rPr lang="ja-JP" altLang="en-US" sz="4000" b="1" dirty="0">
+                <a:ln w="9525">
+                  <a:solidFill>
+                    <a:schemeClr val="bg1"/>
+                  </a:solidFill>
+                  <a:prstDash val="solid"/>
+                </a:ln>
+                <a:solidFill>
+                  <a:srgbClr val="C3C361"/>
+                </a:solidFill>
+                <a:effectLst>
+                  <a:outerShdw blurRad="12700" dist="38100" dir="2700000" algn="tl" rotWithShape="0">
+                    <a:schemeClr val="bg1">
+                      <a:lumMod val="50000"/>
+                    </a:schemeClr>
+                  </a:outerShdw>
+                </a:effectLst>
+              </a:rPr>
+              <a:t>位</a:t>
+            </a:r>
+            <a:endParaRPr kumimoji="1" lang="ja-JP" altLang="en-US" sz="4000" b="1" dirty="0">
+              <a:ln w="9525">
+                <a:solidFill>
+                  <a:schemeClr val="bg1"/>
+                </a:solidFill>
+                <a:prstDash val="solid"/>
+              </a:ln>
+              <a:solidFill>
+                <a:srgbClr val="C3C361"/>
+              </a:solidFill>
+              <a:effectLst>
+                <a:outerShdw blurRad="12700" dist="38100" dir="2700000" algn="tl" rotWithShape="0">
+                  <a:schemeClr val="bg1">
+                    <a:lumMod val="50000"/>
+                  </a:schemeClr>
+                </a:outerShdw>
+              </a:effectLst>
+            </a:endParaRPr>
+          </a:p>
+        </p:txBody>
+      </p:sp>
+      <p:sp>
+        <p:nvSpPr>
+          <p:cNvPr id="20" name="テキスト ボックス 19"/>
+          <p:cNvSpPr txBox="1"/>
+          <p:nvPr/>
+        </p:nvSpPr>
+        <p:spPr>
+          <a:xfrm>
+            <a:off x="3868615" y="5046785"/>
+            <a:ext cx="1802422" cy="707886"/>
+          </a:xfrm>
+          <a:prstGeom prst="rect">
+            <a:avLst/>
+          </a:prstGeom>
+          <a:noFill/>
+        </p:spPr>
+        <p:txBody>
+          <a:bodyPr wrap="square" rtlCol="0">
+            <a:spAutoFit/>
+          </a:bodyPr>
+          <a:lstStyle/>
+          <a:p>
+            <a:pPr algn="ctr"/>
+            <a:r>
+              <a:rPr kumimoji="1" lang="ja-JP" altLang="en-US" sz="4000" b="1" dirty="0" smtClean="0">
+                <a:ln w="9525">
+                  <a:solidFill>
+                    <a:schemeClr val="tx1">
+                      <a:lumMod val="50000"/>
+                      <a:lumOff val="50000"/>
+                    </a:schemeClr>
+                  </a:solidFill>
+                  <a:prstDash val="solid"/>
+                </a:ln>
+                <a:solidFill>
+                  <a:schemeClr val="bg2">
+                    <a:lumMod val="75000"/>
+                  </a:schemeClr>
+                </a:solidFill>
+                <a:effectLst>
+                  <a:outerShdw blurRad="12700" dist="38100" dir="2700000" algn="tl" rotWithShape="0">
+                    <a:schemeClr val="bg1">
+                      <a:lumMod val="50000"/>
+                    </a:schemeClr>
+                  </a:outerShdw>
+                </a:effectLst>
+              </a:rPr>
+              <a:t>２</a:t>
+            </a:r>
+            <a:r>
+              <a:rPr lang="ja-JP" altLang="en-US" sz="4000" b="1" dirty="0" smtClean="0">
+                <a:ln w="9525">
+                  <a:solidFill>
+                    <a:schemeClr val="tx1">
+                      <a:lumMod val="50000"/>
+                      <a:lumOff val="50000"/>
+                    </a:schemeClr>
+                  </a:solidFill>
+                  <a:prstDash val="solid"/>
+                </a:ln>
+                <a:solidFill>
+                  <a:schemeClr val="bg2">
+                    <a:lumMod val="75000"/>
+                  </a:schemeClr>
+                </a:solidFill>
+                <a:effectLst>
+                  <a:outerShdw blurRad="12700" dist="38100" dir="2700000" algn="tl" rotWithShape="0">
+                    <a:schemeClr val="bg1">
+                      <a:lumMod val="50000"/>
+                    </a:schemeClr>
+                  </a:outerShdw>
+                </a:effectLst>
+              </a:rPr>
+              <a:t>位</a:t>
+            </a:r>
+            <a:endParaRPr kumimoji="1" lang="ja-JP" altLang="en-US" sz="4000" b="1" dirty="0">
+              <a:ln w="9525">
+                <a:solidFill>
+                  <a:schemeClr val="tx1">
+                    <a:lumMod val="50000"/>
+                    <a:lumOff val="50000"/>
+                  </a:schemeClr>
+                </a:solidFill>
+                <a:prstDash val="solid"/>
+              </a:ln>
+              <a:solidFill>
+                <a:schemeClr val="bg2">
+                  <a:lumMod val="75000"/>
+                </a:schemeClr>
+              </a:solidFill>
+              <a:effectLst>
+                <a:outerShdw blurRad="12700" dist="38100" dir="2700000" algn="tl" rotWithShape="0">
+                  <a:schemeClr val="bg1">
+                    <a:lumMod val="50000"/>
+                  </a:schemeClr>
+                </a:outerShdw>
+              </a:effectLst>
+            </a:endParaRPr>
+          </a:p>
+        </p:txBody>
+      </p:sp>
+      <p:sp>
+        <p:nvSpPr>
+          <p:cNvPr id="21" name="テキスト ボックス 20"/>
+          <p:cNvSpPr txBox="1"/>
+          <p:nvPr/>
+        </p:nvSpPr>
+        <p:spPr>
+          <a:xfrm>
+            <a:off x="6227884" y="5046785"/>
+            <a:ext cx="1802422" cy="707886"/>
+          </a:xfrm>
+          <a:prstGeom prst="rect">
+            <a:avLst/>
+          </a:prstGeom>
+          <a:noFill/>
+        </p:spPr>
+        <p:txBody>
+          <a:bodyPr wrap="square" rtlCol="0">
+            <a:spAutoFit/>
+          </a:bodyPr>
+          <a:lstStyle/>
+          <a:p>
+            <a:pPr algn="ctr"/>
+            <a:r>
+              <a:rPr lang="ja-JP" altLang="en-US" sz="4000" b="1" dirty="0">
+                <a:ln w="9525">
+                  <a:solidFill>
+                    <a:schemeClr val="tx2">
+                      <a:lumMod val="20000"/>
+                      <a:lumOff val="80000"/>
+                    </a:schemeClr>
+                  </a:solidFill>
+                  <a:prstDash val="solid"/>
+                </a:ln>
+                <a:solidFill>
+                  <a:schemeClr val="accent2">
+                    <a:lumMod val="75000"/>
+                  </a:schemeClr>
+                </a:solidFill>
+                <a:effectLst>
+                  <a:outerShdw blurRad="12700" dist="38100" dir="2700000" algn="tl" rotWithShape="0">
+                    <a:schemeClr val="bg1">
+                      <a:lumMod val="50000"/>
+                    </a:schemeClr>
+                  </a:outerShdw>
+                </a:effectLst>
+              </a:rPr>
+              <a:t>３位</a:t>
+            </a:r>
+          </a:p>
+        </p:txBody>
+      </p:sp>
+      <p:sp>
+        <p:nvSpPr>
+          <p:cNvPr id="24" name="テキスト ボックス 23"/>
+          <p:cNvSpPr txBox="1"/>
+          <p:nvPr/>
+        </p:nvSpPr>
+        <p:spPr>
+          <a:xfrm>
+            <a:off x="8508022" y="5046785"/>
+            <a:ext cx="1802422" cy="707886"/>
+          </a:xfrm>
+          <a:prstGeom prst="rect">
+            <a:avLst/>
+          </a:prstGeom>
+          <a:noFill/>
+        </p:spPr>
+        <p:txBody>
+          <a:bodyPr wrap="square" rtlCol="0">
+            <a:spAutoFit/>
+          </a:bodyPr>
+          <a:lstStyle/>
+          <a:p>
+            <a:pPr algn="ctr"/>
+            <a:r>
+              <a:rPr lang="ja-JP" altLang="en-US" sz="4000" b="1" dirty="0">
+                <a:ln w="9525">
+                  <a:solidFill>
+                    <a:schemeClr val="tx2">
+                      <a:lumMod val="20000"/>
+                      <a:lumOff val="80000"/>
+                    </a:schemeClr>
+                  </a:solidFill>
+                  <a:prstDash val="solid"/>
+                </a:ln>
+                <a:solidFill>
+                  <a:schemeClr val="accent2">
+                    <a:lumMod val="75000"/>
+                  </a:schemeClr>
+                </a:solidFill>
+                <a:effectLst>
+                  <a:outerShdw blurRad="12700" dist="38100" dir="2700000" algn="tl" rotWithShape="0">
+                    <a:schemeClr val="bg1">
+                      <a:lumMod val="50000"/>
+                    </a:schemeClr>
+                  </a:outerShdw>
+                </a:effectLst>
+              </a:rPr>
+              <a:t>３位</a:t>
+            </a:r>
+          </a:p>
+        </p:txBody>
+      </p:sp>
+      <p:sp>
+        <p:nvSpPr>
+          <p:cNvPr id="11" name="正方形/長方形 10"/>
+          <p:cNvSpPr/>
+          <p:nvPr/>
+        </p:nvSpPr>
+        <p:spPr>
+          <a:xfrm rot="1124844">
+            <a:off x="4290646" y="2844598"/>
+            <a:ext cx="958362" cy="1820007"/>
+          </a:xfrm>
+          <a:prstGeom prst="rect">
+            <a:avLst/>
+          </a:prstGeom>
+          <a:solidFill>
+            <a:srgbClr val="FF0000"/>
+          </a:solidFill>
+        </p:spPr>
+        <p:style>
+          <a:lnRef idx="2">
+            <a:schemeClr val="accent1">
+              <a:shade val="50000"/>
+            </a:schemeClr>
+          </a:lnRef>
+          <a:fillRef idx="1">
+            <a:schemeClr val="accent1"/>
+          </a:fillRef>
+          <a:effectRef idx="0">
+            <a:schemeClr val="accent1"/>
+          </a:effectRef>
+          <a:fontRef idx="minor">
+            <a:schemeClr val="lt1"/>
+          </a:fontRef>
+        </p:style>
+        <p:txBody>
+          <a:bodyPr rtlCol="0" anchor="ctr"/>
+          <a:lstStyle/>
+          <a:p>
+            <a:pPr algn="ctr"/>
+            <a:endParaRPr kumimoji="1" lang="ja-JP" altLang="en-US"/>
+          </a:p>
+        </p:txBody>
+      </p:sp>
+      <p:sp>
+        <p:nvSpPr>
+          <p:cNvPr id="28" name="正方形/長方形 27"/>
+          <p:cNvSpPr/>
+          <p:nvPr/>
+        </p:nvSpPr>
+        <p:spPr>
+          <a:xfrm rot="1480039">
+            <a:off x="1914870" y="2817936"/>
+            <a:ext cx="958362" cy="1820007"/>
+          </a:xfrm>
+          <a:prstGeom prst="rect">
+            <a:avLst/>
+          </a:prstGeom>
+        </p:spPr>
+        <p:style>
+          <a:lnRef idx="2">
+            <a:schemeClr val="accent1">
+              <a:shade val="50000"/>
+            </a:schemeClr>
+          </a:lnRef>
+          <a:fillRef idx="1">
+            <a:schemeClr val="accent1"/>
+          </a:fillRef>
+          <a:effectRef idx="0">
+            <a:schemeClr val="accent1"/>
+          </a:effectRef>
+          <a:fontRef idx="minor">
+            <a:schemeClr val="lt1"/>
+          </a:fontRef>
+        </p:style>
+        <p:txBody>
+          <a:bodyPr rtlCol="0" anchor="ctr"/>
+          <a:lstStyle/>
+          <a:p>
+            <a:pPr algn="ctr"/>
+            <a:endParaRPr kumimoji="1" lang="ja-JP" altLang="en-US"/>
+          </a:p>
+        </p:txBody>
+      </p:sp>
+      <p:sp>
+        <p:nvSpPr>
+          <p:cNvPr id="29" name="正方形/長方形 28"/>
+          <p:cNvSpPr/>
+          <p:nvPr/>
+        </p:nvSpPr>
+        <p:spPr>
+          <a:xfrm rot="316070">
+            <a:off x="6697343" y="2789449"/>
+            <a:ext cx="958362" cy="1820007"/>
+          </a:xfrm>
+          <a:prstGeom prst="rect">
+            <a:avLst/>
+          </a:prstGeom>
+          <a:solidFill>
+            <a:srgbClr val="00B050"/>
+          </a:solidFill>
+        </p:spPr>
+        <p:style>
+          <a:lnRef idx="2">
+            <a:schemeClr val="accent1">
+              <a:shade val="50000"/>
+            </a:schemeClr>
+          </a:lnRef>
+          <a:fillRef idx="1">
+            <a:schemeClr val="accent1"/>
+          </a:fillRef>
+          <a:effectRef idx="0">
+            <a:schemeClr val="accent1"/>
+          </a:effectRef>
+          <a:fontRef idx="minor">
+            <a:schemeClr val="lt1"/>
+          </a:fontRef>
+        </p:style>
+        <p:txBody>
+          <a:bodyPr rtlCol="0" anchor="ctr"/>
+          <a:lstStyle/>
+          <a:p>
+            <a:pPr algn="ctr"/>
+            <a:endParaRPr kumimoji="1" lang="ja-JP" altLang="en-US"/>
+          </a:p>
+        </p:txBody>
+      </p:sp>
+      <p:sp>
+        <p:nvSpPr>
+          <p:cNvPr id="30" name="正方形/長方形 29"/>
+          <p:cNvSpPr/>
+          <p:nvPr/>
+        </p:nvSpPr>
+        <p:spPr>
+          <a:xfrm rot="321307">
+            <a:off x="8971861" y="2894132"/>
+            <a:ext cx="958362" cy="1820007"/>
+          </a:xfrm>
+          <a:prstGeom prst="rect">
+            <a:avLst/>
+          </a:prstGeom>
+          <a:solidFill>
+            <a:srgbClr val="FFFF00"/>
+          </a:solidFill>
+        </p:spPr>
+        <p:style>
+          <a:lnRef idx="2">
+            <a:schemeClr val="accent1">
+              <a:shade val="50000"/>
+            </a:schemeClr>
+          </a:lnRef>
+          <a:fillRef idx="1">
+            <a:schemeClr val="accent1"/>
+          </a:fillRef>
+          <a:effectRef idx="0">
+            <a:schemeClr val="accent1"/>
+          </a:effectRef>
+          <a:fontRef idx="minor">
+            <a:schemeClr val="lt1"/>
+          </a:fontRef>
+        </p:style>
+        <p:txBody>
+          <a:bodyPr rtlCol="0" anchor="ctr"/>
+          <a:lstStyle/>
+          <a:p>
+            <a:pPr algn="ctr"/>
+            <a:endParaRPr kumimoji="1" lang="ja-JP" altLang="en-US"/>
+          </a:p>
+        </p:txBody>
+      </p:sp>
+      <p:sp>
+        <p:nvSpPr>
+          <p:cNvPr id="13" name="テキスト ボックス 12"/>
+          <p:cNvSpPr txBox="1"/>
+          <p:nvPr/>
+        </p:nvSpPr>
+        <p:spPr>
+          <a:xfrm>
+            <a:off x="1960832" y="3523767"/>
+            <a:ext cx="963003" cy="523220"/>
+          </a:xfrm>
+          <a:prstGeom prst="rect">
+            <a:avLst/>
+          </a:prstGeom>
+          <a:noFill/>
+        </p:spPr>
+        <p:txBody>
+          <a:bodyPr wrap="square" rtlCol="0">
+            <a:spAutoFit/>
+          </a:bodyPr>
+          <a:lstStyle/>
+          <a:p>
+            <a:pPr algn="ctr"/>
+            <a:r>
+              <a:rPr kumimoji="1" lang="ja-JP" altLang="en-US" sz="2800" b="1" dirty="0" smtClean="0">
+                <a:solidFill>
+                  <a:schemeClr val="bg1"/>
+                </a:solidFill>
+              </a:rPr>
+              <a:t>１Ｐ</a:t>
+            </a:r>
+            <a:endParaRPr kumimoji="1" lang="ja-JP" altLang="en-US" sz="2800" b="1" dirty="0">
+              <a:solidFill>
+                <a:schemeClr val="bg1"/>
+              </a:solidFill>
+            </a:endParaRPr>
+          </a:p>
+        </p:txBody>
+      </p:sp>
+      <p:sp>
+        <p:nvSpPr>
+          <p:cNvPr id="32" name="テキスト ボックス 31"/>
+          <p:cNvSpPr txBox="1"/>
+          <p:nvPr/>
+        </p:nvSpPr>
+        <p:spPr>
+          <a:xfrm>
+            <a:off x="4309055" y="3492990"/>
+            <a:ext cx="963003" cy="523220"/>
+          </a:xfrm>
+          <a:prstGeom prst="rect">
+            <a:avLst/>
+          </a:prstGeom>
+          <a:noFill/>
+        </p:spPr>
+        <p:txBody>
+          <a:bodyPr wrap="square" rtlCol="0">
+            <a:spAutoFit/>
+          </a:bodyPr>
+          <a:lstStyle/>
+          <a:p>
+            <a:pPr algn="ctr"/>
+            <a:r>
+              <a:rPr kumimoji="1" lang="ja-JP" altLang="en-US" sz="2800" b="1" dirty="0" smtClean="0">
+                <a:solidFill>
+                  <a:schemeClr val="bg1"/>
+                </a:solidFill>
+              </a:rPr>
+              <a:t>２Ｐ</a:t>
+            </a:r>
+            <a:endParaRPr kumimoji="1" lang="ja-JP" altLang="en-US" sz="2800" b="1" dirty="0">
+              <a:solidFill>
+                <a:schemeClr val="bg1"/>
+              </a:solidFill>
+            </a:endParaRPr>
+          </a:p>
+        </p:txBody>
+      </p:sp>
+      <p:sp>
+        <p:nvSpPr>
+          <p:cNvPr id="33" name="テキスト ボックス 32"/>
+          <p:cNvSpPr txBox="1"/>
+          <p:nvPr/>
+        </p:nvSpPr>
+        <p:spPr>
+          <a:xfrm>
+            <a:off x="6743320" y="3437842"/>
+            <a:ext cx="963003" cy="523220"/>
+          </a:xfrm>
+          <a:prstGeom prst="rect">
+            <a:avLst/>
+          </a:prstGeom>
+          <a:noFill/>
+        </p:spPr>
+        <p:txBody>
+          <a:bodyPr wrap="square" rtlCol="0">
+            <a:spAutoFit/>
+          </a:bodyPr>
+          <a:lstStyle/>
+          <a:p>
+            <a:pPr algn="ctr"/>
+            <a:r>
+              <a:rPr kumimoji="1" lang="ja-JP" altLang="en-US" sz="2800" b="1" dirty="0" smtClean="0">
+                <a:solidFill>
+                  <a:schemeClr val="bg1"/>
+                </a:solidFill>
+              </a:rPr>
+              <a:t>３Ｐ</a:t>
+            </a:r>
+            <a:endParaRPr kumimoji="1" lang="ja-JP" altLang="en-US" sz="2800" b="1" dirty="0">
+              <a:solidFill>
+                <a:schemeClr val="bg1"/>
+              </a:solidFill>
+            </a:endParaRPr>
+          </a:p>
+        </p:txBody>
+      </p:sp>
+      <p:sp>
+        <p:nvSpPr>
+          <p:cNvPr id="34" name="テキスト ボックス 33"/>
+          <p:cNvSpPr txBox="1"/>
+          <p:nvPr/>
+        </p:nvSpPr>
+        <p:spPr>
+          <a:xfrm>
+            <a:off x="9022368" y="3475260"/>
+            <a:ext cx="963003" cy="523220"/>
+          </a:xfrm>
+          <a:prstGeom prst="rect">
+            <a:avLst/>
+          </a:prstGeom>
+          <a:noFill/>
+        </p:spPr>
+        <p:txBody>
+          <a:bodyPr wrap="square" rtlCol="0">
+            <a:spAutoFit/>
+          </a:bodyPr>
+          <a:lstStyle/>
+          <a:p>
+            <a:pPr algn="ctr"/>
+            <a:r>
+              <a:rPr kumimoji="1" lang="ja-JP" altLang="en-US" sz="2800" b="1" dirty="0" smtClean="0"/>
+              <a:t>４Ｐ</a:t>
+            </a:r>
+            <a:endParaRPr kumimoji="1" lang="ja-JP" altLang="en-US" sz="2800" b="1" dirty="0"/>
+          </a:p>
+        </p:txBody>
+      </p:sp>
+      <p:sp>
+        <p:nvSpPr>
+          <p:cNvPr id="35" name="テキスト ボックス 34"/>
+          <p:cNvSpPr txBox="1"/>
+          <p:nvPr/>
+        </p:nvSpPr>
+        <p:spPr>
+          <a:xfrm>
+            <a:off x="2697772" y="5832037"/>
+            <a:ext cx="7060223" cy="523220"/>
+          </a:xfrm>
+          <a:prstGeom prst="rect">
+            <a:avLst/>
+          </a:prstGeom>
+          <a:noFill/>
+        </p:spPr>
+        <p:txBody>
+          <a:bodyPr wrap="square" rtlCol="0">
+            <a:spAutoFit/>
+          </a:bodyPr>
+          <a:lstStyle/>
+          <a:p>
+            <a:pPr algn="ctr"/>
+            <a:r>
+              <a:rPr kumimoji="1" lang="ja-JP" altLang="en-US" sz="2800" b="1" dirty="0" smtClean="0"/>
+              <a:t>それぞれの</a:t>
+            </a:r>
+            <a:r>
+              <a:rPr kumimoji="1" lang="ja-JP" altLang="en-US" sz="2800" b="1" dirty="0" smtClean="0">
+                <a:solidFill>
+                  <a:srgbClr val="FF0000"/>
+                </a:solidFill>
+              </a:rPr>
+              <a:t>点数</a:t>
+            </a:r>
+            <a:r>
+              <a:rPr kumimoji="1" lang="ja-JP" altLang="en-US" sz="2800" b="1" dirty="0" smtClean="0"/>
+              <a:t>と順位のプレイヤーを出す</a:t>
+            </a:r>
+            <a:endParaRPr kumimoji="1" lang="ja-JP" altLang="en-US" sz="2800" b="1" dirty="0"/>
+          </a:p>
+        </p:txBody>
+      </p:sp>
+      <p:sp>
+        <p:nvSpPr>
+          <p:cNvPr id="2" name="角丸四角形吹き出し 1"/>
+          <p:cNvSpPr/>
+          <p:nvPr/>
+        </p:nvSpPr>
+        <p:spPr>
+          <a:xfrm>
+            <a:off x="9066148" y="216015"/>
+            <a:ext cx="2808554" cy="1283677"/>
+          </a:xfrm>
+          <a:prstGeom prst="wedgeRoundRectCallout">
+            <a:avLst/>
+          </a:prstGeom>
+          <a:solidFill>
+            <a:schemeClr val="bg1"/>
+          </a:solidFill>
+          <a:ln w="57150">
+            <a:solidFill>
+              <a:srgbClr val="002060"/>
+            </a:solidFill>
+          </a:ln>
+        </p:spPr>
+        <p:style>
+          <a:lnRef idx="2">
+            <a:schemeClr val="accent1">
+              <a:shade val="50000"/>
+            </a:schemeClr>
+          </a:lnRef>
+          <a:fillRef idx="1">
+            <a:schemeClr val="accent1"/>
+          </a:fillRef>
+          <a:effectRef idx="0">
+            <a:schemeClr val="accent1"/>
+          </a:effectRef>
+          <a:fontRef idx="minor">
+            <a:schemeClr val="lt1"/>
+          </a:fontRef>
+        </p:style>
+        <p:txBody>
+          <a:bodyPr rtlCol="0" anchor="ctr"/>
+          <a:lstStyle/>
+          <a:p>
+            <a:pPr algn="ctr"/>
+            <a:endParaRPr kumimoji="1" lang="ja-JP" altLang="en-US"/>
+          </a:p>
+        </p:txBody>
+      </p:sp>
+      <p:sp>
+        <p:nvSpPr>
+          <p:cNvPr id="31" name="テキスト ボックス 30"/>
+          <p:cNvSpPr txBox="1"/>
+          <p:nvPr/>
+        </p:nvSpPr>
+        <p:spPr>
+          <a:xfrm>
+            <a:off x="9224284" y="514304"/>
+            <a:ext cx="2381562" cy="830997"/>
+          </a:xfrm>
+          <a:prstGeom prst="rect">
+            <a:avLst/>
+          </a:prstGeom>
+          <a:noFill/>
+        </p:spPr>
+        <p:txBody>
+          <a:bodyPr wrap="square" rtlCol="0">
+            <a:spAutoFit/>
+          </a:bodyPr>
+          <a:lstStyle/>
+          <a:p>
+            <a:pPr algn="ctr"/>
+            <a:r>
+              <a:rPr lang="ja-JP" altLang="en-US" sz="2400" b="1" dirty="0" smtClean="0">
+                <a:ln w="9525">
+                  <a:solidFill>
+                    <a:schemeClr val="tx2">
+                      <a:lumMod val="20000"/>
+                      <a:lumOff val="80000"/>
+                    </a:schemeClr>
+                  </a:solidFill>
+                  <a:prstDash val="solid"/>
+                </a:ln>
+                <a:effectLst>
+                  <a:outerShdw blurRad="12700" dist="38100" dir="2700000" algn="tl" rotWithShape="0">
+                    <a:schemeClr val="bg1">
+                      <a:lumMod val="50000"/>
+                    </a:schemeClr>
+                  </a:outerShdw>
+                </a:effectLst>
+              </a:rPr>
+              <a:t>同じ順位の人がいる場合</a:t>
+            </a:r>
+            <a:endParaRPr kumimoji="1" lang="ja-JP" altLang="en-US" sz="2400" b="1" dirty="0"/>
           </a:p>
         </p:txBody>
       </p:sp>
     </p:spTree>
     <p:extLst>
       <p:ext uri="{BB962C8B-B14F-4D97-AF65-F5344CB8AC3E}">
-        <p14:creationId xmlns:p14="http://schemas.microsoft.com/office/powerpoint/2010/main" val="958141868"/>
+        <p14:creationId xmlns:p14="http://schemas.microsoft.com/office/powerpoint/2010/main" val="3327922269"/>
       </p:ext>
     </p:extLst>
   </p:cSld>
@@ -9945,6 +10322,66 @@
 </file>
 
 <file path=ppt/slides/slide20.xml><?xml version="1.0" encoding="utf-8"?>
+<p:sld xmlns:a="http://schemas.openxmlformats.org/drawingml/2006/main" xmlns:r="http://schemas.openxmlformats.org/officeDocument/2006/relationships" xmlns:p="http://schemas.openxmlformats.org/presentationml/2006/main">
+  <p:cSld>
+    <p:spTree>
+      <p:nvGrpSpPr>
+        <p:cNvPr id="1" name=""/>
+        <p:cNvGrpSpPr/>
+        <p:nvPr/>
+      </p:nvGrpSpPr>
+      <p:grpSpPr>
+        <a:xfrm>
+          <a:off x="0" y="0"/>
+          <a:ext cx="0" cy="0"/>
+          <a:chOff x="0" y="0"/>
+          <a:chExt cx="0" cy="0"/>
+        </a:xfrm>
+      </p:grpSpPr>
+      <p:sp>
+        <p:nvSpPr>
+          <p:cNvPr id="2" name="タイトル 1"/>
+          <p:cNvSpPr>
+            <a:spLocks noGrp="1"/>
+          </p:cNvSpPr>
+          <p:nvPr>
+            <p:ph type="ctrTitle"/>
+          </p:nvPr>
+        </p:nvSpPr>
+        <p:spPr>
+          <a:xfrm>
+            <a:off x="767862" y="1372699"/>
+            <a:ext cx="10585938" cy="2387600"/>
+          </a:xfrm>
+        </p:spPr>
+        <p:txBody>
+          <a:bodyPr>
+            <a:normAutofit/>
+          </a:bodyPr>
+          <a:lstStyle/>
+          <a:p>
+            <a:r>
+              <a:rPr lang="ja-JP" altLang="en-US" dirty="0" smtClean="0"/>
+              <a:t>メニュー画面</a:t>
+            </a:r>
+            <a:endParaRPr kumimoji="1" lang="ja-JP" altLang="en-US" dirty="0"/>
+          </a:p>
+        </p:txBody>
+      </p:sp>
+    </p:spTree>
+    <p:extLst>
+      <p:ext uri="{BB962C8B-B14F-4D97-AF65-F5344CB8AC3E}">
+        <p14:creationId xmlns:p14="http://schemas.microsoft.com/office/powerpoint/2010/main" val="958141868"/>
+      </p:ext>
+    </p:extLst>
+  </p:cSld>
+  <p:clrMapOvr>
+    <a:masterClrMapping/>
+  </p:clrMapOvr>
+</p:sld>
+</file>
+
+<file path=ppt/slides/slide21.xml><?xml version="1.0" encoding="utf-8"?>
 <p:sld xmlns:a="http://schemas.openxmlformats.org/drawingml/2006/main" xmlns:r="http://schemas.openxmlformats.org/officeDocument/2006/relationships" xmlns:p="http://schemas.openxmlformats.org/presentationml/2006/main">
   <p:cSld>
     <p:spTree>
@@ -10575,7 +11012,7 @@
 </p:sld>
 </file>
 
-<file path=ppt/slides/slide21.xml><?xml version="1.0" encoding="utf-8"?>
+<file path=ppt/slides/slide22.xml><?xml version="1.0" encoding="utf-8"?>
 <p:sld xmlns:a="http://schemas.openxmlformats.org/drawingml/2006/main" xmlns:r="http://schemas.openxmlformats.org/officeDocument/2006/relationships" xmlns:p="http://schemas.openxmlformats.org/presentationml/2006/main">
   <p:cSld>
     <p:spTree>
@@ -10635,7 +11072,7 @@
 </p:sld>
 </file>
 
-<file path=ppt/slides/slide22.xml><?xml version="1.0" encoding="utf-8"?>
+<file path=ppt/slides/slide23.xml><?xml version="1.0" encoding="utf-8"?>
 <p:sld xmlns:a="http://schemas.openxmlformats.org/drawingml/2006/main" xmlns:r="http://schemas.openxmlformats.org/officeDocument/2006/relationships" xmlns:p="http://schemas.openxmlformats.org/presentationml/2006/main">
   <p:cSld>
     <p:spTree>
@@ -11756,25 +12193,6 @@
       </p:grpSpPr>
       <p:sp>
         <p:nvSpPr>
-          <p:cNvPr id="2" name="タイトル 1"/>
-          <p:cNvSpPr>
-            <a:spLocks noGrp="1"/>
-          </p:cNvSpPr>
-          <p:nvPr>
-            <p:ph type="title"/>
-          </p:nvPr>
-        </p:nvSpPr>
-        <p:spPr/>
-        <p:txBody>
-          <a:bodyPr/>
-          <a:lstStyle/>
-          <a:p>
-            <a:endParaRPr kumimoji="1" lang="ja-JP" altLang="en-US" dirty="0"/>
-          </a:p>
-        </p:txBody>
-      </p:sp>
-      <p:sp>
-        <p:nvSpPr>
           <p:cNvPr id="3" name="コンテンツ プレースホルダー 2"/>
           <p:cNvSpPr>
             <a:spLocks noGrp="1"/>
@@ -11788,7 +12206,11 @@
           <a:bodyPr/>
           <a:lstStyle/>
           <a:p>
-            <a:endParaRPr kumimoji="1" lang="ja-JP" altLang="en-US"/>
+            <a:r>
+              <a:rPr kumimoji="1" lang="ja-JP" altLang="en-US" dirty="0" smtClean="0"/>
+              <a:t>大元を参照</a:t>
+            </a:r>
+            <a:endParaRPr kumimoji="1" lang="en-US" altLang="ja-JP" dirty="0" smtClean="0"/>
           </a:p>
         </p:txBody>
       </p:sp>

--- a/卒業制作_超ぶっ飛び超絶バトロワ（仮）.pptx
+++ b/卒業制作_超ぶっ飛び超絶バトロワ（仮）.pptx
@@ -5674,7 +5674,18 @@
             </a:r>
             <a:r>
               <a:rPr lang="ja-JP" altLang="en-US" sz="2400" b="1" dirty="0" smtClean="0"/>
-              <a:t>と数値を拡大させるもとに戻す（</a:t>
+              <a:t>と数値を拡大させるもとに</a:t>
+            </a:r>
+            <a:r>
+              <a:rPr lang="ja-JP" altLang="en-US" sz="2400" b="1" dirty="0" smtClean="0"/>
+              <a:t>戻す</a:t>
+            </a:r>
+            <a:endParaRPr lang="en-US" altLang="ja-JP" sz="2400" b="1" dirty="0" smtClean="0"/>
+          </a:p>
+          <a:p>
+            <a:r>
+              <a:rPr lang="ja-JP" altLang="en-US" sz="2400" b="1" dirty="0" smtClean="0"/>
+              <a:t>（</a:t>
             </a:r>
             <a:r>
               <a:rPr lang="ja-JP" altLang="en-US" sz="2800" b="1" dirty="0" smtClean="0"/>
@@ -7502,272 +7513,6 @@
       </p:sp>
       <p:sp>
         <p:nvSpPr>
-          <p:cNvPr id="10" name="テキスト ボックス 9"/>
-          <p:cNvSpPr txBox="1"/>
-          <p:nvPr/>
-        </p:nvSpPr>
-        <p:spPr>
-          <a:xfrm>
-            <a:off x="1644162" y="1951891"/>
-            <a:ext cx="1793630" cy="461665"/>
-          </a:xfrm>
-          <a:prstGeom prst="rect">
-            <a:avLst/>
-          </a:prstGeom>
-          <a:noFill/>
-        </p:spPr>
-        <p:txBody>
-          <a:bodyPr wrap="square" rtlCol="0">
-            <a:spAutoFit/>
-          </a:bodyPr>
-          <a:lstStyle/>
-          <a:p>
-            <a:pPr algn="ctr"/>
-            <a:r>
-              <a:rPr lang="ja-JP" altLang="en-US" sz="2400" b="1" dirty="0" smtClean="0">
-                <a:ln w="9525">
-                  <a:solidFill>
-                    <a:schemeClr val="bg1"/>
-                  </a:solidFill>
-                  <a:prstDash val="solid"/>
-                </a:ln>
-                <a:solidFill>
-                  <a:srgbClr val="C3C361"/>
-                </a:solidFill>
-                <a:effectLst>
-                  <a:outerShdw blurRad="12700" dist="38100" dir="2700000" algn="tl" rotWithShape="0">
-                    <a:schemeClr val="bg1">
-                      <a:lumMod val="50000"/>
-                    </a:schemeClr>
-                  </a:outerShdw>
-                </a:effectLst>
-              </a:rPr>
-              <a:t>１位</a:t>
-            </a:r>
-            <a:r>
-              <a:rPr kumimoji="1" lang="ja-JP" altLang="en-US" sz="2400" b="1" dirty="0" smtClean="0"/>
-              <a:t>の</a:t>
-            </a:r>
-            <a:r>
-              <a:rPr kumimoji="1" lang="ja-JP" altLang="en-US" sz="2400" b="1" dirty="0" smtClean="0">
-                <a:solidFill>
-                  <a:srgbClr val="FF0000"/>
-                </a:solidFill>
-              </a:rPr>
-              <a:t>点数</a:t>
-            </a:r>
-            <a:endParaRPr kumimoji="1" lang="ja-JP" altLang="en-US" sz="2400" b="1" dirty="0">
-              <a:solidFill>
-                <a:srgbClr val="FF0000"/>
-              </a:solidFill>
-            </a:endParaRPr>
-          </a:p>
-        </p:txBody>
-      </p:sp>
-      <p:sp>
-        <p:nvSpPr>
-          <p:cNvPr id="25" name="テキスト ボックス 24"/>
-          <p:cNvSpPr txBox="1"/>
-          <p:nvPr/>
-        </p:nvSpPr>
-        <p:spPr>
-          <a:xfrm>
-            <a:off x="3877407" y="1951891"/>
-            <a:ext cx="1793630" cy="461665"/>
-          </a:xfrm>
-          <a:prstGeom prst="rect">
-            <a:avLst/>
-          </a:prstGeom>
-          <a:noFill/>
-        </p:spPr>
-        <p:txBody>
-          <a:bodyPr wrap="square" rtlCol="0">
-            <a:spAutoFit/>
-          </a:bodyPr>
-          <a:lstStyle/>
-          <a:p>
-            <a:pPr algn="ctr"/>
-            <a:r>
-              <a:rPr lang="ja-JP" altLang="en-US" sz="2400" b="1" dirty="0" smtClean="0">
-                <a:ln w="9525">
-                  <a:solidFill>
-                    <a:schemeClr val="tx1">
-                      <a:lumMod val="50000"/>
-                      <a:lumOff val="50000"/>
-                    </a:schemeClr>
-                  </a:solidFill>
-                  <a:prstDash val="solid"/>
-                </a:ln>
-                <a:solidFill>
-                  <a:schemeClr val="bg2">
-                    <a:lumMod val="75000"/>
-                  </a:schemeClr>
-                </a:solidFill>
-                <a:effectLst>
-                  <a:outerShdw blurRad="12700" dist="38100" dir="2700000" algn="tl" rotWithShape="0">
-                    <a:schemeClr val="bg1">
-                      <a:lumMod val="50000"/>
-                    </a:schemeClr>
-                  </a:outerShdw>
-                </a:effectLst>
-              </a:rPr>
-              <a:t>２位</a:t>
-            </a:r>
-            <a:r>
-              <a:rPr kumimoji="1" lang="ja-JP" altLang="en-US" sz="2400" b="1" dirty="0" smtClean="0"/>
-              <a:t>の</a:t>
-            </a:r>
-            <a:r>
-              <a:rPr kumimoji="1" lang="ja-JP" altLang="en-US" sz="2400" b="1" dirty="0" smtClean="0">
-                <a:solidFill>
-                  <a:srgbClr val="FF0000"/>
-                </a:solidFill>
-              </a:rPr>
-              <a:t>点数</a:t>
-            </a:r>
-            <a:endParaRPr kumimoji="1" lang="ja-JP" altLang="en-US" sz="2400" b="1" dirty="0">
-              <a:solidFill>
-                <a:srgbClr val="FF0000"/>
-              </a:solidFill>
-            </a:endParaRPr>
-          </a:p>
-        </p:txBody>
-      </p:sp>
-      <p:sp>
-        <p:nvSpPr>
-          <p:cNvPr id="26" name="テキスト ボックス 25"/>
-          <p:cNvSpPr txBox="1"/>
-          <p:nvPr/>
-        </p:nvSpPr>
-        <p:spPr>
-          <a:xfrm>
-            <a:off x="6371489" y="1951890"/>
-            <a:ext cx="1793630" cy="461665"/>
-          </a:xfrm>
-          <a:prstGeom prst="rect">
-            <a:avLst/>
-          </a:prstGeom>
-          <a:noFill/>
-        </p:spPr>
-        <p:txBody>
-          <a:bodyPr wrap="square" rtlCol="0">
-            <a:spAutoFit/>
-          </a:bodyPr>
-          <a:lstStyle/>
-          <a:p>
-            <a:pPr algn="ctr"/>
-            <a:r>
-              <a:rPr lang="ja-JP" altLang="en-US" sz="2400" b="1" dirty="0" smtClean="0">
-                <a:ln w="9525">
-                  <a:solidFill>
-                    <a:schemeClr val="tx2">
-                      <a:lumMod val="20000"/>
-                      <a:lumOff val="80000"/>
-                    </a:schemeClr>
-                  </a:solidFill>
-                  <a:prstDash val="solid"/>
-                </a:ln>
-                <a:solidFill>
-                  <a:schemeClr val="accent2">
-                    <a:lumMod val="75000"/>
-                  </a:schemeClr>
-                </a:solidFill>
-                <a:effectLst>
-                  <a:outerShdw blurRad="12700" dist="38100" dir="2700000" algn="tl" rotWithShape="0">
-                    <a:schemeClr val="bg1">
-                      <a:lumMod val="50000"/>
-                    </a:schemeClr>
-                  </a:outerShdw>
-                </a:effectLst>
-              </a:rPr>
-              <a:t>３位</a:t>
-            </a:r>
-            <a:r>
-              <a:rPr kumimoji="1" lang="ja-JP" altLang="en-US" sz="2400" b="1" dirty="0" smtClean="0"/>
-              <a:t>の</a:t>
-            </a:r>
-            <a:r>
-              <a:rPr kumimoji="1" lang="ja-JP" altLang="en-US" sz="2400" b="1" dirty="0" smtClean="0">
-                <a:solidFill>
-                  <a:srgbClr val="FF0000"/>
-                </a:solidFill>
-              </a:rPr>
-              <a:t>点数</a:t>
-            </a:r>
-            <a:endParaRPr kumimoji="1" lang="ja-JP" altLang="en-US" sz="2400" b="1" dirty="0">
-              <a:solidFill>
-                <a:srgbClr val="FF0000"/>
-              </a:solidFill>
-            </a:endParaRPr>
-          </a:p>
-        </p:txBody>
-      </p:sp>
-      <p:sp>
-        <p:nvSpPr>
-          <p:cNvPr id="27" name="テキスト ボックス 26"/>
-          <p:cNvSpPr txBox="1"/>
-          <p:nvPr/>
-        </p:nvSpPr>
-        <p:spPr>
-          <a:xfrm>
-            <a:off x="8604734" y="1951890"/>
-            <a:ext cx="1793630" cy="461665"/>
-          </a:xfrm>
-          <a:prstGeom prst="rect">
-            <a:avLst/>
-          </a:prstGeom>
-          <a:noFill/>
-        </p:spPr>
-        <p:txBody>
-          <a:bodyPr wrap="square" rtlCol="0">
-            <a:spAutoFit/>
-          </a:bodyPr>
-          <a:lstStyle/>
-          <a:p>
-            <a:pPr algn="ctr"/>
-            <a:r>
-              <a:rPr lang="ja-JP" altLang="en-US" sz="2400" b="1" dirty="0" smtClean="0">
-                <a:ln w="9525">
-                  <a:solidFill>
-                    <a:srgbClr val="0070C0"/>
-                  </a:solidFill>
-                  <a:prstDash val="solid"/>
-                </a:ln>
-                <a:solidFill>
-                  <a:srgbClr val="9231A5"/>
-                </a:solidFill>
-                <a:effectLst>
-                  <a:outerShdw blurRad="12700" dist="38100" dir="2700000" algn="tl" rotWithShape="0">
-                    <a:schemeClr val="bg1">
-                      <a:lumMod val="50000"/>
-                    </a:schemeClr>
-                  </a:outerShdw>
-                </a:effectLst>
-              </a:rPr>
-              <a:t>４位</a:t>
-            </a:r>
-            <a:r>
-              <a:rPr kumimoji="1" lang="ja-JP" altLang="en-US" sz="2400" b="1" dirty="0" smtClean="0"/>
-              <a:t>の</a:t>
-            </a:r>
-            <a:r>
-              <a:rPr kumimoji="1" lang="ja-JP" altLang="en-US" sz="2400" b="1" dirty="0" smtClean="0">
-                <a:solidFill>
-                  <a:srgbClr val="FF0000"/>
-                </a:solidFill>
-              </a:rPr>
-              <a:t>点数</a:t>
-            </a:r>
-            <a:endParaRPr kumimoji="1" lang="ja-JP" altLang="en-US" sz="2400" b="1" dirty="0">
-              <a:solidFill>
-                <a:srgbClr val="FF0000"/>
-              </a:solidFill>
-            </a:endParaRPr>
-          </a:p>
-        </p:txBody>
-      </p:sp>
-      <p:sp>
-        <p:nvSpPr>
           <p:cNvPr id="11" name="正方形/長方形 10"/>
           <p:cNvSpPr/>
           <p:nvPr/>
@@ -8108,19 +7853,11 @@
             <a:pPr algn="ctr"/>
             <a:r>
               <a:rPr kumimoji="1" lang="ja-JP" altLang="en-US" sz="2800" b="1" dirty="0" smtClean="0"/>
-              <a:t>それぞれの</a:t>
-            </a:r>
-            <a:r>
-              <a:rPr kumimoji="1" lang="ja-JP" altLang="en-US" sz="2800" b="1" dirty="0" smtClean="0">
-                <a:solidFill>
-                  <a:srgbClr val="FF0000"/>
-                </a:solidFill>
-              </a:rPr>
-              <a:t>点数</a:t>
+              <a:t>それぞれの順位</a:t>
             </a:r>
             <a:r>
               <a:rPr kumimoji="1" lang="ja-JP" altLang="en-US" sz="2800" b="1" dirty="0" smtClean="0"/>
-              <a:t>と順位のプレイヤーを出す</a:t>
+              <a:t>のプレイヤーを出す</a:t>
             </a:r>
             <a:endParaRPr kumimoji="1" lang="ja-JP" altLang="en-US" sz="2800" b="1" dirty="0"/>
           </a:p>
@@ -8983,19 +8720,15 @@
             <a:pPr algn="ctr"/>
             <a:r>
               <a:rPr kumimoji="1" lang="ja-JP" altLang="en-US" sz="2800" b="1" dirty="0" smtClean="0"/>
-              <a:t>それぞれの</a:t>
-            </a:r>
-            <a:r>
-              <a:rPr kumimoji="1" lang="ja-JP" altLang="en-US" sz="2800" b="1" dirty="0" smtClean="0">
-                <a:solidFill>
-                  <a:srgbClr val="FF0000"/>
-                </a:solidFill>
-              </a:rPr>
-              <a:t>点数</a:t>
+              <a:t>それぞれ</a:t>
             </a:r>
             <a:r>
               <a:rPr kumimoji="1" lang="ja-JP" altLang="en-US" sz="2800" b="1" dirty="0" smtClean="0"/>
-              <a:t>と順位のプレイヤーを出す</a:t>
+              <a:t>の順位</a:t>
+            </a:r>
+            <a:r>
+              <a:rPr kumimoji="1" lang="ja-JP" altLang="en-US" sz="2800" b="1" dirty="0" smtClean="0"/>
+              <a:t>のプレイヤーを出す</a:t>
             </a:r>
             <a:endParaRPr kumimoji="1" lang="ja-JP" altLang="en-US" sz="2800" b="1" dirty="0"/>
           </a:p>

--- a/卒業制作_超ぶっ飛び超絶バトロワ（仮）.pptx
+++ b/卒業制作_超ぶっ飛び超絶バトロワ（仮）.pptx
@@ -5674,11 +5674,7 @@
             </a:r>
             <a:r>
               <a:rPr lang="ja-JP" altLang="en-US" sz="2400" b="1" dirty="0" smtClean="0"/>
-              <a:t>と数値を拡大させるもとに</a:t>
-            </a:r>
-            <a:r>
-              <a:rPr lang="ja-JP" altLang="en-US" sz="2400" b="1" dirty="0" smtClean="0"/>
-              <a:t>戻す</a:t>
+              <a:t>と数値を拡大させるもとに戻す</a:t>
             </a:r>
             <a:endParaRPr lang="en-US" altLang="ja-JP" sz="2400" b="1" dirty="0" smtClean="0"/>
           </a:p>
@@ -5990,7 +5986,7 @@
         </p:nvSpPr>
         <p:spPr>
           <a:xfrm>
-            <a:off x="6993899" y="3551005"/>
+            <a:off x="7451099" y="3507043"/>
             <a:ext cx="1057459" cy="1048129"/>
           </a:xfrm>
           <a:prstGeom prst="ellipse">
@@ -6040,7 +6036,7 @@
         </p:nvSpPr>
         <p:spPr>
           <a:xfrm>
-            <a:off x="2448731" y="3551006"/>
+            <a:off x="2905931" y="3507044"/>
             <a:ext cx="1057459" cy="1048129"/>
           </a:xfrm>
           <a:prstGeom prst="ellipse">
@@ -6090,7 +6086,7 @@
         </p:nvSpPr>
         <p:spPr>
           <a:xfrm>
-            <a:off x="2321170" y="1726396"/>
+            <a:off x="2778370" y="1682434"/>
             <a:ext cx="5829300" cy="4648028"/>
           </a:xfrm>
           <a:prstGeom prst="ellipse">
@@ -6136,7 +6132,7 @@
         </p:nvSpPr>
         <p:spPr>
           <a:xfrm>
-            <a:off x="4706983" y="2005575"/>
+            <a:off x="5164183" y="1961613"/>
             <a:ext cx="1057459" cy="1048129"/>
           </a:xfrm>
           <a:prstGeom prst="ellipse">
@@ -6186,7 +6182,7 @@
         </p:nvSpPr>
         <p:spPr>
           <a:xfrm>
-            <a:off x="1249746" y="2118902"/>
+            <a:off x="1706946" y="2074940"/>
             <a:ext cx="1509554" cy="410737"/>
           </a:xfrm>
           <a:prstGeom prst="rect">
@@ -6222,7 +6218,7 @@
         </p:nvSpPr>
         <p:spPr>
           <a:xfrm rot="1540385">
-            <a:off x="7161601" y="1445573"/>
+            <a:off x="7618801" y="1401611"/>
             <a:ext cx="2193319" cy="1191849"/>
           </a:xfrm>
           <a:prstGeom prst="wedgeEllipseCallout">
@@ -6270,7 +6266,7 @@
         </p:nvSpPr>
         <p:spPr>
           <a:xfrm>
-            <a:off x="7462354" y="1853124"/>
+            <a:off x="7919554" y="1809162"/>
             <a:ext cx="1708304" cy="370853"/>
           </a:xfrm>
           <a:prstGeom prst="rect">
@@ -6300,7 +6296,7 @@
         </p:nvSpPr>
         <p:spPr>
           <a:xfrm>
-            <a:off x="3209529" y="533230"/>
+            <a:off x="3869334" y="507098"/>
             <a:ext cx="3647152" cy="369332"/>
           </a:xfrm>
           <a:prstGeom prst="rect">
@@ -6341,7 +6337,7 @@
         </p:nvSpPr>
         <p:spPr>
           <a:xfrm>
-            <a:off x="4706981" y="5096433"/>
+            <a:off x="5164181" y="5052471"/>
             <a:ext cx="1057459" cy="1048129"/>
           </a:xfrm>
           <a:prstGeom prst="ellipse">
@@ -6391,7 +6387,7 @@
         </p:nvSpPr>
         <p:spPr>
           <a:xfrm>
-            <a:off x="4099352" y="3751903"/>
+            <a:off x="4556552" y="3707941"/>
             <a:ext cx="2272718" cy="646331"/>
           </a:xfrm>
           <a:prstGeom prst="rect">
@@ -6456,7 +6452,7 @@
         </p:nvCxnSpPr>
         <p:spPr>
           <a:xfrm flipV="1">
-            <a:off x="5235711" y="3053704"/>
+            <a:off x="5692911" y="3009742"/>
             <a:ext cx="2" cy="698199"/>
           </a:xfrm>
           <a:prstGeom prst="straightConnector1">
@@ -6495,7 +6491,7 @@
         </p:nvCxnSpPr>
         <p:spPr>
           <a:xfrm flipH="1">
-            <a:off x="3506190" y="4075069"/>
+            <a:off x="3963390" y="4031107"/>
             <a:ext cx="593162" cy="2"/>
           </a:xfrm>
           <a:prstGeom prst="straightConnector1">
@@ -6534,7 +6530,7 @@
         </p:nvCxnSpPr>
         <p:spPr>
           <a:xfrm>
-            <a:off x="5235711" y="4398234"/>
+            <a:off x="5692911" y="4354272"/>
             <a:ext cx="0" cy="698199"/>
           </a:xfrm>
           <a:prstGeom prst="straightConnector1">
@@ -6573,7 +6569,7 @@
         </p:nvCxnSpPr>
         <p:spPr>
           <a:xfrm>
-            <a:off x="6372070" y="4075069"/>
+            <a:off x="6829270" y="4031107"/>
             <a:ext cx="621829" cy="1"/>
           </a:xfrm>
           <a:prstGeom prst="straightConnector1">
@@ -7853,11 +7849,7 @@
             <a:pPr algn="ctr"/>
             <a:r>
               <a:rPr kumimoji="1" lang="ja-JP" altLang="en-US" sz="2800" b="1" dirty="0" smtClean="0"/>
-              <a:t>それぞれの順位</a:t>
-            </a:r>
-            <a:r>
-              <a:rPr kumimoji="1" lang="ja-JP" altLang="en-US" sz="2800" b="1" dirty="0" smtClean="0"/>
-              <a:t>のプレイヤーを出す</a:t>
+              <a:t>それぞれの順位のプレイヤーを出す</a:t>
             </a:r>
             <a:endParaRPr kumimoji="1" lang="ja-JP" altLang="en-US" sz="2800" b="1" dirty="0"/>
           </a:p>
@@ -8720,15 +8712,7 @@
             <a:pPr algn="ctr"/>
             <a:r>
               <a:rPr kumimoji="1" lang="ja-JP" altLang="en-US" sz="2800" b="1" dirty="0" smtClean="0"/>
-              <a:t>それぞれ</a:t>
-            </a:r>
-            <a:r>
-              <a:rPr kumimoji="1" lang="ja-JP" altLang="en-US" sz="2800" b="1" dirty="0" smtClean="0"/>
-              <a:t>の順位</a:t>
-            </a:r>
-            <a:r>
-              <a:rPr kumimoji="1" lang="ja-JP" altLang="en-US" sz="2800" b="1" dirty="0" smtClean="0"/>
-              <a:t>のプレイヤーを出す</a:t>
+              <a:t>それぞれの順位のプレイヤーを出す</a:t>
             </a:r>
             <a:endParaRPr kumimoji="1" lang="ja-JP" altLang="en-US" sz="2800" b="1" dirty="0"/>
           </a:p>

--- a/卒業制作_超ぶっ飛び超絶バトロワ（仮）.pptx
+++ b/卒業制作_超ぶっ飛び超絶バトロワ（仮）.pptx
@@ -5986,7 +5986,7 @@
         </p:nvSpPr>
         <p:spPr>
           <a:xfrm>
-            <a:off x="7451099" y="3507043"/>
+            <a:off x="8919414" y="2952373"/>
             <a:ext cx="1057459" cy="1048129"/>
           </a:xfrm>
           <a:prstGeom prst="ellipse">
@@ -6030,28 +6030,268 @@
       </p:sp>
       <p:sp>
         <p:nvSpPr>
-          <p:cNvPr id="29" name="楕円 28"/>
+          <p:cNvPr id="28" name="正方形/長方形 27"/>
           <p:cNvSpPr/>
           <p:nvPr/>
         </p:nvSpPr>
         <p:spPr>
           <a:xfrm>
-            <a:off x="2905931" y="3507044"/>
-            <a:ext cx="1057459" cy="1048129"/>
-          </a:xfrm>
-          <a:prstGeom prst="ellipse">
+            <a:off x="4277530" y="401041"/>
+            <a:ext cx="3057247" cy="523220"/>
+          </a:xfrm>
+          <a:prstGeom prst="rect">
             <a:avLst/>
           </a:prstGeom>
           <a:solidFill>
-            <a:schemeClr val="bg2">
-              <a:lumMod val="90000"/>
-            </a:schemeClr>
+            <a:schemeClr val="bg1"/>
           </a:solidFill>
-          <a:ln>
+          <a:ln w="19050">
             <a:solidFill>
               <a:schemeClr val="tx1"/>
             </a:solidFill>
           </a:ln>
+        </p:spPr>
+        <p:txBody>
+          <a:bodyPr wrap="none">
+            <a:spAutoFit/>
+          </a:bodyPr>
+          <a:lstStyle/>
+          <a:p>
+            <a:r>
+              <a:rPr lang="ja-JP" altLang="en-US" sz="2800" b="1" dirty="0" smtClean="0"/>
+              <a:t>爆弾を落とす</a:t>
+            </a:r>
+            <a:r>
+              <a:rPr lang="ja-JP" altLang="en-US" sz="2800" b="1" dirty="0"/>
+              <a:t>とき</a:t>
+            </a:r>
+            <a:endParaRPr lang="ja-JP" altLang="en-US" sz="2800" b="1" dirty="0"/>
+          </a:p>
+        </p:txBody>
+      </p:sp>
+      <p:sp>
+        <p:nvSpPr>
+          <p:cNvPr id="6" name="テキスト ボックス 5"/>
+          <p:cNvSpPr txBox="1"/>
+          <p:nvPr/>
+        </p:nvSpPr>
+        <p:spPr>
+          <a:xfrm>
+            <a:off x="6024867" y="3153271"/>
+            <a:ext cx="2272718" cy="646331"/>
+          </a:xfrm>
+          <a:prstGeom prst="rect">
+            <a:avLst/>
+          </a:prstGeom>
+          <a:solidFill>
+            <a:schemeClr val="bg1"/>
+          </a:solidFill>
+          <a:ln w="28575">
+            <a:solidFill>
+              <a:srgbClr val="7030A0"/>
+            </a:solidFill>
+          </a:ln>
+        </p:spPr>
+        <p:txBody>
+          <a:bodyPr wrap="square" rtlCol="0">
+            <a:spAutoFit/>
+          </a:bodyPr>
+          <a:lstStyle/>
+          <a:p>
+            <a:pPr algn="ctr"/>
+            <a:r>
+              <a:rPr lang="ja-JP" altLang="en-US" dirty="0">
+                <a:solidFill>
+                  <a:srgbClr val="FF0000"/>
+                </a:solidFill>
+              </a:rPr>
+              <a:t>爆弾</a:t>
+            </a:r>
+            <a:r>
+              <a:rPr lang="ja-JP" altLang="en-US" dirty="0" smtClean="0"/>
+              <a:t>が落ちる地点に</a:t>
+            </a:r>
+            <a:endParaRPr lang="en-US" altLang="ja-JP" dirty="0" smtClean="0"/>
+          </a:p>
+          <a:p>
+            <a:pPr algn="ctr"/>
+            <a:r>
+              <a:rPr kumimoji="1" lang="ja-JP" altLang="en-US" dirty="0" smtClean="0">
+                <a:solidFill>
+                  <a:srgbClr val="7030A0"/>
+                </a:solidFill>
+              </a:rPr>
+              <a:t>影</a:t>
+            </a:r>
+            <a:r>
+              <a:rPr kumimoji="1" lang="ja-JP" altLang="en-US" dirty="0" smtClean="0"/>
+              <a:t>を出す</a:t>
+            </a:r>
+            <a:endParaRPr kumimoji="1" lang="ja-JP" altLang="en-US" dirty="0"/>
+          </a:p>
+        </p:txBody>
+      </p:sp>
+      <p:cxnSp>
+        <p:nvCxnSpPr>
+          <p:cNvPr id="51" name="直線矢印コネクタ 50"/>
+          <p:cNvCxnSpPr>
+            <a:stCxn id="6" idx="3"/>
+            <a:endCxn id="31" idx="2"/>
+          </p:cNvCxnSpPr>
+          <p:nvPr/>
+        </p:nvCxnSpPr>
+        <p:spPr>
+          <a:xfrm>
+            <a:off x="8297585" y="3476437"/>
+            <a:ext cx="621829" cy="1"/>
+          </a:xfrm>
+          <a:prstGeom prst="straightConnector1">
+            <a:avLst/>
+          </a:prstGeom>
+          <a:ln w="76200">
+            <a:solidFill>
+              <a:srgbClr val="7030A0"/>
+            </a:solidFill>
+            <a:tailEnd type="triangle"/>
+          </a:ln>
+        </p:spPr>
+        <p:style>
+          <a:lnRef idx="1">
+            <a:schemeClr val="accent1"/>
+          </a:lnRef>
+          <a:fillRef idx="0">
+            <a:schemeClr val="accent1"/>
+          </a:fillRef>
+          <a:effectRef idx="0">
+            <a:schemeClr val="accent1"/>
+          </a:effectRef>
+          <a:fontRef idx="minor">
+            <a:schemeClr val="tx1"/>
+          </a:fontRef>
+        </p:style>
+      </p:cxnSp>
+      <p:pic>
+        <p:nvPicPr>
+          <p:cNvPr id="8" name="図 7"/>
+          <p:cNvPicPr>
+            <a:picLocks noChangeAspect="1"/>
+          </p:cNvPicPr>
+          <p:nvPr/>
+        </p:nvPicPr>
+        <p:blipFill>
+          <a:blip r:embed="rId2"/>
+          <a:stretch>
+            <a:fillRect/>
+          </a:stretch>
+        </p:blipFill>
+        <p:spPr>
+          <a:xfrm>
+            <a:off x="2326599" y="2867418"/>
+            <a:ext cx="1294953" cy="1133084"/>
+          </a:xfrm>
+          <a:prstGeom prst="rect">
+            <a:avLst/>
+          </a:prstGeom>
+        </p:spPr>
+      </p:pic>
+      <p:sp>
+        <p:nvSpPr>
+          <p:cNvPr id="20" name="テキスト ボックス 19"/>
+          <p:cNvSpPr txBox="1"/>
+          <p:nvPr/>
+        </p:nvSpPr>
+        <p:spPr>
+          <a:xfrm>
+            <a:off x="1837716" y="2498086"/>
+            <a:ext cx="2272718" cy="369332"/>
+          </a:xfrm>
+          <a:prstGeom prst="rect">
+            <a:avLst/>
+          </a:prstGeom>
+          <a:solidFill>
+            <a:schemeClr val="bg1"/>
+          </a:solidFill>
+          <a:ln w="28575">
+            <a:noFill/>
+          </a:ln>
+        </p:spPr>
+        <p:txBody>
+          <a:bodyPr wrap="square" rtlCol="0">
+            <a:spAutoFit/>
+          </a:bodyPr>
+          <a:lstStyle/>
+          <a:p>
+            <a:pPr algn="ctr"/>
+            <a:r>
+              <a:rPr lang="ja-JP" altLang="en-US" dirty="0">
+                <a:solidFill>
+                  <a:srgbClr val="FF0000"/>
+                </a:solidFill>
+              </a:rPr>
+              <a:t>爆弾</a:t>
+            </a:r>
+            <a:r>
+              <a:rPr lang="ja-JP" altLang="en-US" dirty="0" smtClean="0"/>
+              <a:t>が</a:t>
+            </a:r>
+            <a:r>
+              <a:rPr lang="ja-JP" altLang="en-US" dirty="0" smtClean="0"/>
+              <a:t>落ちるときに</a:t>
+            </a:r>
+            <a:endParaRPr kumimoji="1" lang="ja-JP" altLang="en-US" dirty="0"/>
+          </a:p>
+        </p:txBody>
+      </p:sp>
+      <p:sp>
+        <p:nvSpPr>
+          <p:cNvPr id="21" name="テキスト ボックス 20"/>
+          <p:cNvSpPr txBox="1"/>
+          <p:nvPr/>
+        </p:nvSpPr>
+        <p:spPr>
+          <a:xfrm>
+            <a:off x="1837716" y="4185168"/>
+            <a:ext cx="2272718" cy="369332"/>
+          </a:xfrm>
+          <a:prstGeom prst="rect">
+            <a:avLst/>
+          </a:prstGeom>
+          <a:solidFill>
+            <a:schemeClr val="bg1"/>
+          </a:solidFill>
+          <a:ln w="28575">
+            <a:noFill/>
+          </a:ln>
+        </p:spPr>
+        <p:txBody>
+          <a:bodyPr wrap="square" rtlCol="0">
+            <a:spAutoFit/>
+          </a:bodyPr>
+          <a:lstStyle/>
+          <a:p>
+            <a:pPr algn="ctr"/>
+            <a:r>
+              <a:rPr lang="ja-JP" altLang="en-US" dirty="0" smtClean="0"/>
+              <a:t>注意喚起する</a:t>
+            </a:r>
+            <a:endParaRPr kumimoji="1" lang="ja-JP" altLang="en-US" dirty="0"/>
+          </a:p>
+        </p:txBody>
+      </p:sp>
+      <p:sp>
+        <p:nvSpPr>
+          <p:cNvPr id="9" name="右矢印 8"/>
+          <p:cNvSpPr/>
+          <p:nvPr/>
+        </p:nvSpPr>
+        <p:spPr>
+          <a:xfrm>
+            <a:off x="4404947" y="2952373"/>
+            <a:ext cx="1046285" cy="1048129"/>
+          </a:xfrm>
+          <a:prstGeom prst="rightArrow">
+            <a:avLst/>
+          </a:prstGeom>
         </p:spPr>
         <p:style>
           <a:lnRef idx="2">
@@ -6078,525 +6318,6 @@
           </a:p>
         </p:txBody>
       </p:sp>
-      <p:sp>
-        <p:nvSpPr>
-          <p:cNvPr id="4" name="楕円 3"/>
-          <p:cNvSpPr/>
-          <p:nvPr/>
-        </p:nvSpPr>
-        <p:spPr>
-          <a:xfrm>
-            <a:off x="2778370" y="1682434"/>
-            <a:ext cx="5829300" cy="4648028"/>
-          </a:xfrm>
-          <a:prstGeom prst="ellipse">
-            <a:avLst/>
-          </a:prstGeom>
-          <a:noFill/>
-          <a:ln>
-            <a:solidFill>
-              <a:srgbClr val="FF0000"/>
-            </a:solidFill>
-          </a:ln>
-        </p:spPr>
-        <p:style>
-          <a:lnRef idx="2">
-            <a:schemeClr val="accent1">
-              <a:shade val="50000"/>
-            </a:schemeClr>
-          </a:lnRef>
-          <a:fillRef idx="1">
-            <a:schemeClr val="accent1"/>
-          </a:fillRef>
-          <a:effectRef idx="0">
-            <a:schemeClr val="accent1"/>
-          </a:effectRef>
-          <a:fontRef idx="minor">
-            <a:schemeClr val="lt1"/>
-          </a:fontRef>
-        </p:style>
-        <p:txBody>
-          <a:bodyPr rtlCol="0" anchor="ctr"/>
-          <a:lstStyle/>
-          <a:p>
-            <a:pPr algn="ctr"/>
-            <a:endParaRPr kumimoji="1" lang="ja-JP" altLang="en-US"/>
-          </a:p>
-        </p:txBody>
-      </p:sp>
-      <p:sp>
-        <p:nvSpPr>
-          <p:cNvPr id="5" name="楕円 4"/>
-          <p:cNvSpPr/>
-          <p:nvPr/>
-        </p:nvSpPr>
-        <p:spPr>
-          <a:xfrm>
-            <a:off x="5164183" y="1961613"/>
-            <a:ext cx="1057459" cy="1048129"/>
-          </a:xfrm>
-          <a:prstGeom prst="ellipse">
-            <a:avLst/>
-          </a:prstGeom>
-          <a:solidFill>
-            <a:schemeClr val="bg2">
-              <a:lumMod val="90000"/>
-            </a:schemeClr>
-          </a:solidFill>
-          <a:ln>
-            <a:solidFill>
-              <a:schemeClr val="tx1"/>
-            </a:solidFill>
-          </a:ln>
-        </p:spPr>
-        <p:style>
-          <a:lnRef idx="2">
-            <a:schemeClr val="accent1">
-              <a:shade val="50000"/>
-            </a:schemeClr>
-          </a:lnRef>
-          <a:fillRef idx="1">
-            <a:schemeClr val="accent1"/>
-          </a:fillRef>
-          <a:effectRef idx="0">
-            <a:schemeClr val="accent1"/>
-          </a:effectRef>
-          <a:fontRef idx="minor">
-            <a:schemeClr val="lt1"/>
-          </a:fontRef>
-        </p:style>
-        <p:txBody>
-          <a:bodyPr rtlCol="0" anchor="ctr"/>
-          <a:lstStyle/>
-          <a:p>
-            <a:pPr algn="ctr"/>
-            <a:endParaRPr kumimoji="1" lang="ja-JP" altLang="en-US"/>
-          </a:p>
-        </p:txBody>
-      </p:sp>
-      <p:sp>
-        <p:nvSpPr>
-          <p:cNvPr id="25" name="テキスト ボックス 24"/>
-          <p:cNvSpPr txBox="1"/>
-          <p:nvPr/>
-        </p:nvSpPr>
-        <p:spPr>
-          <a:xfrm>
-            <a:off x="1706946" y="2074940"/>
-            <a:ext cx="1509554" cy="410737"/>
-          </a:xfrm>
-          <a:prstGeom prst="rect">
-            <a:avLst/>
-          </a:prstGeom>
-          <a:noFill/>
-          <a:ln w="19050">
-            <a:solidFill>
-              <a:schemeClr val="tx1"/>
-            </a:solidFill>
-          </a:ln>
-        </p:spPr>
-        <p:txBody>
-          <a:bodyPr wrap="square" rtlCol="0">
-            <a:spAutoFit/>
-          </a:bodyPr>
-          <a:lstStyle/>
-          <a:p>
-            <a:pPr algn="ctr"/>
-            <a:r>
-              <a:rPr kumimoji="1" lang="ja-JP" altLang="en-US" sz="2000" dirty="0" smtClean="0"/>
-              <a:t>戦うところ</a:t>
-            </a:r>
-            <a:endParaRPr kumimoji="1" lang="ja-JP" altLang="en-US" sz="2000" dirty="0"/>
-          </a:p>
-        </p:txBody>
-      </p:sp>
-      <p:sp>
-        <p:nvSpPr>
-          <p:cNvPr id="26" name="円形吹き出し 25"/>
-          <p:cNvSpPr/>
-          <p:nvPr/>
-        </p:nvSpPr>
-        <p:spPr>
-          <a:xfrm rot="1540385">
-            <a:off x="7618801" y="1401611"/>
-            <a:ext cx="2193319" cy="1191849"/>
-          </a:xfrm>
-          <a:prstGeom prst="wedgeEllipseCallout">
-            <a:avLst/>
-          </a:prstGeom>
-          <a:noFill/>
-          <a:ln w="38100">
-            <a:solidFill>
-              <a:schemeClr val="accent3">
-                <a:lumMod val="50000"/>
-              </a:schemeClr>
-            </a:solidFill>
-          </a:ln>
-        </p:spPr>
-        <p:style>
-          <a:lnRef idx="2">
-            <a:schemeClr val="accent1">
-              <a:shade val="50000"/>
-            </a:schemeClr>
-          </a:lnRef>
-          <a:fillRef idx="1">
-            <a:schemeClr val="accent1"/>
-          </a:fillRef>
-          <a:effectRef idx="0">
-            <a:schemeClr val="accent1"/>
-          </a:effectRef>
-          <a:fontRef idx="minor">
-            <a:schemeClr val="lt1"/>
-          </a:fontRef>
-        </p:style>
-        <p:txBody>
-          <a:bodyPr rtlCol="0" anchor="ctr"/>
-          <a:lstStyle/>
-          <a:p>
-            <a:pPr algn="ctr"/>
-            <a:endParaRPr kumimoji="1" lang="ja-JP" altLang="en-US"/>
-          </a:p>
-        </p:txBody>
-      </p:sp>
-      <p:sp>
-        <p:nvSpPr>
-          <p:cNvPr id="27" name="テキスト ボックス 26"/>
-          <p:cNvSpPr txBox="1"/>
-          <p:nvPr/>
-        </p:nvSpPr>
-        <p:spPr>
-          <a:xfrm>
-            <a:off x="7919554" y="1809162"/>
-            <a:ext cx="1708304" cy="370853"/>
-          </a:xfrm>
-          <a:prstGeom prst="rect">
-            <a:avLst/>
-          </a:prstGeom>
-          <a:noFill/>
-        </p:spPr>
-        <p:txBody>
-          <a:bodyPr wrap="square" rtlCol="0">
-            <a:spAutoFit/>
-          </a:bodyPr>
-          <a:lstStyle/>
-          <a:p>
-            <a:r>
-              <a:rPr lang="ja-JP" altLang="en-US" dirty="0" smtClean="0"/>
-              <a:t>円外は落ちる</a:t>
-            </a:r>
-            <a:endParaRPr kumimoji="1" lang="ja-JP" altLang="en-US" dirty="0"/>
-          </a:p>
-        </p:txBody>
-      </p:sp>
-      <p:sp>
-        <p:nvSpPr>
-          <p:cNvPr id="28" name="正方形/長方形 27"/>
-          <p:cNvSpPr/>
-          <p:nvPr/>
-        </p:nvSpPr>
-        <p:spPr>
-          <a:xfrm>
-            <a:off x="3869334" y="507098"/>
-            <a:ext cx="3647152" cy="369332"/>
-          </a:xfrm>
-          <a:prstGeom prst="rect">
-            <a:avLst/>
-          </a:prstGeom>
-          <a:solidFill>
-            <a:schemeClr val="bg1"/>
-          </a:solidFill>
-          <a:ln w="19050">
-            <a:solidFill>
-              <a:schemeClr val="tx1"/>
-            </a:solidFill>
-          </a:ln>
-        </p:spPr>
-        <p:txBody>
-          <a:bodyPr wrap="none">
-            <a:spAutoFit/>
-          </a:bodyPr>
-          <a:lstStyle/>
-          <a:p>
-            <a:r>
-              <a:rPr lang="ja-JP" altLang="en-US" b="1" dirty="0"/>
-              <a:t>タイマー</a:t>
-            </a:r>
-            <a:r>
-              <a:rPr lang="ja-JP" altLang="en-US" b="1" dirty="0" smtClean="0"/>
-              <a:t>が１０以下になった場合</a:t>
-            </a:r>
-            <a:endParaRPr lang="ja-JP" altLang="en-US" b="1" dirty="0"/>
-          </a:p>
-        </p:txBody>
-      </p:sp>
-      <p:sp>
-        <p:nvSpPr>
-          <p:cNvPr id="30" name="楕円 29"/>
-          <p:cNvSpPr/>
-          <p:nvPr/>
-        </p:nvSpPr>
-        <p:spPr>
-          <a:xfrm>
-            <a:off x="5164181" y="5052471"/>
-            <a:ext cx="1057459" cy="1048129"/>
-          </a:xfrm>
-          <a:prstGeom prst="ellipse">
-            <a:avLst/>
-          </a:prstGeom>
-          <a:solidFill>
-            <a:schemeClr val="bg2">
-              <a:lumMod val="90000"/>
-            </a:schemeClr>
-          </a:solidFill>
-          <a:ln>
-            <a:solidFill>
-              <a:schemeClr val="tx1"/>
-            </a:solidFill>
-          </a:ln>
-        </p:spPr>
-        <p:style>
-          <a:lnRef idx="2">
-            <a:schemeClr val="accent1">
-              <a:shade val="50000"/>
-            </a:schemeClr>
-          </a:lnRef>
-          <a:fillRef idx="1">
-            <a:schemeClr val="accent1"/>
-          </a:fillRef>
-          <a:effectRef idx="0">
-            <a:schemeClr val="accent1"/>
-          </a:effectRef>
-          <a:fontRef idx="minor">
-            <a:schemeClr val="lt1"/>
-          </a:fontRef>
-        </p:style>
-        <p:txBody>
-          <a:bodyPr rtlCol="0" anchor="ctr"/>
-          <a:lstStyle/>
-          <a:p>
-            <a:pPr algn="ctr"/>
-            <a:endParaRPr kumimoji="1" lang="ja-JP" altLang="en-US"/>
-          </a:p>
-        </p:txBody>
-      </p:sp>
-      <p:sp>
-        <p:nvSpPr>
-          <p:cNvPr id="6" name="テキスト ボックス 5"/>
-          <p:cNvSpPr txBox="1"/>
-          <p:nvPr/>
-        </p:nvSpPr>
-        <p:spPr>
-          <a:xfrm>
-            <a:off x="4556552" y="3707941"/>
-            <a:ext cx="2272718" cy="646331"/>
-          </a:xfrm>
-          <a:prstGeom prst="rect">
-            <a:avLst/>
-          </a:prstGeom>
-          <a:solidFill>
-            <a:schemeClr val="bg1"/>
-          </a:solidFill>
-          <a:ln w="28575">
-            <a:solidFill>
-              <a:srgbClr val="7030A0"/>
-            </a:solidFill>
-          </a:ln>
-        </p:spPr>
-        <p:txBody>
-          <a:bodyPr wrap="square" rtlCol="0">
-            <a:spAutoFit/>
-          </a:bodyPr>
-          <a:lstStyle/>
-          <a:p>
-            <a:pPr algn="ctr"/>
-            <a:r>
-              <a:rPr lang="ja-JP" altLang="en-US" dirty="0">
-                <a:solidFill>
-                  <a:srgbClr val="FF0000"/>
-                </a:solidFill>
-              </a:rPr>
-              <a:t>爆弾</a:t>
-            </a:r>
-            <a:r>
-              <a:rPr lang="ja-JP" altLang="en-US" dirty="0" smtClean="0"/>
-              <a:t>が落ちる地点に</a:t>
-            </a:r>
-            <a:endParaRPr lang="en-US" altLang="ja-JP" dirty="0" smtClean="0"/>
-          </a:p>
-          <a:p>
-            <a:pPr algn="ctr"/>
-            <a:r>
-              <a:rPr kumimoji="1" lang="ja-JP" altLang="en-US" dirty="0" smtClean="0">
-                <a:solidFill>
-                  <a:srgbClr val="7030A0"/>
-                </a:solidFill>
-              </a:rPr>
-              <a:t>影</a:t>
-            </a:r>
-            <a:r>
-              <a:rPr kumimoji="1" lang="ja-JP" altLang="en-US" dirty="0" smtClean="0"/>
-              <a:t>を出す</a:t>
-            </a:r>
-            <a:endParaRPr kumimoji="1" lang="ja-JP" altLang="en-US" dirty="0"/>
-          </a:p>
-        </p:txBody>
-      </p:sp>
-      <p:cxnSp>
-        <p:nvCxnSpPr>
-          <p:cNvPr id="37" name="直線矢印コネクタ 36"/>
-          <p:cNvCxnSpPr>
-            <a:stCxn id="6" idx="0"/>
-            <a:endCxn id="5" idx="4"/>
-          </p:cNvCxnSpPr>
-          <p:nvPr/>
-        </p:nvCxnSpPr>
-        <p:spPr>
-          <a:xfrm flipV="1">
-            <a:off x="5692911" y="3009742"/>
-            <a:ext cx="2" cy="698199"/>
-          </a:xfrm>
-          <a:prstGeom prst="straightConnector1">
-            <a:avLst/>
-          </a:prstGeom>
-          <a:ln w="76200">
-            <a:solidFill>
-              <a:srgbClr val="7030A0"/>
-            </a:solidFill>
-            <a:tailEnd type="triangle"/>
-          </a:ln>
-        </p:spPr>
-        <p:style>
-          <a:lnRef idx="1">
-            <a:schemeClr val="accent1"/>
-          </a:lnRef>
-          <a:fillRef idx="0">
-            <a:schemeClr val="accent1"/>
-          </a:fillRef>
-          <a:effectRef idx="0">
-            <a:schemeClr val="accent1"/>
-          </a:effectRef>
-          <a:fontRef idx="minor">
-            <a:schemeClr val="tx1"/>
-          </a:fontRef>
-        </p:style>
-      </p:cxnSp>
-      <p:cxnSp>
-        <p:nvCxnSpPr>
-          <p:cNvPr id="42" name="直線矢印コネクタ 41"/>
-          <p:cNvCxnSpPr>
-            <a:stCxn id="6" idx="1"/>
-            <a:endCxn id="29" idx="6"/>
-          </p:cNvCxnSpPr>
-          <p:nvPr/>
-        </p:nvCxnSpPr>
-        <p:spPr>
-          <a:xfrm flipH="1">
-            <a:off x="3963390" y="4031107"/>
-            <a:ext cx="593162" cy="2"/>
-          </a:xfrm>
-          <a:prstGeom prst="straightConnector1">
-            <a:avLst/>
-          </a:prstGeom>
-          <a:ln w="76200">
-            <a:solidFill>
-              <a:srgbClr val="7030A0"/>
-            </a:solidFill>
-            <a:tailEnd type="triangle"/>
-          </a:ln>
-        </p:spPr>
-        <p:style>
-          <a:lnRef idx="1">
-            <a:schemeClr val="accent1"/>
-          </a:lnRef>
-          <a:fillRef idx="0">
-            <a:schemeClr val="accent1"/>
-          </a:fillRef>
-          <a:effectRef idx="0">
-            <a:schemeClr val="accent1"/>
-          </a:effectRef>
-          <a:fontRef idx="minor">
-            <a:schemeClr val="tx1"/>
-          </a:fontRef>
-        </p:style>
-      </p:cxnSp>
-      <p:cxnSp>
-        <p:nvCxnSpPr>
-          <p:cNvPr id="47" name="直線矢印コネクタ 46"/>
-          <p:cNvCxnSpPr>
-            <a:stCxn id="6" idx="2"/>
-            <a:endCxn id="30" idx="0"/>
-          </p:cNvCxnSpPr>
-          <p:nvPr/>
-        </p:nvCxnSpPr>
-        <p:spPr>
-          <a:xfrm>
-            <a:off x="5692911" y="4354272"/>
-            <a:ext cx="0" cy="698199"/>
-          </a:xfrm>
-          <a:prstGeom prst="straightConnector1">
-            <a:avLst/>
-          </a:prstGeom>
-          <a:ln w="76200">
-            <a:solidFill>
-              <a:srgbClr val="7030A0"/>
-            </a:solidFill>
-            <a:tailEnd type="triangle"/>
-          </a:ln>
-        </p:spPr>
-        <p:style>
-          <a:lnRef idx="1">
-            <a:schemeClr val="accent1"/>
-          </a:lnRef>
-          <a:fillRef idx="0">
-            <a:schemeClr val="accent1"/>
-          </a:fillRef>
-          <a:effectRef idx="0">
-            <a:schemeClr val="accent1"/>
-          </a:effectRef>
-          <a:fontRef idx="minor">
-            <a:schemeClr val="tx1"/>
-          </a:fontRef>
-        </p:style>
-      </p:cxnSp>
-      <p:cxnSp>
-        <p:nvCxnSpPr>
-          <p:cNvPr id="51" name="直線矢印コネクタ 50"/>
-          <p:cNvCxnSpPr>
-            <a:stCxn id="6" idx="3"/>
-            <a:endCxn id="31" idx="2"/>
-          </p:cNvCxnSpPr>
-          <p:nvPr/>
-        </p:nvCxnSpPr>
-        <p:spPr>
-          <a:xfrm>
-            <a:off x="6829270" y="4031107"/>
-            <a:ext cx="621829" cy="1"/>
-          </a:xfrm>
-          <a:prstGeom prst="straightConnector1">
-            <a:avLst/>
-          </a:prstGeom>
-          <a:ln w="76200">
-            <a:solidFill>
-              <a:srgbClr val="7030A0"/>
-            </a:solidFill>
-            <a:tailEnd type="triangle"/>
-          </a:ln>
-        </p:spPr>
-        <p:style>
-          <a:lnRef idx="1">
-            <a:schemeClr val="accent1"/>
-          </a:lnRef>
-          <a:fillRef idx="0">
-            <a:schemeClr val="accent1"/>
-          </a:fillRef>
-          <a:effectRef idx="0">
-            <a:schemeClr val="accent1"/>
-          </a:effectRef>
-          <a:fontRef idx="minor">
-            <a:schemeClr val="tx1"/>
-          </a:fontRef>
-        </p:style>
-      </p:cxnSp>
     </p:spTree>
     <p:extLst>
       <p:ext uri="{BB962C8B-B14F-4D97-AF65-F5344CB8AC3E}">

--- a/卒業制作_超ぶっ飛び超絶バトロワ（仮）.pptx
+++ b/卒業制作_超ぶっ飛び超絶バトロワ（仮）.pptx
@@ -5986,8 +5986,8 @@
         </p:nvSpPr>
         <p:spPr>
           <a:xfrm>
-            <a:off x="8919414" y="2952373"/>
-            <a:ext cx="1057459" cy="1048129"/>
+            <a:off x="9279899" y="2675402"/>
+            <a:ext cx="2035801" cy="2111996"/>
           </a:xfrm>
           <a:prstGeom prst="ellipse">
             <a:avLst/>
@@ -6065,7 +6065,6 @@
               <a:rPr lang="ja-JP" altLang="en-US" sz="2800" b="1" dirty="0"/>
               <a:t>とき</a:t>
             </a:r>
-            <a:endParaRPr lang="ja-JP" altLang="en-US" sz="2800" b="1" dirty="0"/>
           </a:p>
         </p:txBody>
       </p:sp>
@@ -6077,8 +6076,8 @@
         </p:nvSpPr>
         <p:spPr>
           <a:xfrm>
-            <a:off x="6024867" y="3153271"/>
-            <a:ext cx="2272718" cy="646331"/>
+            <a:off x="5758747" y="3315901"/>
+            <a:ext cx="2952041" cy="830997"/>
           </a:xfrm>
           <a:prstGeom prst="rect">
             <a:avLst/>
@@ -6100,7 +6099,7 @@
           <a:p>
             <a:pPr algn="ctr"/>
             <a:r>
-              <a:rPr lang="ja-JP" altLang="en-US" dirty="0">
+              <a:rPr lang="ja-JP" altLang="en-US" sz="2400" dirty="0">
                 <a:solidFill>
                   <a:srgbClr val="FF0000"/>
                 </a:solidFill>
@@ -6108,15 +6107,15 @@
               <a:t>爆弾</a:t>
             </a:r>
             <a:r>
-              <a:rPr lang="ja-JP" altLang="en-US" dirty="0" smtClean="0"/>
+              <a:rPr lang="ja-JP" altLang="en-US" sz="2400" dirty="0" smtClean="0"/>
               <a:t>が落ちる地点に</a:t>
             </a:r>
-            <a:endParaRPr lang="en-US" altLang="ja-JP" dirty="0" smtClean="0"/>
-          </a:p>
-          <a:p>
-            <a:pPr algn="ctr"/>
-            <a:r>
-              <a:rPr kumimoji="1" lang="ja-JP" altLang="en-US" dirty="0" smtClean="0">
+            <a:endParaRPr lang="en-US" altLang="ja-JP" sz="2400" dirty="0" smtClean="0"/>
+          </a:p>
+          <a:p>
+            <a:pPr algn="ctr"/>
+            <a:r>
+              <a:rPr kumimoji="1" lang="ja-JP" altLang="en-US" sz="2400" dirty="0" smtClean="0">
                 <a:solidFill>
                   <a:srgbClr val="7030A0"/>
                 </a:solidFill>
@@ -6124,10 +6123,10 @@
               <a:t>影</a:t>
             </a:r>
             <a:r>
-              <a:rPr kumimoji="1" lang="ja-JP" altLang="en-US" dirty="0" smtClean="0"/>
+              <a:rPr kumimoji="1" lang="ja-JP" altLang="en-US" sz="2400" dirty="0" smtClean="0"/>
               <a:t>を出す</a:t>
             </a:r>
-            <a:endParaRPr kumimoji="1" lang="ja-JP" altLang="en-US" dirty="0"/>
+            <a:endParaRPr kumimoji="1" lang="ja-JP" altLang="en-US" sz="2400" dirty="0"/>
           </a:p>
         </p:txBody>
       </p:sp>
@@ -6142,8 +6141,8 @@
         </p:nvCxnSpPr>
         <p:spPr>
           <a:xfrm>
-            <a:off x="8297585" y="3476437"/>
-            <a:ext cx="621829" cy="1"/>
+            <a:off x="8710788" y="3731400"/>
+            <a:ext cx="569111" cy="0"/>
           </a:xfrm>
           <a:prstGeom prst="straightConnector1">
             <a:avLst/>
@@ -6186,8 +6185,8 @@
         </p:blipFill>
         <p:spPr>
           <a:xfrm>
-            <a:off x="2326599" y="2867418"/>
-            <a:ext cx="1294953" cy="1133084"/>
+            <a:off x="1640799" y="2775085"/>
+            <a:ext cx="2299786" cy="2012313"/>
           </a:xfrm>
           <a:prstGeom prst="rect">
             <a:avLst/>
@@ -6202,8 +6201,8 @@
         </p:nvSpPr>
         <p:spPr>
           <a:xfrm>
-            <a:off x="1837716" y="2498086"/>
-            <a:ext cx="2272718" cy="369332"/>
+            <a:off x="758513" y="2128754"/>
+            <a:ext cx="4431123" cy="646331"/>
           </a:xfrm>
           <a:prstGeom prst="rect">
             <a:avLst/>
@@ -6223,7 +6222,7 @@
           <a:p>
             <a:pPr algn="ctr"/>
             <a:r>
-              <a:rPr lang="ja-JP" altLang="en-US" dirty="0">
+              <a:rPr lang="ja-JP" altLang="en-US" sz="3600" b="1" dirty="0">
                 <a:solidFill>
                   <a:srgbClr val="FF0000"/>
                 </a:solidFill>
@@ -6231,14 +6230,10 @@
               <a:t>爆弾</a:t>
             </a:r>
             <a:r>
-              <a:rPr lang="ja-JP" altLang="en-US" dirty="0" smtClean="0"/>
-              <a:t>が</a:t>
-            </a:r>
-            <a:r>
-              <a:rPr lang="ja-JP" altLang="en-US" dirty="0" smtClean="0"/>
-              <a:t>落ちるときに</a:t>
-            </a:r>
-            <a:endParaRPr kumimoji="1" lang="ja-JP" altLang="en-US" dirty="0"/>
+              <a:rPr lang="ja-JP" altLang="en-US" sz="3600" b="1" dirty="0" smtClean="0"/>
+              <a:t>が落ちるときに</a:t>
+            </a:r>
+            <a:endParaRPr kumimoji="1" lang="ja-JP" altLang="en-US" sz="3600" b="1" dirty="0"/>
           </a:p>
         </p:txBody>
       </p:sp>
@@ -6250,8 +6245,8 @@
         </p:nvSpPr>
         <p:spPr>
           <a:xfrm>
-            <a:off x="1837716" y="4185168"/>
-            <a:ext cx="2272718" cy="369332"/>
+            <a:off x="1570784" y="4910509"/>
+            <a:ext cx="2439815" cy="523220"/>
           </a:xfrm>
           <a:prstGeom prst="rect">
             <a:avLst/>
@@ -6271,10 +6266,10 @@
           <a:p>
             <a:pPr algn="ctr"/>
             <a:r>
-              <a:rPr lang="ja-JP" altLang="en-US" dirty="0" smtClean="0"/>
+              <a:rPr lang="ja-JP" altLang="en-US" sz="2800" b="1" dirty="0" smtClean="0"/>
               <a:t>注意喚起する</a:t>
             </a:r>
-            <a:endParaRPr kumimoji="1" lang="ja-JP" altLang="en-US" dirty="0"/>
+            <a:endParaRPr kumimoji="1" lang="ja-JP" altLang="en-US" sz="2800" b="1" dirty="0"/>
           </a:p>
         </p:txBody>
       </p:sp>

--- a/卒業制作_超ぶっ飛び超絶バトロワ（仮）.pptx
+++ b/卒業制作_超ぶっ飛び超絶バトロワ（仮）.pptx
@@ -265,7 +265,7 @@
           <a:p>
             <a:fld id="{45B9E0DA-C511-4EE6-BBCF-3E46AF171622}" type="datetimeFigureOut">
               <a:rPr kumimoji="1" lang="ja-JP" altLang="en-US" smtClean="0"/>
-              <a:t>2022/10/19</a:t>
+              <a:t>2022/10/20</a:t>
             </a:fld>
             <a:endParaRPr kumimoji="1" lang="ja-JP" altLang="en-US"/>
           </a:p>
@@ -467,7 +467,7 @@
           <a:p>
             <a:fld id="{45B9E0DA-C511-4EE6-BBCF-3E46AF171622}" type="datetimeFigureOut">
               <a:rPr kumimoji="1" lang="ja-JP" altLang="en-US" smtClean="0"/>
-              <a:t>2022/10/19</a:t>
+              <a:t>2022/10/20</a:t>
             </a:fld>
             <a:endParaRPr kumimoji="1" lang="ja-JP" altLang="en-US"/>
           </a:p>
@@ -679,7 +679,7 @@
           <a:p>
             <a:fld id="{45B9E0DA-C511-4EE6-BBCF-3E46AF171622}" type="datetimeFigureOut">
               <a:rPr kumimoji="1" lang="ja-JP" altLang="en-US" smtClean="0"/>
-              <a:t>2022/10/19</a:t>
+              <a:t>2022/10/20</a:t>
             </a:fld>
             <a:endParaRPr kumimoji="1" lang="ja-JP" altLang="en-US"/>
           </a:p>
@@ -881,7 +881,7 @@
           <a:p>
             <a:fld id="{45B9E0DA-C511-4EE6-BBCF-3E46AF171622}" type="datetimeFigureOut">
               <a:rPr kumimoji="1" lang="ja-JP" altLang="en-US" smtClean="0"/>
-              <a:t>2022/10/19</a:t>
+              <a:t>2022/10/20</a:t>
             </a:fld>
             <a:endParaRPr kumimoji="1" lang="ja-JP" altLang="en-US"/>
           </a:p>
@@ -1127,7 +1127,7 @@
           <a:p>
             <a:fld id="{45B9E0DA-C511-4EE6-BBCF-3E46AF171622}" type="datetimeFigureOut">
               <a:rPr kumimoji="1" lang="ja-JP" altLang="en-US" smtClean="0"/>
-              <a:t>2022/10/19</a:t>
+              <a:t>2022/10/20</a:t>
             </a:fld>
             <a:endParaRPr kumimoji="1" lang="ja-JP" altLang="en-US"/>
           </a:p>
@@ -1423,7 +1423,7 @@
           <a:p>
             <a:fld id="{45B9E0DA-C511-4EE6-BBCF-3E46AF171622}" type="datetimeFigureOut">
               <a:rPr kumimoji="1" lang="ja-JP" altLang="en-US" smtClean="0"/>
-              <a:t>2022/10/19</a:t>
+              <a:t>2022/10/20</a:t>
             </a:fld>
             <a:endParaRPr kumimoji="1" lang="ja-JP" altLang="en-US"/>
           </a:p>
@@ -1854,7 +1854,7 @@
           <a:p>
             <a:fld id="{45B9E0DA-C511-4EE6-BBCF-3E46AF171622}" type="datetimeFigureOut">
               <a:rPr kumimoji="1" lang="ja-JP" altLang="en-US" smtClean="0"/>
-              <a:t>2022/10/19</a:t>
+              <a:t>2022/10/20</a:t>
             </a:fld>
             <a:endParaRPr kumimoji="1" lang="ja-JP" altLang="en-US"/>
           </a:p>
@@ -1972,7 +1972,7 @@
           <a:p>
             <a:fld id="{45B9E0DA-C511-4EE6-BBCF-3E46AF171622}" type="datetimeFigureOut">
               <a:rPr kumimoji="1" lang="ja-JP" altLang="en-US" smtClean="0"/>
-              <a:t>2022/10/19</a:t>
+              <a:t>2022/10/20</a:t>
             </a:fld>
             <a:endParaRPr kumimoji="1" lang="ja-JP" altLang="en-US"/>
           </a:p>
@@ -2067,7 +2067,7 @@
           <a:p>
             <a:fld id="{45B9E0DA-C511-4EE6-BBCF-3E46AF171622}" type="datetimeFigureOut">
               <a:rPr kumimoji="1" lang="ja-JP" altLang="en-US" smtClean="0"/>
-              <a:t>2022/10/19</a:t>
+              <a:t>2022/10/20</a:t>
             </a:fld>
             <a:endParaRPr kumimoji="1" lang="ja-JP" altLang="en-US"/>
           </a:p>
@@ -2376,7 +2376,7 @@
           <a:p>
             <a:fld id="{45B9E0DA-C511-4EE6-BBCF-3E46AF171622}" type="datetimeFigureOut">
               <a:rPr kumimoji="1" lang="ja-JP" altLang="en-US" smtClean="0"/>
-              <a:t>2022/10/19</a:t>
+              <a:t>2022/10/20</a:t>
             </a:fld>
             <a:endParaRPr kumimoji="1" lang="ja-JP" altLang="en-US"/>
           </a:p>
@@ -2629,7 +2629,7 @@
           <a:p>
             <a:fld id="{45B9E0DA-C511-4EE6-BBCF-3E46AF171622}" type="datetimeFigureOut">
               <a:rPr kumimoji="1" lang="ja-JP" altLang="en-US" smtClean="0"/>
-              <a:t>2022/10/19</a:t>
+              <a:t>2022/10/20</a:t>
             </a:fld>
             <a:endParaRPr kumimoji="1" lang="ja-JP" altLang="en-US"/>
           </a:p>
@@ -2874,7 +2874,7 @@
           <a:p>
             <a:fld id="{45B9E0DA-C511-4EE6-BBCF-3E46AF171622}" type="datetimeFigureOut">
               <a:rPr kumimoji="1" lang="ja-JP" altLang="en-US" smtClean="0"/>
-              <a:t>2022/10/19</a:t>
+              <a:t>2022/10/20</a:t>
             </a:fld>
             <a:endParaRPr kumimoji="1" lang="ja-JP" altLang="en-US"/>
           </a:p>
@@ -12525,7 +12525,7 @@
         </p:nvSpPr>
         <p:spPr>
           <a:xfrm>
-            <a:off x="1883093" y="3884321"/>
+            <a:off x="2091098" y="3714740"/>
             <a:ext cx="2754933" cy="830997"/>
           </a:xfrm>
           <a:prstGeom prst="rect">
@@ -12575,8 +12575,8 @@
         </p:nvSpPr>
         <p:spPr>
           <a:xfrm>
-            <a:off x="6482936" y="2886512"/>
-            <a:ext cx="4339077" cy="646331"/>
+            <a:off x="6482937" y="2886512"/>
+            <a:ext cx="4138172" cy="646331"/>
           </a:xfrm>
           <a:prstGeom prst="rect">
             <a:avLst/>
@@ -12595,7 +12595,22 @@
             </a:r>
             <a:r>
               <a:rPr lang="ja-JP" altLang="en-US" dirty="0" smtClean="0"/>
-              <a:t>はゴーカートでぶつかって場外に落とし合うゲームです</a:t>
+              <a:t>はゴーカートで</a:t>
+            </a:r>
+            <a:r>
+              <a:rPr lang="ja-JP" altLang="en-US" dirty="0" smtClean="0"/>
+              <a:t>ぶつかって</a:t>
+            </a:r>
+            <a:endParaRPr lang="en-US" altLang="ja-JP" dirty="0" smtClean="0"/>
+          </a:p>
+          <a:p>
+            <a:r>
+              <a:rPr lang="ja-JP" altLang="en-US" dirty="0" smtClean="0"/>
+              <a:t>場外</a:t>
+            </a:r>
+            <a:r>
+              <a:rPr lang="ja-JP" altLang="en-US" dirty="0" smtClean="0"/>
+              <a:t>に落とし合うゲームです</a:t>
             </a:r>
             <a:r>
               <a:rPr lang="ja-JP" altLang="en-US" dirty="0"/>
@@ -12607,14 +12622,14 @@
       </p:sp>
       <p:sp>
         <p:nvSpPr>
-          <p:cNvPr id="15" name="テキスト ボックス 14"/>
+          <p:cNvPr id="11" name="テキスト ボックス 10"/>
           <p:cNvSpPr txBox="1"/>
           <p:nvPr/>
         </p:nvSpPr>
         <p:spPr>
           <a:xfrm>
-            <a:off x="6482936" y="3692691"/>
-            <a:ext cx="4339077" cy="923330"/>
+            <a:off x="6482937" y="3899969"/>
+            <a:ext cx="4700878" cy="1200329"/>
           </a:xfrm>
           <a:prstGeom prst="rect">
             <a:avLst/>
@@ -12628,21 +12643,31 @@
           <a:lstStyle/>
           <a:p>
             <a:r>
-              <a:rPr kumimoji="1" lang="ja-JP" altLang="en-US" dirty="0" smtClean="0"/>
-              <a:t>アイテムで妨害することができます。</a:t>
-            </a:r>
-            <a:endParaRPr kumimoji="1" lang="en-US" altLang="ja-JP" dirty="0" smtClean="0"/>
-          </a:p>
-          <a:p>
-            <a:r>
               <a:rPr lang="ja-JP" altLang="en-US" dirty="0" smtClean="0"/>
-              <a:t>当たったら一定時間動けなくすることが</a:t>
-            </a:r>
-            <a:r>
-              <a:rPr kumimoji="1" lang="ja-JP" altLang="en-US" dirty="0" smtClean="0"/>
-              <a:t>できます。</a:t>
-            </a:r>
-            <a:endParaRPr kumimoji="1" lang="en-US" altLang="ja-JP" dirty="0" smtClean="0"/>
+              <a:t>ウルトラダッシュを使って相手に</a:t>
+            </a:r>
+            <a:endParaRPr lang="en-US" altLang="ja-JP" dirty="0" smtClean="0"/>
+          </a:p>
+          <a:p>
+            <a:r>
+              <a:rPr lang="ja-JP" altLang="en-US" dirty="0" smtClean="0"/>
+              <a:t>ぶつかることで吹っ飛ばすことができます。</a:t>
+            </a:r>
+            <a:endParaRPr lang="en-US" altLang="ja-JP" dirty="0" smtClean="0"/>
+          </a:p>
+          <a:p>
+            <a:r>
+              <a:rPr lang="ja-JP" altLang="en-US" dirty="0" smtClean="0"/>
+              <a:t>ウルトラダッシュを使うと</a:t>
+            </a:r>
+            <a:endParaRPr lang="en-US" altLang="ja-JP" dirty="0" smtClean="0"/>
+          </a:p>
+          <a:p>
+            <a:r>
+              <a:rPr lang="ja-JP" altLang="en-US" dirty="0" smtClean="0"/>
+              <a:t>少しの時間動けなくなります。</a:t>
+            </a:r>
+            <a:endParaRPr lang="en-US" altLang="ja-JP" dirty="0" smtClean="0"/>
           </a:p>
         </p:txBody>
       </p:sp>

--- a/卒業制作_超ぶっ飛び超絶バトロワ（仮）.pptx
+++ b/卒業制作_超ぶっ飛び超絶バトロワ（仮）.pptx
@@ -5992,11 +5992,28 @@
           <a:prstGeom prst="ellipse">
             <a:avLst/>
           </a:prstGeom>
-          <a:solidFill>
-            <a:schemeClr val="bg2">
-              <a:lumMod val="90000"/>
-            </a:schemeClr>
-          </a:solidFill>
+          <a:gradFill flip="none" rotWithShape="1">
+            <a:gsLst>
+              <a:gs pos="0">
+                <a:schemeClr val="tx1">
+                  <a:alpha val="59000"/>
+                </a:schemeClr>
+              </a:gs>
+              <a:gs pos="69000">
+                <a:schemeClr val="bg1"/>
+              </a:gs>
+              <a:gs pos="83000">
+                <a:schemeClr val="bg1"/>
+              </a:gs>
+              <a:gs pos="100000">
+                <a:schemeClr val="bg1"/>
+              </a:gs>
+            </a:gsLst>
+            <a:path path="circle">
+              <a:fillToRect l="50000" t="50000" r="50000" b="50000"/>
+            </a:path>
+            <a:tileRect/>
+          </a:gradFill>
           <a:ln>
             <a:solidFill>
               <a:schemeClr val="tx1"/>
@@ -6076,7 +6093,7 @@
         </p:nvSpPr>
         <p:spPr>
           <a:xfrm>
-            <a:off x="5758747" y="3315901"/>
+            <a:off x="5806153" y="3315901"/>
             <a:ext cx="2952041" cy="830997"/>
           </a:xfrm>
           <a:prstGeom prst="rect">
@@ -6141,8 +6158,8 @@
         </p:nvCxnSpPr>
         <p:spPr>
           <a:xfrm>
-            <a:off x="8710788" y="3731400"/>
-            <a:ext cx="569111" cy="0"/>
+            <a:off x="8758194" y="3731400"/>
+            <a:ext cx="521705" cy="0"/>
           </a:xfrm>
           <a:prstGeom prst="straightConnector1">
             <a:avLst/>
@@ -12595,22 +12612,14 @@
             </a:r>
             <a:r>
               <a:rPr lang="ja-JP" altLang="en-US" dirty="0" smtClean="0"/>
-              <a:t>はゴーカートで</a:t>
-            </a:r>
+              <a:t>はゴーカートでぶつかって</a:t>
+            </a:r>
+            <a:endParaRPr lang="en-US" altLang="ja-JP" dirty="0" smtClean="0"/>
+          </a:p>
+          <a:p>
             <a:r>
               <a:rPr lang="ja-JP" altLang="en-US" dirty="0" smtClean="0"/>
-              <a:t>ぶつかって</a:t>
-            </a:r>
-            <a:endParaRPr lang="en-US" altLang="ja-JP" dirty="0" smtClean="0"/>
-          </a:p>
-          <a:p>
-            <a:r>
-              <a:rPr lang="ja-JP" altLang="en-US" dirty="0" smtClean="0"/>
-              <a:t>場外</a:t>
-            </a:r>
-            <a:r>
-              <a:rPr lang="ja-JP" altLang="en-US" dirty="0" smtClean="0"/>
-              <a:t>に落とし合うゲームです</a:t>
+              <a:t>場外に落とし合うゲームです</a:t>
             </a:r>
             <a:r>
               <a:rPr lang="ja-JP" altLang="en-US" dirty="0"/>

--- a/卒業制作_超ぶっ飛び超絶バトロワ（仮）.pptx
+++ b/卒業制作_超ぶっ飛び超絶バトロワ（仮）.pptx
@@ -28,6 +28,8 @@
     <p:sldId id="272" r:id="rId22"/>
     <p:sldId id="270" r:id="rId23"/>
     <p:sldId id="271" r:id="rId24"/>
+    <p:sldId id="285" r:id="rId25"/>
+    <p:sldId id="284" r:id="rId26"/>
   </p:sldIdLst>
   <p:sldSz cx="12192000" cy="6858000"/>
   <p:notesSz cx="6858000" cy="9144000"/>
@@ -265,7 +267,7 @@
           <a:p>
             <a:fld id="{45B9E0DA-C511-4EE6-BBCF-3E46AF171622}" type="datetimeFigureOut">
               <a:rPr kumimoji="1" lang="ja-JP" altLang="en-US" smtClean="0"/>
-              <a:t>2022/10/20</a:t>
+              <a:t>2022/10/26</a:t>
             </a:fld>
             <a:endParaRPr kumimoji="1" lang="ja-JP" altLang="en-US"/>
           </a:p>
@@ -467,7 +469,7 @@
           <a:p>
             <a:fld id="{45B9E0DA-C511-4EE6-BBCF-3E46AF171622}" type="datetimeFigureOut">
               <a:rPr kumimoji="1" lang="ja-JP" altLang="en-US" smtClean="0"/>
-              <a:t>2022/10/20</a:t>
+              <a:t>2022/10/26</a:t>
             </a:fld>
             <a:endParaRPr kumimoji="1" lang="ja-JP" altLang="en-US"/>
           </a:p>
@@ -679,7 +681,7 @@
           <a:p>
             <a:fld id="{45B9E0DA-C511-4EE6-BBCF-3E46AF171622}" type="datetimeFigureOut">
               <a:rPr kumimoji="1" lang="ja-JP" altLang="en-US" smtClean="0"/>
-              <a:t>2022/10/20</a:t>
+              <a:t>2022/10/26</a:t>
             </a:fld>
             <a:endParaRPr kumimoji="1" lang="ja-JP" altLang="en-US"/>
           </a:p>
@@ -881,7 +883,7 @@
           <a:p>
             <a:fld id="{45B9E0DA-C511-4EE6-BBCF-3E46AF171622}" type="datetimeFigureOut">
               <a:rPr kumimoji="1" lang="ja-JP" altLang="en-US" smtClean="0"/>
-              <a:t>2022/10/20</a:t>
+              <a:t>2022/10/26</a:t>
             </a:fld>
             <a:endParaRPr kumimoji="1" lang="ja-JP" altLang="en-US"/>
           </a:p>
@@ -1127,7 +1129,7 @@
           <a:p>
             <a:fld id="{45B9E0DA-C511-4EE6-BBCF-3E46AF171622}" type="datetimeFigureOut">
               <a:rPr kumimoji="1" lang="ja-JP" altLang="en-US" smtClean="0"/>
-              <a:t>2022/10/20</a:t>
+              <a:t>2022/10/26</a:t>
             </a:fld>
             <a:endParaRPr kumimoji="1" lang="ja-JP" altLang="en-US"/>
           </a:p>
@@ -1423,7 +1425,7 @@
           <a:p>
             <a:fld id="{45B9E0DA-C511-4EE6-BBCF-3E46AF171622}" type="datetimeFigureOut">
               <a:rPr kumimoji="1" lang="ja-JP" altLang="en-US" smtClean="0"/>
-              <a:t>2022/10/20</a:t>
+              <a:t>2022/10/26</a:t>
             </a:fld>
             <a:endParaRPr kumimoji="1" lang="ja-JP" altLang="en-US"/>
           </a:p>
@@ -1854,7 +1856,7 @@
           <a:p>
             <a:fld id="{45B9E0DA-C511-4EE6-BBCF-3E46AF171622}" type="datetimeFigureOut">
               <a:rPr kumimoji="1" lang="ja-JP" altLang="en-US" smtClean="0"/>
-              <a:t>2022/10/20</a:t>
+              <a:t>2022/10/26</a:t>
             </a:fld>
             <a:endParaRPr kumimoji="1" lang="ja-JP" altLang="en-US"/>
           </a:p>
@@ -1972,7 +1974,7 @@
           <a:p>
             <a:fld id="{45B9E0DA-C511-4EE6-BBCF-3E46AF171622}" type="datetimeFigureOut">
               <a:rPr kumimoji="1" lang="ja-JP" altLang="en-US" smtClean="0"/>
-              <a:t>2022/10/20</a:t>
+              <a:t>2022/10/26</a:t>
             </a:fld>
             <a:endParaRPr kumimoji="1" lang="ja-JP" altLang="en-US"/>
           </a:p>
@@ -2067,7 +2069,7 @@
           <a:p>
             <a:fld id="{45B9E0DA-C511-4EE6-BBCF-3E46AF171622}" type="datetimeFigureOut">
               <a:rPr kumimoji="1" lang="ja-JP" altLang="en-US" smtClean="0"/>
-              <a:t>2022/10/20</a:t>
+              <a:t>2022/10/26</a:t>
             </a:fld>
             <a:endParaRPr kumimoji="1" lang="ja-JP" altLang="en-US"/>
           </a:p>
@@ -2376,7 +2378,7 @@
           <a:p>
             <a:fld id="{45B9E0DA-C511-4EE6-BBCF-3E46AF171622}" type="datetimeFigureOut">
               <a:rPr kumimoji="1" lang="ja-JP" altLang="en-US" smtClean="0"/>
-              <a:t>2022/10/20</a:t>
+              <a:t>2022/10/26</a:t>
             </a:fld>
             <a:endParaRPr kumimoji="1" lang="ja-JP" altLang="en-US"/>
           </a:p>
@@ -2629,7 +2631,7 @@
           <a:p>
             <a:fld id="{45B9E0DA-C511-4EE6-BBCF-3E46AF171622}" type="datetimeFigureOut">
               <a:rPr kumimoji="1" lang="ja-JP" altLang="en-US" smtClean="0"/>
-              <a:t>2022/10/20</a:t>
+              <a:t>2022/10/26</a:t>
             </a:fld>
             <a:endParaRPr kumimoji="1" lang="ja-JP" altLang="en-US"/>
           </a:p>
@@ -2874,7 +2876,7 @@
           <a:p>
             <a:fld id="{45B9E0DA-C511-4EE6-BBCF-3E46AF171622}" type="datetimeFigureOut">
               <a:rPr kumimoji="1" lang="ja-JP" altLang="en-US" smtClean="0"/>
-              <a:t>2022/10/20</a:t>
+              <a:t>2022/10/26</a:t>
             </a:fld>
             <a:endParaRPr kumimoji="1" lang="ja-JP" altLang="en-US"/>
           </a:p>
@@ -11564,6 +11566,511 @@
 </p:sld>
 </file>
 
+<file path=ppt/slides/slide24.xml><?xml version="1.0" encoding="utf-8"?>
+<p:sld xmlns:a="http://schemas.openxmlformats.org/drawingml/2006/main" xmlns:r="http://schemas.openxmlformats.org/officeDocument/2006/relationships" xmlns:p="http://schemas.openxmlformats.org/presentationml/2006/main">
+  <p:cSld>
+    <p:spTree>
+      <p:nvGrpSpPr>
+        <p:cNvPr id="1" name=""/>
+        <p:cNvGrpSpPr/>
+        <p:nvPr/>
+      </p:nvGrpSpPr>
+      <p:grpSpPr>
+        <a:xfrm>
+          <a:off x="0" y="0"/>
+          <a:ext cx="0" cy="0"/>
+          <a:chOff x="0" y="0"/>
+          <a:chExt cx="0" cy="0"/>
+        </a:xfrm>
+      </p:grpSpPr>
+      <p:sp>
+        <p:nvSpPr>
+          <p:cNvPr id="2" name="タイトル 1"/>
+          <p:cNvSpPr>
+            <a:spLocks noGrp="1"/>
+          </p:cNvSpPr>
+          <p:nvPr>
+            <p:ph type="ctrTitle"/>
+          </p:nvPr>
+        </p:nvSpPr>
+        <p:spPr>
+          <a:xfrm>
+            <a:off x="767862" y="1372699"/>
+            <a:ext cx="10585938" cy="2387600"/>
+          </a:xfrm>
+        </p:spPr>
+        <p:txBody>
+          <a:bodyPr>
+            <a:normAutofit/>
+          </a:bodyPr>
+          <a:lstStyle/>
+          <a:p>
+            <a:r>
+              <a:rPr lang="ja-JP" altLang="en-US" dirty="0" smtClean="0"/>
+              <a:t>アイテム要素</a:t>
+            </a:r>
+            <a:endParaRPr kumimoji="1" lang="ja-JP" altLang="en-US" dirty="0"/>
+          </a:p>
+        </p:txBody>
+      </p:sp>
+    </p:spTree>
+    <p:extLst>
+      <p:ext uri="{BB962C8B-B14F-4D97-AF65-F5344CB8AC3E}">
+        <p14:creationId xmlns:p14="http://schemas.microsoft.com/office/powerpoint/2010/main" val="2492460810"/>
+      </p:ext>
+    </p:extLst>
+  </p:cSld>
+  <p:clrMapOvr>
+    <a:masterClrMapping/>
+  </p:clrMapOvr>
+</p:sld>
+</file>
+
+<file path=ppt/slides/slide25.xml><?xml version="1.0" encoding="utf-8"?>
+<p:sld xmlns:a="http://schemas.openxmlformats.org/drawingml/2006/main" xmlns:r="http://schemas.openxmlformats.org/officeDocument/2006/relationships" xmlns:p="http://schemas.openxmlformats.org/presentationml/2006/main">
+  <p:cSld>
+    <p:spTree>
+      <p:nvGrpSpPr>
+        <p:cNvPr id="1" name=""/>
+        <p:cNvGrpSpPr/>
+        <p:nvPr/>
+      </p:nvGrpSpPr>
+      <p:grpSpPr>
+        <a:xfrm>
+          <a:off x="0" y="0"/>
+          <a:ext cx="0" cy="0"/>
+          <a:chOff x="0" y="0"/>
+          <a:chExt cx="0" cy="0"/>
+        </a:xfrm>
+      </p:grpSpPr>
+      <p:sp>
+        <p:nvSpPr>
+          <p:cNvPr id="4" name="正方形/長方形 3"/>
+          <p:cNvSpPr/>
+          <p:nvPr/>
+        </p:nvSpPr>
+        <p:spPr>
+          <a:xfrm rot="1104829">
+            <a:off x="1241265" y="1770693"/>
+            <a:ext cx="1274253" cy="590413"/>
+          </a:xfrm>
+          <a:prstGeom prst="rect">
+            <a:avLst/>
+          </a:prstGeom>
+          <a:ln w="38100"/>
+        </p:spPr>
+        <p:style>
+          <a:lnRef idx="2">
+            <a:schemeClr val="accent5"/>
+          </a:lnRef>
+          <a:fillRef idx="1">
+            <a:schemeClr val="lt1"/>
+          </a:fillRef>
+          <a:effectRef idx="0">
+            <a:schemeClr val="accent5"/>
+          </a:effectRef>
+          <a:fontRef idx="minor">
+            <a:schemeClr val="dk1"/>
+          </a:fontRef>
+        </p:style>
+        <p:txBody>
+          <a:bodyPr rtlCol="0" anchor="ctr"/>
+          <a:lstStyle/>
+          <a:p>
+            <a:pPr algn="ctr"/>
+            <a:endParaRPr kumimoji="1" lang="ja-JP" altLang="en-US"/>
+          </a:p>
+        </p:txBody>
+      </p:sp>
+      <p:sp>
+        <p:nvSpPr>
+          <p:cNvPr id="5" name="テキスト ボックス 4"/>
+          <p:cNvSpPr txBox="1"/>
+          <p:nvPr/>
+        </p:nvSpPr>
+        <p:spPr>
+          <a:xfrm>
+            <a:off x="1622456" y="1886295"/>
+            <a:ext cx="576695" cy="369332"/>
+          </a:xfrm>
+          <a:prstGeom prst="rect">
+            <a:avLst/>
+          </a:prstGeom>
+          <a:noFill/>
+        </p:spPr>
+        <p:txBody>
+          <a:bodyPr wrap="square" rtlCol="0">
+            <a:spAutoFit/>
+          </a:bodyPr>
+          <a:lstStyle/>
+          <a:p>
+            <a:pPr algn="ctr"/>
+            <a:r>
+              <a:rPr kumimoji="1" lang="ja-JP" altLang="en-US" b="1" dirty="0" smtClean="0"/>
+              <a:t>車</a:t>
+            </a:r>
+            <a:endParaRPr kumimoji="1" lang="ja-JP" altLang="en-US" b="1" dirty="0"/>
+          </a:p>
+        </p:txBody>
+      </p:sp>
+      <p:sp>
+        <p:nvSpPr>
+          <p:cNvPr id="9" name="正方形/長方形 8"/>
+          <p:cNvSpPr/>
+          <p:nvPr/>
+        </p:nvSpPr>
+        <p:spPr>
+          <a:xfrm rot="20090550">
+            <a:off x="2470520" y="1702699"/>
+            <a:ext cx="1290084" cy="598732"/>
+          </a:xfrm>
+          <a:prstGeom prst="rect">
+            <a:avLst/>
+          </a:prstGeom>
+          <a:ln w="38100">
+            <a:solidFill>
+              <a:srgbClr val="FF0000"/>
+            </a:solidFill>
+          </a:ln>
+        </p:spPr>
+        <p:style>
+          <a:lnRef idx="2">
+            <a:schemeClr val="accent5"/>
+          </a:lnRef>
+          <a:fillRef idx="1">
+            <a:schemeClr val="lt1"/>
+          </a:fillRef>
+          <a:effectRef idx="0">
+            <a:schemeClr val="accent5"/>
+          </a:effectRef>
+          <a:fontRef idx="minor">
+            <a:schemeClr val="dk1"/>
+          </a:fontRef>
+        </p:style>
+        <p:txBody>
+          <a:bodyPr rtlCol="0" anchor="ctr"/>
+          <a:lstStyle/>
+          <a:p>
+            <a:pPr algn="ctr"/>
+            <a:endParaRPr kumimoji="1" lang="ja-JP" altLang="en-US"/>
+          </a:p>
+        </p:txBody>
+      </p:sp>
+      <p:sp>
+        <p:nvSpPr>
+          <p:cNvPr id="6" name="テキスト ボックス 5"/>
+          <p:cNvSpPr txBox="1"/>
+          <p:nvPr/>
+        </p:nvSpPr>
+        <p:spPr>
+          <a:xfrm>
+            <a:off x="2822431" y="1817400"/>
+            <a:ext cx="586263" cy="369332"/>
+          </a:xfrm>
+          <a:prstGeom prst="rect">
+            <a:avLst/>
+          </a:prstGeom>
+          <a:noFill/>
+        </p:spPr>
+        <p:txBody>
+          <a:bodyPr wrap="square" rtlCol="0">
+            <a:spAutoFit/>
+          </a:bodyPr>
+          <a:lstStyle/>
+          <a:p>
+            <a:pPr algn="ctr"/>
+            <a:r>
+              <a:rPr kumimoji="1" lang="ja-JP" altLang="en-US" b="1" dirty="0" smtClean="0"/>
+              <a:t>車</a:t>
+            </a:r>
+            <a:endParaRPr kumimoji="1" lang="ja-JP" altLang="en-US" b="1" dirty="0"/>
+          </a:p>
+        </p:txBody>
+      </p:sp>
+      <p:sp>
+        <p:nvSpPr>
+          <p:cNvPr id="7" name="テキスト ボックス 6"/>
+          <p:cNvSpPr txBox="1"/>
+          <p:nvPr/>
+        </p:nvSpPr>
+        <p:spPr>
+          <a:xfrm>
+            <a:off x="1512957" y="1331043"/>
+            <a:ext cx="795691" cy="400110"/>
+          </a:xfrm>
+          <a:prstGeom prst="rect">
+            <a:avLst/>
+          </a:prstGeom>
+          <a:noFill/>
+        </p:spPr>
+        <p:txBody>
+          <a:bodyPr wrap="square" rtlCol="0">
+            <a:spAutoFit/>
+          </a:bodyPr>
+          <a:lstStyle/>
+          <a:p>
+            <a:pPr algn="ctr"/>
+            <a:r>
+              <a:rPr kumimoji="1" lang="en-US" altLang="ja-JP" sz="2000" b="1" dirty="0" smtClean="0">
+                <a:ln>
+                  <a:solidFill>
+                    <a:schemeClr val="tx1"/>
+                  </a:solidFill>
+                </a:ln>
+                <a:solidFill>
+                  <a:srgbClr val="00B0F0"/>
+                </a:solidFill>
+              </a:rPr>
+              <a:t>1P</a:t>
+            </a:r>
+            <a:endParaRPr kumimoji="1" lang="ja-JP" altLang="en-US" sz="2000" b="1" dirty="0">
+              <a:ln>
+                <a:solidFill>
+                  <a:schemeClr val="tx1"/>
+                </a:solidFill>
+              </a:ln>
+              <a:solidFill>
+                <a:srgbClr val="00B0F0"/>
+              </a:solidFill>
+            </a:endParaRPr>
+          </a:p>
+        </p:txBody>
+      </p:sp>
+      <p:sp>
+        <p:nvSpPr>
+          <p:cNvPr id="8" name="テキスト ボックス 7"/>
+          <p:cNvSpPr txBox="1"/>
+          <p:nvPr/>
+        </p:nvSpPr>
+        <p:spPr>
+          <a:xfrm>
+            <a:off x="2599801" y="1322765"/>
+            <a:ext cx="808893" cy="400110"/>
+          </a:xfrm>
+          <a:prstGeom prst="rect">
+            <a:avLst/>
+          </a:prstGeom>
+          <a:noFill/>
+        </p:spPr>
+        <p:txBody>
+          <a:bodyPr wrap="square" rtlCol="0">
+            <a:spAutoFit/>
+          </a:bodyPr>
+          <a:lstStyle/>
+          <a:p>
+            <a:pPr algn="ctr"/>
+            <a:r>
+              <a:rPr lang="en-US" altLang="ja-JP" sz="2000" b="1" dirty="0">
+                <a:ln>
+                  <a:solidFill>
+                    <a:schemeClr val="tx1"/>
+                  </a:solidFill>
+                </a:ln>
+                <a:solidFill>
+                  <a:srgbClr val="FF0000"/>
+                </a:solidFill>
+              </a:rPr>
+              <a:t>2</a:t>
+            </a:r>
+            <a:r>
+              <a:rPr kumimoji="1" lang="en-US" altLang="ja-JP" sz="2000" b="1" dirty="0" smtClean="0">
+                <a:ln>
+                  <a:solidFill>
+                    <a:schemeClr val="tx1"/>
+                  </a:solidFill>
+                </a:ln>
+                <a:solidFill>
+                  <a:srgbClr val="FF0000"/>
+                </a:solidFill>
+              </a:rPr>
+              <a:t>P</a:t>
+            </a:r>
+            <a:endParaRPr kumimoji="1" lang="ja-JP" altLang="en-US" sz="2000" b="1" dirty="0">
+              <a:ln>
+                <a:solidFill>
+                  <a:schemeClr val="tx1"/>
+                </a:solidFill>
+              </a:ln>
+              <a:solidFill>
+                <a:srgbClr val="FF0000"/>
+              </a:solidFill>
+            </a:endParaRPr>
+          </a:p>
+        </p:txBody>
+      </p:sp>
+      <p:sp>
+        <p:nvSpPr>
+          <p:cNvPr id="11" name="正方形/長方形 10"/>
+          <p:cNvSpPr/>
+          <p:nvPr/>
+        </p:nvSpPr>
+        <p:spPr>
+          <a:xfrm>
+            <a:off x="1051079" y="1063870"/>
+            <a:ext cx="2975797" cy="1943100"/>
+          </a:xfrm>
+          <a:prstGeom prst="rect">
+            <a:avLst/>
+          </a:prstGeom>
+          <a:noFill/>
+          <a:ln w="76200">
+            <a:solidFill>
+              <a:schemeClr val="tx1"/>
+            </a:solidFill>
+          </a:ln>
+        </p:spPr>
+        <p:style>
+          <a:lnRef idx="2">
+            <a:schemeClr val="accent1">
+              <a:shade val="50000"/>
+            </a:schemeClr>
+          </a:lnRef>
+          <a:fillRef idx="1">
+            <a:schemeClr val="accent1"/>
+          </a:fillRef>
+          <a:effectRef idx="0">
+            <a:schemeClr val="accent1"/>
+          </a:effectRef>
+          <a:fontRef idx="minor">
+            <a:schemeClr val="lt1"/>
+          </a:fontRef>
+        </p:style>
+        <p:txBody>
+          <a:bodyPr rtlCol="0" anchor="ctr"/>
+          <a:lstStyle/>
+          <a:p>
+            <a:pPr algn="ctr"/>
+            <a:endParaRPr kumimoji="1" lang="ja-JP" altLang="en-US"/>
+          </a:p>
+        </p:txBody>
+      </p:sp>
+      <p:sp>
+        <p:nvSpPr>
+          <p:cNvPr id="12" name="テキスト ボックス 11"/>
+          <p:cNvSpPr txBox="1"/>
+          <p:nvPr/>
+        </p:nvSpPr>
+        <p:spPr>
+          <a:xfrm>
+            <a:off x="4740429" y="2055572"/>
+            <a:ext cx="3612264" cy="400110"/>
+          </a:xfrm>
+          <a:prstGeom prst="rect">
+            <a:avLst/>
+          </a:prstGeom>
+          <a:noFill/>
+        </p:spPr>
+        <p:txBody>
+          <a:bodyPr wrap="square" rtlCol="0">
+            <a:spAutoFit/>
+          </a:bodyPr>
+          <a:lstStyle/>
+          <a:p>
+            <a:r>
+              <a:rPr kumimoji="1" lang="ja-JP" altLang="en-US" sz="2000" b="1" dirty="0" smtClean="0"/>
+              <a:t>ぶつかっても反動がなくなる</a:t>
+            </a:r>
+            <a:endParaRPr kumimoji="1" lang="ja-JP" altLang="en-US" sz="2000" b="1" dirty="0"/>
+          </a:p>
+        </p:txBody>
+      </p:sp>
+      <p:sp>
+        <p:nvSpPr>
+          <p:cNvPr id="14" name="正方形/長方形 13"/>
+          <p:cNvSpPr/>
+          <p:nvPr/>
+        </p:nvSpPr>
+        <p:spPr>
+          <a:xfrm>
+            <a:off x="4540233" y="1663773"/>
+            <a:ext cx="4489467" cy="1554212"/>
+          </a:xfrm>
+          <a:prstGeom prst="rect">
+            <a:avLst/>
+          </a:prstGeom>
+          <a:noFill/>
+          <a:ln w="76200">
+            <a:solidFill>
+              <a:schemeClr val="tx1"/>
+            </a:solidFill>
+          </a:ln>
+        </p:spPr>
+        <p:style>
+          <a:lnRef idx="2">
+            <a:schemeClr val="accent1">
+              <a:shade val="50000"/>
+            </a:schemeClr>
+          </a:lnRef>
+          <a:fillRef idx="1">
+            <a:schemeClr val="accent1"/>
+          </a:fillRef>
+          <a:effectRef idx="0">
+            <a:schemeClr val="accent1"/>
+          </a:effectRef>
+          <a:fontRef idx="minor">
+            <a:schemeClr val="lt1"/>
+          </a:fontRef>
+        </p:style>
+        <p:txBody>
+          <a:bodyPr rtlCol="0" anchor="ctr"/>
+          <a:lstStyle/>
+          <a:p>
+            <a:pPr algn="ctr"/>
+            <a:endParaRPr kumimoji="1" lang="ja-JP" altLang="en-US"/>
+          </a:p>
+        </p:txBody>
+      </p:sp>
+      <p:sp>
+        <p:nvSpPr>
+          <p:cNvPr id="13" name="テキスト ボックス 12"/>
+          <p:cNvSpPr txBox="1"/>
+          <p:nvPr/>
+        </p:nvSpPr>
+        <p:spPr>
+          <a:xfrm>
+            <a:off x="5031588" y="1402163"/>
+            <a:ext cx="3506755" cy="523220"/>
+          </a:xfrm>
+          <a:prstGeom prst="rect">
+            <a:avLst/>
+          </a:prstGeom>
+          <a:solidFill>
+            <a:schemeClr val="bg1"/>
+          </a:solidFill>
+          <a:ln>
+            <a:solidFill>
+              <a:srgbClr val="FFC000"/>
+            </a:solidFill>
+          </a:ln>
+        </p:spPr>
+        <p:txBody>
+          <a:bodyPr wrap="square" rtlCol="0">
+            <a:spAutoFit/>
+          </a:bodyPr>
+          <a:lstStyle/>
+          <a:p>
+            <a:pPr algn="ctr"/>
+            <a:r>
+              <a:rPr kumimoji="1" lang="ja-JP" altLang="en-US" sz="2800" b="1" dirty="0" smtClean="0"/>
+              <a:t>スターみたいなやつ</a:t>
+            </a:r>
+            <a:endParaRPr kumimoji="1" lang="ja-JP" altLang="en-US" sz="2800" b="1" dirty="0"/>
+          </a:p>
+        </p:txBody>
+      </p:sp>
+    </p:spTree>
+    <p:extLst>
+      <p:ext uri="{BB962C8B-B14F-4D97-AF65-F5344CB8AC3E}">
+        <p14:creationId xmlns:p14="http://schemas.microsoft.com/office/powerpoint/2010/main" val="3838699081"/>
+      </p:ext>
+    </p:extLst>
+  </p:cSld>
+  <p:clrMapOvr>
+    <a:masterClrMapping/>
+  </p:clrMapOvr>
+</p:sld>
+</file>
+
 <file path=ppt/slides/slide3.xml><?xml version="1.0" encoding="utf-8"?>
 <p:sld xmlns:a="http://schemas.openxmlformats.org/drawingml/2006/main" xmlns:r="http://schemas.openxmlformats.org/officeDocument/2006/relationships" xmlns:p="http://schemas.openxmlformats.org/presentationml/2006/main">
   <p:cSld>
